--- a/Assembler Final Presentation.pptx
+++ b/Assembler Final Presentation.pptx
@@ -4,12 +4,16 @@
   <p:sldMasterIdLst>
     <p:sldMasterId id="2147483648" r:id="rId1"/>
   </p:sldMasterIdLst>
+  <p:notesMasterIdLst>
+    <p:notesMasterId r:id="rId8"/>
+  </p:notesMasterIdLst>
   <p:sldIdLst>
     <p:sldId id="256" r:id="rId2"/>
     <p:sldId id="257" r:id="rId3"/>
-    <p:sldId id="258" r:id="rId4"/>
-    <p:sldId id="259" r:id="rId5"/>
-    <p:sldId id="260" r:id="rId6"/>
+    <p:sldId id="261" r:id="rId4"/>
+    <p:sldId id="258" r:id="rId5"/>
+    <p:sldId id="259" r:id="rId6"/>
+    <p:sldId id="260" r:id="rId7"/>
   </p:sldIdLst>
   <p:sldSz cx="12192000" cy="6858000"/>
   <p:notesSz cx="6858000" cy="9144000"/>
@@ -108,7 +112,682 @@
       </a:defRPr>
     </a:lvl9pPr>
   </p:defaultTextStyle>
+  <p:extLst>
+    <p:ext uri="{EFAFB233-063F-42B5-8137-9DF3F51BA10A}">
+      <p15:sldGuideLst xmlns:p15="http://schemas.microsoft.com/office/powerpoint/2012/main"/>
+    </p:ext>
+  </p:extLst>
 </p:presentation>
+</file>
+
+<file path=ppt/notesMasters/notesMaster1.xml><?xml version="1.0" encoding="utf-8"?>
+<p:notesMaster xmlns:a="http://schemas.openxmlformats.org/drawingml/2006/main" xmlns:r="http://schemas.openxmlformats.org/officeDocument/2006/relationships" xmlns:p="http://schemas.openxmlformats.org/presentationml/2006/main">
+  <p:cSld>
+    <p:bg>
+      <p:bgRef idx="1001">
+        <a:schemeClr val="bg1"/>
+      </p:bgRef>
+    </p:bg>
+    <p:spTree>
+      <p:nvGrpSpPr>
+        <p:cNvPr id="1" name=""/>
+        <p:cNvGrpSpPr/>
+        <p:nvPr/>
+      </p:nvGrpSpPr>
+      <p:grpSpPr>
+        <a:xfrm>
+          <a:off x="0" y="0"/>
+          <a:ext cx="0" cy="0"/>
+          <a:chOff x="0" y="0"/>
+          <a:chExt cx="0" cy="0"/>
+        </a:xfrm>
+      </p:grpSpPr>
+      <p:sp>
+        <p:nvSpPr>
+          <p:cNvPr id="2" name="Header Placeholder 1"/>
+          <p:cNvSpPr>
+            <a:spLocks noGrp="1"/>
+          </p:cNvSpPr>
+          <p:nvPr>
+            <p:ph type="hdr" sz="quarter"/>
+          </p:nvPr>
+        </p:nvSpPr>
+        <p:spPr>
+          <a:xfrm>
+            <a:off x="0" y="0"/>
+            <a:ext cx="2971800" cy="458788"/>
+          </a:xfrm>
+          <a:prstGeom prst="rect">
+            <a:avLst/>
+          </a:prstGeom>
+        </p:spPr>
+        <p:txBody>
+          <a:bodyPr vert="horz" lIns="91440" tIns="45720" rIns="91440" bIns="45720" rtlCol="0"/>
+          <a:lstStyle>
+            <a:lvl1pPr algn="l">
+              <a:defRPr sz="1200"/>
+            </a:lvl1pPr>
+          </a:lstStyle>
+          <a:p>
+            <a:endParaRPr lang="en-US"/>
+          </a:p>
+        </p:txBody>
+      </p:sp>
+      <p:sp>
+        <p:nvSpPr>
+          <p:cNvPr id="3" name="Date Placeholder 2"/>
+          <p:cNvSpPr>
+            <a:spLocks noGrp="1"/>
+          </p:cNvSpPr>
+          <p:nvPr>
+            <p:ph type="dt" idx="1"/>
+          </p:nvPr>
+        </p:nvSpPr>
+        <p:spPr>
+          <a:xfrm>
+            <a:off x="3884613" y="0"/>
+            <a:ext cx="2971800" cy="458788"/>
+          </a:xfrm>
+          <a:prstGeom prst="rect">
+            <a:avLst/>
+          </a:prstGeom>
+        </p:spPr>
+        <p:txBody>
+          <a:bodyPr vert="horz" lIns="91440" tIns="45720" rIns="91440" bIns="45720" rtlCol="0"/>
+          <a:lstStyle>
+            <a:lvl1pPr algn="r">
+              <a:defRPr sz="1200"/>
+            </a:lvl1pPr>
+          </a:lstStyle>
+          <a:p>
+            <a:fld id="{622F34BB-CA97-4A5B-8AA7-DAAF0613F171}" type="datetimeFigureOut">
+              <a:rPr lang="en-US" smtClean="0"/>
+              <a:t>12/8/2016</a:t>
+            </a:fld>
+            <a:endParaRPr lang="en-US"/>
+          </a:p>
+        </p:txBody>
+      </p:sp>
+      <p:sp>
+        <p:nvSpPr>
+          <p:cNvPr id="4" name="Slide Image Placeholder 3"/>
+          <p:cNvSpPr>
+            <a:spLocks noGrp="1" noRot="1" noChangeAspect="1"/>
+          </p:cNvSpPr>
+          <p:nvPr>
+            <p:ph type="sldImg" idx="2"/>
+          </p:nvPr>
+        </p:nvSpPr>
+        <p:spPr>
+          <a:xfrm>
+            <a:off x="685800" y="1143000"/>
+            <a:ext cx="5486400" cy="3086100"/>
+          </a:xfrm>
+          <a:prstGeom prst="rect">
+            <a:avLst/>
+          </a:prstGeom>
+          <a:noFill/>
+          <a:ln w="12700">
+            <a:solidFill>
+              <a:prstClr val="black"/>
+            </a:solidFill>
+          </a:ln>
+        </p:spPr>
+        <p:txBody>
+          <a:bodyPr vert="horz" lIns="91440" tIns="45720" rIns="91440" bIns="45720" rtlCol="0" anchor="ctr"/>
+          <a:lstStyle/>
+          <a:p>
+            <a:endParaRPr lang="en-US"/>
+          </a:p>
+        </p:txBody>
+      </p:sp>
+      <p:sp>
+        <p:nvSpPr>
+          <p:cNvPr id="5" name="Notes Placeholder 4"/>
+          <p:cNvSpPr>
+            <a:spLocks noGrp="1"/>
+          </p:cNvSpPr>
+          <p:nvPr>
+            <p:ph type="body" sz="quarter" idx="3"/>
+          </p:nvPr>
+        </p:nvSpPr>
+        <p:spPr>
+          <a:xfrm>
+            <a:off x="685800" y="4400550"/>
+            <a:ext cx="5486400" cy="3600450"/>
+          </a:xfrm>
+          <a:prstGeom prst="rect">
+            <a:avLst/>
+          </a:prstGeom>
+        </p:spPr>
+        <p:txBody>
+          <a:bodyPr vert="horz" lIns="91440" tIns="45720" rIns="91440" bIns="45720" rtlCol="0"/>
+          <a:lstStyle/>
+          <a:p>
+            <a:pPr lvl="0"/>
+            <a:r>
+              <a:rPr lang="en-US"/>
+              <a:t>Edit Master text styles</a:t>
+            </a:r>
+          </a:p>
+          <a:p>
+            <a:pPr lvl="1"/>
+            <a:r>
+              <a:rPr lang="en-US"/>
+              <a:t>Second level</a:t>
+            </a:r>
+          </a:p>
+          <a:p>
+            <a:pPr lvl="2"/>
+            <a:r>
+              <a:rPr lang="en-US"/>
+              <a:t>Third level</a:t>
+            </a:r>
+          </a:p>
+          <a:p>
+            <a:pPr lvl="3"/>
+            <a:r>
+              <a:rPr lang="en-US"/>
+              <a:t>Fourth level</a:t>
+            </a:r>
+          </a:p>
+          <a:p>
+            <a:pPr lvl="4"/>
+            <a:r>
+              <a:rPr lang="en-US"/>
+              <a:t>Fifth level</a:t>
+            </a:r>
+          </a:p>
+        </p:txBody>
+      </p:sp>
+      <p:sp>
+        <p:nvSpPr>
+          <p:cNvPr id="6" name="Footer Placeholder 5"/>
+          <p:cNvSpPr>
+            <a:spLocks noGrp="1"/>
+          </p:cNvSpPr>
+          <p:nvPr>
+            <p:ph type="ftr" sz="quarter" idx="4"/>
+          </p:nvPr>
+        </p:nvSpPr>
+        <p:spPr>
+          <a:xfrm>
+            <a:off x="0" y="8685213"/>
+            <a:ext cx="2971800" cy="458787"/>
+          </a:xfrm>
+          <a:prstGeom prst="rect">
+            <a:avLst/>
+          </a:prstGeom>
+        </p:spPr>
+        <p:txBody>
+          <a:bodyPr vert="horz" lIns="91440" tIns="45720" rIns="91440" bIns="45720" rtlCol="0" anchor="b"/>
+          <a:lstStyle>
+            <a:lvl1pPr algn="l">
+              <a:defRPr sz="1200"/>
+            </a:lvl1pPr>
+          </a:lstStyle>
+          <a:p>
+            <a:endParaRPr lang="en-US"/>
+          </a:p>
+        </p:txBody>
+      </p:sp>
+      <p:sp>
+        <p:nvSpPr>
+          <p:cNvPr id="7" name="Slide Number Placeholder 6"/>
+          <p:cNvSpPr>
+            <a:spLocks noGrp="1"/>
+          </p:cNvSpPr>
+          <p:nvPr>
+            <p:ph type="sldNum" sz="quarter" idx="5"/>
+          </p:nvPr>
+        </p:nvSpPr>
+        <p:spPr>
+          <a:xfrm>
+            <a:off x="3884613" y="8685213"/>
+            <a:ext cx="2971800" cy="458787"/>
+          </a:xfrm>
+          <a:prstGeom prst="rect">
+            <a:avLst/>
+          </a:prstGeom>
+        </p:spPr>
+        <p:txBody>
+          <a:bodyPr vert="horz" lIns="91440" tIns="45720" rIns="91440" bIns="45720" rtlCol="0" anchor="b"/>
+          <a:lstStyle>
+            <a:lvl1pPr algn="r">
+              <a:defRPr sz="1200"/>
+            </a:lvl1pPr>
+          </a:lstStyle>
+          <a:p>
+            <a:fld id="{8A510666-73D6-45B1-89A9-78B1C12DD968}" type="slidenum">
+              <a:rPr lang="en-US" smtClean="0"/>
+              <a:t>‹#›</a:t>
+            </a:fld>
+            <a:endParaRPr lang="en-US"/>
+          </a:p>
+        </p:txBody>
+      </p:sp>
+    </p:spTree>
+    <p:extLst>
+      <p:ext uri="{BB962C8B-B14F-4D97-AF65-F5344CB8AC3E}">
+        <p14:creationId xmlns:p14="http://schemas.microsoft.com/office/powerpoint/2010/main" val="3201043563"/>
+      </p:ext>
+    </p:extLst>
+  </p:cSld>
+  <p:clrMap bg1="lt1" tx1="dk1" bg2="lt2" tx2="dk2" accent1="accent1" accent2="accent2" accent3="accent3" accent4="accent4" accent5="accent5" accent6="accent6" hlink="hlink" folHlink="folHlink"/>
+  <p:notesStyle>
+    <a:lvl1pPr marL="0" algn="l" defTabSz="914400" rtl="0" eaLnBrk="1" latinLnBrk="0" hangingPunct="1">
+      <a:defRPr sz="1200" kern="1200">
+        <a:solidFill>
+          <a:schemeClr val="tx1"/>
+        </a:solidFill>
+        <a:latin typeface="+mn-lt"/>
+        <a:ea typeface="+mn-ea"/>
+        <a:cs typeface="+mn-cs"/>
+      </a:defRPr>
+    </a:lvl1pPr>
+    <a:lvl2pPr marL="457200" algn="l" defTabSz="914400" rtl="0" eaLnBrk="1" latinLnBrk="0" hangingPunct="1">
+      <a:defRPr sz="1200" kern="1200">
+        <a:solidFill>
+          <a:schemeClr val="tx1"/>
+        </a:solidFill>
+        <a:latin typeface="+mn-lt"/>
+        <a:ea typeface="+mn-ea"/>
+        <a:cs typeface="+mn-cs"/>
+      </a:defRPr>
+    </a:lvl2pPr>
+    <a:lvl3pPr marL="914400" algn="l" defTabSz="914400" rtl="0" eaLnBrk="1" latinLnBrk="0" hangingPunct="1">
+      <a:defRPr sz="1200" kern="1200">
+        <a:solidFill>
+          <a:schemeClr val="tx1"/>
+        </a:solidFill>
+        <a:latin typeface="+mn-lt"/>
+        <a:ea typeface="+mn-ea"/>
+        <a:cs typeface="+mn-cs"/>
+      </a:defRPr>
+    </a:lvl3pPr>
+    <a:lvl4pPr marL="1371600" algn="l" defTabSz="914400" rtl="0" eaLnBrk="1" latinLnBrk="0" hangingPunct="1">
+      <a:defRPr sz="1200" kern="1200">
+        <a:solidFill>
+          <a:schemeClr val="tx1"/>
+        </a:solidFill>
+        <a:latin typeface="+mn-lt"/>
+        <a:ea typeface="+mn-ea"/>
+        <a:cs typeface="+mn-cs"/>
+      </a:defRPr>
+    </a:lvl4pPr>
+    <a:lvl5pPr marL="1828800" algn="l" defTabSz="914400" rtl="0" eaLnBrk="1" latinLnBrk="0" hangingPunct="1">
+      <a:defRPr sz="1200" kern="1200">
+        <a:solidFill>
+          <a:schemeClr val="tx1"/>
+        </a:solidFill>
+        <a:latin typeface="+mn-lt"/>
+        <a:ea typeface="+mn-ea"/>
+        <a:cs typeface="+mn-cs"/>
+      </a:defRPr>
+    </a:lvl5pPr>
+    <a:lvl6pPr marL="2286000" algn="l" defTabSz="914400" rtl="0" eaLnBrk="1" latinLnBrk="0" hangingPunct="1">
+      <a:defRPr sz="1200" kern="1200">
+        <a:solidFill>
+          <a:schemeClr val="tx1"/>
+        </a:solidFill>
+        <a:latin typeface="+mn-lt"/>
+        <a:ea typeface="+mn-ea"/>
+        <a:cs typeface="+mn-cs"/>
+      </a:defRPr>
+    </a:lvl6pPr>
+    <a:lvl7pPr marL="2743200" algn="l" defTabSz="914400" rtl="0" eaLnBrk="1" latinLnBrk="0" hangingPunct="1">
+      <a:defRPr sz="1200" kern="1200">
+        <a:solidFill>
+          <a:schemeClr val="tx1"/>
+        </a:solidFill>
+        <a:latin typeface="+mn-lt"/>
+        <a:ea typeface="+mn-ea"/>
+        <a:cs typeface="+mn-cs"/>
+      </a:defRPr>
+    </a:lvl7pPr>
+    <a:lvl8pPr marL="3200400" algn="l" defTabSz="914400" rtl="0" eaLnBrk="1" latinLnBrk="0" hangingPunct="1">
+      <a:defRPr sz="1200" kern="1200">
+        <a:solidFill>
+          <a:schemeClr val="tx1"/>
+        </a:solidFill>
+        <a:latin typeface="+mn-lt"/>
+        <a:ea typeface="+mn-ea"/>
+        <a:cs typeface="+mn-cs"/>
+      </a:defRPr>
+    </a:lvl8pPr>
+    <a:lvl9pPr marL="3657600" algn="l" defTabSz="914400" rtl="0" eaLnBrk="1" latinLnBrk="0" hangingPunct="1">
+      <a:defRPr sz="1200" kern="1200">
+        <a:solidFill>
+          <a:schemeClr val="tx1"/>
+        </a:solidFill>
+        <a:latin typeface="+mn-lt"/>
+        <a:ea typeface="+mn-ea"/>
+        <a:cs typeface="+mn-cs"/>
+      </a:defRPr>
+    </a:lvl9pPr>
+  </p:notesStyle>
+</p:notesMaster>
+</file>
+
+<file path=ppt/notesSlides/notesSlide1.xml><?xml version="1.0" encoding="utf-8"?>
+<p:notes xmlns:a="http://schemas.openxmlformats.org/drawingml/2006/main" xmlns:r="http://schemas.openxmlformats.org/officeDocument/2006/relationships" xmlns:p="http://schemas.openxmlformats.org/presentationml/2006/main">
+  <p:cSld>
+    <p:spTree>
+      <p:nvGrpSpPr>
+        <p:cNvPr id="1" name=""/>
+        <p:cNvGrpSpPr/>
+        <p:nvPr/>
+      </p:nvGrpSpPr>
+      <p:grpSpPr>
+        <a:xfrm>
+          <a:off x="0" y="0"/>
+          <a:ext cx="0" cy="0"/>
+          <a:chOff x="0" y="0"/>
+          <a:chExt cx="0" cy="0"/>
+        </a:xfrm>
+      </p:grpSpPr>
+      <p:sp>
+        <p:nvSpPr>
+          <p:cNvPr id="2" name="Slide Image Placeholder 1"/>
+          <p:cNvSpPr>
+            <a:spLocks noGrp="1" noRot="1" noChangeAspect="1"/>
+          </p:cNvSpPr>
+          <p:nvPr>
+            <p:ph type="sldImg"/>
+          </p:nvPr>
+        </p:nvSpPr>
+        <p:spPr/>
+      </p:sp>
+      <p:sp>
+        <p:nvSpPr>
+          <p:cNvPr id="3" name="Notes Placeholder 2"/>
+          <p:cNvSpPr>
+            <a:spLocks noGrp="1"/>
+          </p:cNvSpPr>
+          <p:nvPr>
+            <p:ph type="body" idx="1"/>
+          </p:nvPr>
+        </p:nvSpPr>
+        <p:spPr/>
+        <p:txBody>
+          <a:bodyPr/>
+          <a:lstStyle/>
+          <a:p>
+            <a:pPr marL="0" marR="0" lvl="0" indent="0" algn="l" defTabSz="914400" rtl="0" eaLnBrk="1" fontAlgn="auto" latinLnBrk="0" hangingPunct="1">
+              <a:lnSpc>
+                <a:spcPct val="100000"/>
+              </a:lnSpc>
+              <a:spcBef>
+                <a:spcPts val="0"/>
+              </a:spcBef>
+              <a:spcAft>
+                <a:spcPts val="0"/>
+              </a:spcAft>
+              <a:buClrTx/>
+              <a:buSzTx/>
+              <a:buFontTx/>
+              <a:buNone/>
+              <a:tabLst/>
+              <a:defRPr/>
+            </a:pPr>
+            <a:r>
+              <a:rPr lang="en-US" dirty="0"/>
+              <a:t>A description of the “design” of the program. Use a flow chart and (possibly) class diagrams (if your project has any user defined classes in it) to illustrate the design of your program.</a:t>
+            </a:r>
+          </a:p>
+          <a:p>
+            <a:endParaRPr lang="en-US" dirty="0"/>
+          </a:p>
+        </p:txBody>
+      </p:sp>
+      <p:sp>
+        <p:nvSpPr>
+          <p:cNvPr id="4" name="Slide Number Placeholder 3"/>
+          <p:cNvSpPr>
+            <a:spLocks noGrp="1"/>
+          </p:cNvSpPr>
+          <p:nvPr>
+            <p:ph type="sldNum" sz="quarter" idx="10"/>
+          </p:nvPr>
+        </p:nvSpPr>
+        <p:spPr/>
+        <p:txBody>
+          <a:bodyPr/>
+          <a:lstStyle/>
+          <a:p>
+            <a:fld id="{8A510666-73D6-45B1-89A9-78B1C12DD968}" type="slidenum">
+              <a:rPr lang="en-US" smtClean="0"/>
+              <a:t>4</a:t>
+            </a:fld>
+            <a:endParaRPr lang="en-US"/>
+          </a:p>
+        </p:txBody>
+      </p:sp>
+    </p:spTree>
+    <p:extLst>
+      <p:ext uri="{BB962C8B-B14F-4D97-AF65-F5344CB8AC3E}">
+        <p14:creationId xmlns:p14="http://schemas.microsoft.com/office/powerpoint/2010/main" val="4282890970"/>
+      </p:ext>
+    </p:extLst>
+  </p:cSld>
+  <p:clrMapOvr>
+    <a:masterClrMapping/>
+  </p:clrMapOvr>
+</p:notes>
+</file>
+
+<file path=ppt/notesSlides/notesSlide2.xml><?xml version="1.0" encoding="utf-8"?>
+<p:notes xmlns:a="http://schemas.openxmlformats.org/drawingml/2006/main" xmlns:r="http://schemas.openxmlformats.org/officeDocument/2006/relationships" xmlns:p="http://schemas.openxmlformats.org/presentationml/2006/main">
+  <p:cSld>
+    <p:spTree>
+      <p:nvGrpSpPr>
+        <p:cNvPr id="1" name=""/>
+        <p:cNvGrpSpPr/>
+        <p:nvPr/>
+      </p:nvGrpSpPr>
+      <p:grpSpPr>
+        <a:xfrm>
+          <a:off x="0" y="0"/>
+          <a:ext cx="0" cy="0"/>
+          <a:chOff x="0" y="0"/>
+          <a:chExt cx="0" cy="0"/>
+        </a:xfrm>
+      </p:grpSpPr>
+      <p:sp>
+        <p:nvSpPr>
+          <p:cNvPr id="2" name="Slide Image Placeholder 1"/>
+          <p:cNvSpPr>
+            <a:spLocks noGrp="1" noRot="1" noChangeAspect="1"/>
+          </p:cNvSpPr>
+          <p:nvPr>
+            <p:ph type="sldImg"/>
+          </p:nvPr>
+        </p:nvSpPr>
+        <p:spPr/>
+      </p:sp>
+      <p:sp>
+        <p:nvSpPr>
+          <p:cNvPr id="3" name="Notes Placeholder 2"/>
+          <p:cNvSpPr>
+            <a:spLocks noGrp="1"/>
+          </p:cNvSpPr>
+          <p:nvPr>
+            <p:ph type="body" idx="1"/>
+          </p:nvPr>
+        </p:nvSpPr>
+        <p:spPr/>
+        <p:txBody>
+          <a:bodyPr/>
+          <a:lstStyle/>
+          <a:p>
+            <a:pPr marL="0" marR="0" lvl="0" indent="0" algn="l" defTabSz="914400" rtl="0" eaLnBrk="1" fontAlgn="auto" latinLnBrk="0" hangingPunct="1">
+              <a:lnSpc>
+                <a:spcPct val="100000"/>
+              </a:lnSpc>
+              <a:spcBef>
+                <a:spcPts val="0"/>
+              </a:spcBef>
+              <a:spcAft>
+                <a:spcPts val="0"/>
+              </a:spcAft>
+              <a:buClrTx/>
+              <a:buSzTx/>
+              <a:buFontTx/>
+              <a:buNone/>
+              <a:tabLst/>
+              <a:defRPr/>
+            </a:pPr>
+            <a:r>
+              <a:rPr lang="en-US" dirty="0"/>
+              <a:t>A very brief, high level, “code walkthrough” to show the rest of the class the code your group wrote. Describe the general outline of your code, but please don’t walkthrough your code line by line.</a:t>
+            </a:r>
+          </a:p>
+          <a:p>
+            <a:endParaRPr lang="en-US" dirty="0"/>
+          </a:p>
+        </p:txBody>
+      </p:sp>
+      <p:sp>
+        <p:nvSpPr>
+          <p:cNvPr id="4" name="Slide Number Placeholder 3"/>
+          <p:cNvSpPr>
+            <a:spLocks noGrp="1"/>
+          </p:cNvSpPr>
+          <p:nvPr>
+            <p:ph type="sldNum" sz="quarter" idx="10"/>
+          </p:nvPr>
+        </p:nvSpPr>
+        <p:spPr/>
+        <p:txBody>
+          <a:bodyPr/>
+          <a:lstStyle/>
+          <a:p>
+            <a:fld id="{8A510666-73D6-45B1-89A9-78B1C12DD968}" type="slidenum">
+              <a:rPr lang="en-US" smtClean="0"/>
+              <a:t>5</a:t>
+            </a:fld>
+            <a:endParaRPr lang="en-US"/>
+          </a:p>
+        </p:txBody>
+      </p:sp>
+    </p:spTree>
+    <p:extLst>
+      <p:ext uri="{BB962C8B-B14F-4D97-AF65-F5344CB8AC3E}">
+        <p14:creationId xmlns:p14="http://schemas.microsoft.com/office/powerpoint/2010/main" val="3648076098"/>
+      </p:ext>
+    </p:extLst>
+  </p:cSld>
+  <p:clrMapOvr>
+    <a:masterClrMapping/>
+  </p:clrMapOvr>
+</p:notes>
+</file>
+
+<file path=ppt/notesSlides/notesSlide3.xml><?xml version="1.0" encoding="utf-8"?>
+<p:notes xmlns:a="http://schemas.openxmlformats.org/drawingml/2006/main" xmlns:r="http://schemas.openxmlformats.org/officeDocument/2006/relationships" xmlns:p="http://schemas.openxmlformats.org/presentationml/2006/main">
+  <p:cSld>
+    <p:spTree>
+      <p:nvGrpSpPr>
+        <p:cNvPr id="1" name=""/>
+        <p:cNvGrpSpPr/>
+        <p:nvPr/>
+      </p:nvGrpSpPr>
+      <p:grpSpPr>
+        <a:xfrm>
+          <a:off x="0" y="0"/>
+          <a:ext cx="0" cy="0"/>
+          <a:chOff x="0" y="0"/>
+          <a:chExt cx="0" cy="0"/>
+        </a:xfrm>
+      </p:grpSpPr>
+      <p:sp>
+        <p:nvSpPr>
+          <p:cNvPr id="2" name="Slide Image Placeholder 1"/>
+          <p:cNvSpPr>
+            <a:spLocks noGrp="1" noRot="1" noChangeAspect="1"/>
+          </p:cNvSpPr>
+          <p:nvPr>
+            <p:ph type="sldImg"/>
+          </p:nvPr>
+        </p:nvSpPr>
+        <p:spPr/>
+      </p:sp>
+      <p:sp>
+        <p:nvSpPr>
+          <p:cNvPr id="3" name="Notes Placeholder 2"/>
+          <p:cNvSpPr>
+            <a:spLocks noGrp="1"/>
+          </p:cNvSpPr>
+          <p:nvPr>
+            <p:ph type="body" idx="1"/>
+          </p:nvPr>
+        </p:nvSpPr>
+        <p:spPr/>
+        <p:txBody>
+          <a:bodyPr/>
+          <a:lstStyle/>
+          <a:p>
+            <a:pPr marL="0" marR="0" lvl="0" indent="0" algn="l" defTabSz="914400" rtl="0" eaLnBrk="1" fontAlgn="auto" latinLnBrk="0" hangingPunct="1">
+              <a:lnSpc>
+                <a:spcPct val="100000"/>
+              </a:lnSpc>
+              <a:spcBef>
+                <a:spcPts val="0"/>
+              </a:spcBef>
+              <a:spcAft>
+                <a:spcPts val="0"/>
+              </a:spcAft>
+              <a:buClrTx/>
+              <a:buSzTx/>
+              <a:buFontTx/>
+              <a:buNone/>
+              <a:tabLst/>
+              <a:defRPr/>
+            </a:pPr>
+            <a:r>
+              <a:rPr lang="en-US" dirty="0"/>
+              <a:t>A description of the “lessons learned” in the process of doing the group project.</a:t>
+            </a:r>
+          </a:p>
+          <a:p>
+            <a:endParaRPr lang="en-US" dirty="0"/>
+          </a:p>
+        </p:txBody>
+      </p:sp>
+      <p:sp>
+        <p:nvSpPr>
+          <p:cNvPr id="4" name="Slide Number Placeholder 3"/>
+          <p:cNvSpPr>
+            <a:spLocks noGrp="1"/>
+          </p:cNvSpPr>
+          <p:nvPr>
+            <p:ph type="sldNum" sz="quarter" idx="10"/>
+          </p:nvPr>
+        </p:nvSpPr>
+        <p:spPr/>
+        <p:txBody>
+          <a:bodyPr/>
+          <a:lstStyle/>
+          <a:p>
+            <a:fld id="{8A510666-73D6-45B1-89A9-78B1C12DD968}" type="slidenum">
+              <a:rPr lang="en-US" smtClean="0"/>
+              <a:t>6</a:t>
+            </a:fld>
+            <a:endParaRPr lang="en-US"/>
+          </a:p>
+        </p:txBody>
+      </p:sp>
+    </p:spTree>
+    <p:extLst>
+      <p:ext uri="{BB962C8B-B14F-4D97-AF65-F5344CB8AC3E}">
+        <p14:creationId xmlns:p14="http://schemas.microsoft.com/office/powerpoint/2010/main" val="28236611"/>
+      </p:ext>
+    </p:extLst>
+  </p:cSld>
+  <p:clrMapOvr>
+    <a:masterClrMapping/>
+  </p:clrMapOvr>
+</p:notes>
 </file>
 
 <file path=ppt/slideLayouts/slideLayout1.xml><?xml version="1.0" encoding="utf-8"?>
@@ -156,7 +835,6 @@
               <a:rPr lang="en-US"/>
               <a:t>Click to edit Master title style</a:t>
             </a:r>
-            <a:endParaRPr lang="en-US"/>
           </a:p>
         </p:txBody>
       </p:sp>
@@ -221,7 +899,6 @@
               <a:rPr lang="en-US"/>
               <a:t>Click to edit Master subtitle style</a:t>
             </a:r>
-            <a:endParaRPr lang="en-US"/>
           </a:p>
         </p:txBody>
       </p:sp>
@@ -242,7 +919,7 @@
           <a:p>
             <a:fld id="{BF43FF52-8086-462A-8EF5-97B69E432801}" type="datetimeFigureOut">
               <a:rPr lang="en-US" smtClean="0"/>
-              <a:t>12/5/2016</a:t>
+              <a:t>12/8/2016</a:t>
             </a:fld>
             <a:endParaRPr lang="en-US"/>
           </a:p>
@@ -339,7 +1016,6 @@
               <a:rPr lang="en-US"/>
               <a:t>Click to edit Master title style</a:t>
             </a:r>
-            <a:endParaRPr lang="en-US"/>
           </a:p>
         </p:txBody>
       </p:sp>
@@ -391,7 +1067,6 @@
               <a:rPr lang="en-US"/>
               <a:t>Fifth level</a:t>
             </a:r>
-            <a:endParaRPr lang="en-US"/>
           </a:p>
         </p:txBody>
       </p:sp>
@@ -412,7 +1087,7 @@
           <a:p>
             <a:fld id="{BF43FF52-8086-462A-8EF5-97B69E432801}" type="datetimeFigureOut">
               <a:rPr lang="en-US" smtClean="0"/>
-              <a:t>12/5/2016</a:t>
+              <a:t>12/8/2016</a:t>
             </a:fld>
             <a:endParaRPr lang="en-US"/>
           </a:p>
@@ -514,7 +1189,6 @@
               <a:rPr lang="en-US"/>
               <a:t>Click to edit Master title style</a:t>
             </a:r>
-            <a:endParaRPr lang="en-US"/>
           </a:p>
         </p:txBody>
       </p:sp>
@@ -571,7 +1245,6 @@
               <a:rPr lang="en-US"/>
               <a:t>Fifth level</a:t>
             </a:r>
-            <a:endParaRPr lang="en-US"/>
           </a:p>
         </p:txBody>
       </p:sp>
@@ -592,7 +1265,7 @@
           <a:p>
             <a:fld id="{BF43FF52-8086-462A-8EF5-97B69E432801}" type="datetimeFigureOut">
               <a:rPr lang="en-US" smtClean="0"/>
-              <a:t>12/5/2016</a:t>
+              <a:t>12/8/2016</a:t>
             </a:fld>
             <a:endParaRPr lang="en-US"/>
           </a:p>
@@ -689,7 +1362,6 @@
               <a:rPr lang="en-US"/>
               <a:t>Click to edit Master title style</a:t>
             </a:r>
-            <a:endParaRPr lang="en-US"/>
           </a:p>
         </p:txBody>
       </p:sp>
@@ -741,7 +1413,6 @@
               <a:rPr lang="en-US"/>
               <a:t>Fifth level</a:t>
             </a:r>
-            <a:endParaRPr lang="en-US"/>
           </a:p>
         </p:txBody>
       </p:sp>
@@ -762,7 +1433,7 @@
           <a:p>
             <a:fld id="{BF43FF52-8086-462A-8EF5-97B69E432801}" type="datetimeFigureOut">
               <a:rPr lang="en-US" smtClean="0"/>
-              <a:t>12/5/2016</a:t>
+              <a:t>12/8/2016</a:t>
             </a:fld>
             <a:endParaRPr lang="en-US"/>
           </a:p>
@@ -868,7 +1539,6 @@
               <a:rPr lang="en-US"/>
               <a:t>Click to edit Master title style</a:t>
             </a:r>
-            <a:endParaRPr lang="en-US"/>
           </a:p>
         </p:txBody>
       </p:sp>
@@ -1008,7 +1678,7 @@
           <a:p>
             <a:fld id="{BF43FF52-8086-462A-8EF5-97B69E432801}" type="datetimeFigureOut">
               <a:rPr lang="en-US" smtClean="0"/>
-              <a:t>12/5/2016</a:t>
+              <a:t>12/8/2016</a:t>
             </a:fld>
             <a:endParaRPr lang="en-US"/>
           </a:p>
@@ -1105,7 +1775,6 @@
               <a:rPr lang="en-US"/>
               <a:t>Click to edit Master title style</a:t>
             </a:r>
-            <a:endParaRPr lang="en-US"/>
           </a:p>
         </p:txBody>
       </p:sp>
@@ -1162,7 +1831,6 @@
               <a:rPr lang="en-US"/>
               <a:t>Fifth level</a:t>
             </a:r>
-            <a:endParaRPr lang="en-US"/>
           </a:p>
         </p:txBody>
       </p:sp>
@@ -1219,7 +1887,6 @@
               <a:rPr lang="en-US"/>
               <a:t>Fifth level</a:t>
             </a:r>
-            <a:endParaRPr lang="en-US"/>
           </a:p>
         </p:txBody>
       </p:sp>
@@ -1240,7 +1907,7 @@
           <a:p>
             <a:fld id="{BF43FF52-8086-462A-8EF5-97B69E432801}" type="datetimeFigureOut">
               <a:rPr lang="en-US" smtClean="0"/>
-              <a:t>12/5/2016</a:t>
+              <a:t>12/8/2016</a:t>
             </a:fld>
             <a:endParaRPr lang="en-US"/>
           </a:p>
@@ -1342,7 +2009,6 @@
               <a:rPr lang="en-US"/>
               <a:t>Click to edit Master title style</a:t>
             </a:r>
-            <a:endParaRPr lang="en-US"/>
           </a:p>
         </p:txBody>
       </p:sp>
@@ -1464,7 +2130,6 @@
               <a:rPr lang="en-US"/>
               <a:t>Fifth level</a:t>
             </a:r>
-            <a:endParaRPr lang="en-US"/>
           </a:p>
         </p:txBody>
       </p:sp>
@@ -1586,7 +2251,6 @@
               <a:rPr lang="en-US"/>
               <a:t>Fifth level</a:t>
             </a:r>
-            <a:endParaRPr lang="en-US"/>
           </a:p>
         </p:txBody>
       </p:sp>
@@ -1607,7 +2271,7 @@
           <a:p>
             <a:fld id="{BF43FF52-8086-462A-8EF5-97B69E432801}" type="datetimeFigureOut">
               <a:rPr lang="en-US" smtClean="0"/>
-              <a:t>12/5/2016</a:t>
+              <a:t>12/8/2016</a:t>
             </a:fld>
             <a:endParaRPr lang="en-US"/>
           </a:p>
@@ -1704,7 +2368,6 @@
               <a:rPr lang="en-US"/>
               <a:t>Click to edit Master title style</a:t>
             </a:r>
-            <a:endParaRPr lang="en-US"/>
           </a:p>
         </p:txBody>
       </p:sp>
@@ -1725,7 +2388,7 @@
           <a:p>
             <a:fld id="{BF43FF52-8086-462A-8EF5-97B69E432801}" type="datetimeFigureOut">
               <a:rPr lang="en-US" smtClean="0"/>
-              <a:t>12/5/2016</a:t>
+              <a:t>12/8/2016</a:t>
             </a:fld>
             <a:endParaRPr lang="en-US"/>
           </a:p>
@@ -1820,7 +2483,7 @@
           <a:p>
             <a:fld id="{BF43FF52-8086-462A-8EF5-97B69E432801}" type="datetimeFigureOut">
               <a:rPr lang="en-US" smtClean="0"/>
-              <a:t>12/5/2016</a:t>
+              <a:t>12/8/2016</a:t>
             </a:fld>
             <a:endParaRPr lang="en-US"/>
           </a:p>
@@ -1926,7 +2589,6 @@
               <a:rPr lang="en-US"/>
               <a:t>Click to edit Master title style</a:t>
             </a:r>
-            <a:endParaRPr lang="en-US"/>
           </a:p>
         </p:txBody>
       </p:sp>
@@ -2011,7 +2673,6 @@
               <a:rPr lang="en-US"/>
               <a:t>Fifth level</a:t>
             </a:r>
-            <a:endParaRPr lang="en-US"/>
           </a:p>
         </p:txBody>
       </p:sp>
@@ -2097,7 +2758,7 @@
           <a:p>
             <a:fld id="{BF43FF52-8086-462A-8EF5-97B69E432801}" type="datetimeFigureOut">
               <a:rPr lang="en-US" smtClean="0"/>
-              <a:t>12/5/2016</a:t>
+              <a:t>12/8/2016</a:t>
             </a:fld>
             <a:endParaRPr lang="en-US"/>
           </a:p>
@@ -2203,7 +2864,6 @@
               <a:rPr lang="en-US"/>
               <a:t>Click to edit Master title style</a:t>
             </a:r>
-            <a:endParaRPr lang="en-US"/>
           </a:p>
         </p:txBody>
       </p:sp>
@@ -2350,7 +3010,7 @@
           <a:p>
             <a:fld id="{BF43FF52-8086-462A-8EF5-97B69E432801}" type="datetimeFigureOut">
               <a:rPr lang="en-US" smtClean="0"/>
-              <a:t>12/5/2016</a:t>
+              <a:t>12/8/2016</a:t>
             </a:fld>
             <a:endParaRPr lang="en-US"/>
           </a:p>
@@ -2462,7 +3122,6 @@
               <a:rPr lang="en-US"/>
               <a:t>Click to edit Master title style</a:t>
             </a:r>
-            <a:endParaRPr lang="en-US"/>
           </a:p>
         </p:txBody>
       </p:sp>
@@ -2524,7 +3183,6 @@
               <a:rPr lang="en-US"/>
               <a:t>Fifth level</a:t>
             </a:r>
-            <a:endParaRPr lang="en-US"/>
           </a:p>
         </p:txBody>
       </p:sp>
@@ -2563,7 +3221,7 @@
           <a:p>
             <a:fld id="{BF43FF52-8086-462A-8EF5-97B69E432801}" type="datetimeFigureOut">
               <a:rPr lang="en-US" smtClean="0"/>
-              <a:t>12/5/2016</a:t>
+              <a:t>12/8/2016</a:t>
             </a:fld>
             <a:endParaRPr lang="en-US"/>
           </a:p>
@@ -3044,6 +3702,129 @@
       </p:grpSpPr>
       <p:sp>
         <p:nvSpPr>
+          <p:cNvPr id="10" name="Rectangle 6"/>
+          <p:cNvSpPr>
+            <a:spLocks noGrp="1" noRot="1" noChangeAspect="1" noMove="1" noResize="1" noEditPoints="1" noAdjustHandles="1" noChangeArrowheads="1" noChangeShapeType="1" noTextEdit="1"/>
+          </p:cNvSpPr>
+          <p:nvPr>
+            <p:extLst>
+              <p:ext uri="{386F3935-93C4-4BCD-93E2-E3B085C9AB24}">
+                <p16:designElem xmlns:p16="http://schemas.microsoft.com/office/powerpoint/2015/main" val="1"/>
+              </p:ext>
+            </p:extLst>
+          </p:nvPr>
+        </p:nvSpPr>
+        <p:spPr bwMode="white">
+          <a:xfrm>
+            <a:off x="0" y="0"/>
+            <a:ext cx="12192000" cy="6858000"/>
+          </a:xfrm>
+          <a:prstGeom prst="rect">
+            <a:avLst/>
+          </a:prstGeom>
+          <a:solidFill>
+            <a:schemeClr val="bg1"/>
+          </a:solidFill>
+          <a:ln>
+            <a:noFill/>
+          </a:ln>
+          <a:effectLst/>
+        </p:spPr>
+      </p:sp>
+      <p:sp>
+        <p:nvSpPr>
+          <p:cNvPr id="11" name="Rectangle 7"/>
+          <p:cNvSpPr>
+            <a:spLocks noGrp="1" noRot="1" noChangeAspect="1" noMove="1" noResize="1" noEditPoints="1" noAdjustHandles="1" noChangeArrowheads="1" noChangeShapeType="1" noTextEdit="1"/>
+          </p:cNvSpPr>
+          <p:nvPr>
+            <p:extLst>
+              <p:ext uri="{386F3935-93C4-4BCD-93E2-E3B085C9AB24}">
+                <p16:designElem xmlns:p16="http://schemas.microsoft.com/office/powerpoint/2015/main" val="1"/>
+              </p:ext>
+            </p:extLst>
+          </p:nvPr>
+        </p:nvSpPr>
+        <p:spPr>
+          <a:xfrm>
+            <a:off x="0" y="2"/>
+            <a:ext cx="4636008" cy="6857998"/>
+          </a:xfrm>
+          <a:prstGeom prst="rect">
+            <a:avLst/>
+          </a:prstGeom>
+          <a:solidFill>
+            <a:schemeClr val="tx1">
+              <a:lumMod val="85000"/>
+              <a:lumOff val="15000"/>
+            </a:schemeClr>
+          </a:solidFill>
+          <a:ln>
+            <a:noFill/>
+          </a:ln>
+          <a:effectLst/>
+        </p:spPr>
+        <p:style>
+          <a:lnRef idx="1">
+            <a:schemeClr val="accent1"/>
+          </a:lnRef>
+          <a:fillRef idx="3">
+            <a:schemeClr val="accent1"/>
+          </a:fillRef>
+          <a:effectRef idx="2">
+            <a:schemeClr val="accent1"/>
+          </a:effectRef>
+          <a:fontRef idx="minor">
+            <a:schemeClr val="lt1"/>
+          </a:fontRef>
+        </p:style>
+        <p:txBody>
+          <a:bodyPr rtlCol="0" anchor="ctr"/>
+          <a:lstStyle/>
+          <a:p>
+            <a:pPr algn="ctr" defTabSz="457200"/>
+            <a:endParaRPr lang="en-US">
+              <a:solidFill>
+                <a:srgbClr val="FFFFFF"/>
+              </a:solidFill>
+              <a:latin typeface="Calibri" panose="020F0502020204030204"/>
+            </a:endParaRPr>
+          </a:p>
+        </p:txBody>
+      </p:sp>
+      <p:pic>
+        <p:nvPicPr>
+          <p:cNvPr id="5" name="Content Placeholder 4"/>
+          <p:cNvPicPr>
+            <a:picLocks noGrp="1" noChangeAspect="1"/>
+          </p:cNvPicPr>
+          <p:nvPr>
+            <p:ph sz="half" idx="2"/>
+          </p:nvPr>
+        </p:nvPicPr>
+        <p:blipFill rotWithShape="1">
+          <a:blip r:embed="rId2">
+            <a:extLst>
+              <a:ext uri="{28A0092B-C50C-407E-A947-70E740481C1C}">
+                <a14:useLocalDpi xmlns:a14="http://schemas.microsoft.com/office/drawing/2010/main" val="0"/>
+              </a:ext>
+            </a:extLst>
+          </a:blip>
+          <a:stretch/>
+        </p:blipFill>
+        <p:spPr>
+          <a:xfrm>
+            <a:off x="5644388" y="629266"/>
+            <a:ext cx="5658612" cy="5658612"/>
+          </a:xfrm>
+          <a:prstGeom prst="rect">
+            <a:avLst/>
+          </a:prstGeom>
+          <a:effectLst/>
+        </p:spPr>
+      </p:pic>
+      <p:sp>
+        <p:nvSpPr>
           <p:cNvPr id="2" name="Title 1"/>
           <p:cNvSpPr>
             <a:spLocks noGrp="1"/>
@@ -3052,13 +3833,24 @@
             <p:ph type="title"/>
           </p:nvPr>
         </p:nvSpPr>
-        <p:spPr/>
-        <p:txBody>
-          <a:bodyPr/>
+        <p:spPr>
+          <a:xfrm>
+            <a:off x="648929" y="629266"/>
+            <a:ext cx="3667039" cy="1676603"/>
+          </a:xfrm>
+        </p:spPr>
+        <p:txBody>
+          <a:bodyPr vert="horz" lIns="91440" tIns="45720" rIns="91440" bIns="45720" rtlCol="0" anchor="ctr">
+            <a:normAutofit/>
+          </a:bodyPr>
           <a:lstStyle/>
           <a:p>
             <a:r>
-              <a:rPr lang="en-US" dirty="0"/>
+              <a:rPr lang="en-US" sz="3600">
+                <a:solidFill>
+                  <a:schemeClr val="bg1"/>
+                </a:solidFill>
+              </a:rPr>
               <a:t>Description of Project</a:t>
             </a:r>
           </a:p>
@@ -3071,17 +3863,38 @@
             <a:spLocks noGrp="1"/>
           </p:cNvSpPr>
           <p:nvPr>
-            <p:ph idx="1"/>
-          </p:nvPr>
-        </p:nvSpPr>
-        <p:spPr/>
-        <p:txBody>
-          <a:bodyPr/>
+            <p:ph sz="half" idx="1"/>
+          </p:nvPr>
+        </p:nvSpPr>
+        <p:spPr>
+          <a:xfrm>
+            <a:off x="648931" y="2438401"/>
+            <a:ext cx="3667036" cy="3779520"/>
+          </a:xfrm>
+        </p:spPr>
+        <p:txBody>
+          <a:bodyPr vert="horz" lIns="91440" tIns="45720" rIns="91440" bIns="45720" rtlCol="0">
+            <a:normAutofit/>
+          </a:bodyPr>
           <a:lstStyle/>
           <a:p>
             <a:r>
-              <a:rPr lang="en-US" dirty="0"/>
-              <a:t>Specific goal(s) the group tried to accomplish and a description of the unique responsibilities of each group member. What portion did each of you do?</a:t>
+              <a:rPr lang="en-US" sz="1800">
+                <a:solidFill>
+                  <a:schemeClr val="bg1"/>
+                </a:solidFill>
+              </a:rPr>
+              <a:t>Our group wanted to make a challenging program that would still be fun, plus there are 4 people in our group so connect FOUR just made sense</a:t>
+            </a:r>
+          </a:p>
+          <a:p>
+            <a:r>
+              <a:rPr lang="en-US" sz="1800">
+                <a:solidFill>
+                  <a:schemeClr val="bg1"/>
+                </a:solidFill>
+              </a:rPr>
+              <a:t>We wanted to write as much of the project in assembler as possible, ends up we did all of it in assembler! Mission accomplished.</a:t>
             </a:r>
           </a:p>
         </p:txBody>
@@ -3133,7 +3946,7 @@
           <a:p>
             <a:r>
               <a:rPr lang="en-US" dirty="0"/>
-              <a:t>Design</a:t>
+              <a:t>Unique Responsibilities</a:t>
             </a:r>
           </a:p>
         </p:txBody>
@@ -3155,8 +3968,28 @@
           <a:p>
             <a:r>
               <a:rPr lang="en-US" dirty="0"/>
-              <a:t>A description of the “design” of the program. Use a flow chart and (possibly) class diagrams (if your project has any user defined classes in it) to illustrate the design of your program.</a:t>
-            </a:r>
+              <a:t>Justice-</a:t>
+            </a:r>
+          </a:p>
+          <a:p>
+            <a:r>
+              <a:rPr lang="en-US" dirty="0"/>
+              <a:t>Kathleen-</a:t>
+            </a:r>
+          </a:p>
+          <a:p>
+            <a:r>
+              <a:rPr lang="en-US" dirty="0"/>
+              <a:t>Andrew-</a:t>
+            </a:r>
+          </a:p>
+          <a:p>
+            <a:r>
+              <a:rPr lang="en-US" dirty="0"/>
+              <a:t>Ryan-</a:t>
+            </a:r>
+          </a:p>
+          <a:p>
             <a:endParaRPr lang="en-US" dirty="0"/>
           </a:p>
         </p:txBody>
@@ -3164,7 +3997,7 @@
     </p:spTree>
     <p:extLst>
       <p:ext uri="{BB962C8B-B14F-4D97-AF65-F5344CB8AC3E}">
-        <p14:creationId xmlns:p14="http://schemas.microsoft.com/office/powerpoint/2010/main" val="1682673184"/>
+        <p14:creationId xmlns:p14="http://schemas.microsoft.com/office/powerpoint/2010/main" val="3355642475"/>
       </p:ext>
     </p:extLst>
   </p:cSld>
@@ -3208,7 +4041,7 @@
           <a:p>
             <a:r>
               <a:rPr lang="en-US" dirty="0"/>
-              <a:t>Code Walkthrough</a:t>
+              <a:t>Design</a:t>
             </a:r>
           </a:p>
         </p:txBody>
@@ -3228,10 +4061,6 @@
           <a:bodyPr/>
           <a:lstStyle/>
           <a:p>
-            <a:r>
-              <a:rPr lang="en-US" dirty="0"/>
-              <a:t>A very brief, high level, “code walkthrough” to show the rest of the class the code your group wrote. Describe the general outline of your code, but please don’t walkthrough your code line by line.</a:t>
-            </a:r>
             <a:endParaRPr lang="en-US" dirty="0"/>
           </a:p>
         </p:txBody>
@@ -3239,7 +4068,7 @@
     </p:spTree>
     <p:extLst>
       <p:ext uri="{BB962C8B-B14F-4D97-AF65-F5344CB8AC3E}">
-        <p14:creationId xmlns:p14="http://schemas.microsoft.com/office/powerpoint/2010/main" val="1947910991"/>
+        <p14:creationId xmlns:p14="http://schemas.microsoft.com/office/powerpoint/2010/main" val="1682673184"/>
       </p:ext>
     </p:extLst>
   </p:cSld>
@@ -3283,7 +4112,7 @@
           <a:p>
             <a:r>
               <a:rPr lang="en-US" dirty="0"/>
-              <a:t>Lessons Learned</a:t>
+              <a:t>Code Walkthrough/ Demo</a:t>
             </a:r>
           </a:p>
         </p:txBody>
@@ -3296,6 +4125,3829 @@
           </p:cNvSpPr>
           <p:nvPr>
             <p:ph idx="1"/>
+          </p:nvPr>
+        </p:nvSpPr>
+        <p:spPr>
+          <a:xfrm>
+            <a:off x="226243" y="1385740"/>
+            <a:ext cx="11717518" cy="5194169"/>
+          </a:xfrm>
+        </p:spPr>
+        <p:txBody>
+          <a:bodyPr>
+            <a:noAutofit/>
+          </a:bodyPr>
+          <a:lstStyle/>
+          <a:p>
+            <a:pPr marL="0" indent="0">
+              <a:buNone/>
+            </a:pPr>
+            <a:r>
+              <a:rPr lang="en-US" sz="400" dirty="0"/>
+              <a:t>TITLE Connect Four Assembler </a:t>
+            </a:r>
+            <a:r>
+              <a:rPr lang="en-US" sz="400" dirty="0" err="1"/>
+              <a:t>Code;Program</a:t>
+            </a:r>
+            <a:r>
+              <a:rPr lang="en-US" sz="400" dirty="0"/>
+              <a:t> Description: Connect Four written entirely in assembler, algorithms and </a:t>
+            </a:r>
+            <a:r>
+              <a:rPr lang="en-US" sz="400" dirty="0" err="1"/>
+              <a:t>all;Author</a:t>
+            </a:r>
+            <a:r>
+              <a:rPr lang="en-US" sz="400" dirty="0"/>
+              <a:t>:			Kathleen, Andrew, Ryan, </a:t>
+            </a:r>
+            <a:r>
+              <a:rPr lang="en-US" sz="400" dirty="0" err="1"/>
+              <a:t>Jusice;Creation</a:t>
+            </a:r>
+            <a:r>
+              <a:rPr lang="en-US" sz="400" dirty="0"/>
+              <a:t> Date:               12/01/2016;Latest Revision:			  12/07/2016 ; 32-bit assembly language </a:t>
+            </a:r>
+            <a:r>
+              <a:rPr lang="en-US" sz="400" dirty="0" err="1"/>
+              <a:t>templateINCLUDE</a:t>
+            </a:r>
+            <a:r>
+              <a:rPr lang="en-US" sz="400" dirty="0"/>
+              <a:t> Irvine32.inc;----------------------------DATA----------------------------------------.datap1Prompt BYTE "Player 1: what is your name? ",0p2Prompt BYTE "Player 2: what is your name? ",0p1Name DWORD 80 DUP(0)p2Name DWORD 80 DUP(0)MM BYTE 1MMtitle BYTE "MAIN MENU",0MMplay BYTE "1) Play game",0MMinstructions BYTE "2) Instructions",0MMstats BYTE "3) See stats",0MMexit BYTE "4) Exit",0MMprompt BYTE "Please chose a valid value from the main menu (1-4)",0MMinvalid BYTE "Not a valid option, please enter a value 1 - 4",0instruct BYTE "Be the first to place 4 tiles in a row! Switch off between player 1 and 2 until someone wins or the board fills up.",0instructionsTitle BYTE "INSTRUCTIONS",0anyKey BYTE "Press any key to continue...",0board DWORD 42 DUP (?)	;allocates space for a 6x7 </a:t>
+            </a:r>
+            <a:r>
+              <a:rPr lang="en-US" sz="400" dirty="0" err="1"/>
+              <a:t>boardi</a:t>
+            </a:r>
+            <a:r>
+              <a:rPr lang="en-US" sz="400" dirty="0"/>
+              <a:t> DWORD 0blank DWORD " ",0inarow BYTE 1 col BYTE ?row BYTE ?seven DWORD 7validPlace DWORD ?</a:t>
+            </a:r>
+            <a:r>
+              <a:rPr lang="en-US" sz="400" dirty="0" err="1"/>
+              <a:t>colChoice</a:t>
+            </a:r>
+            <a:r>
+              <a:rPr lang="en-US" sz="400" dirty="0"/>
+              <a:t> DWORD 0curCol DWORD 0placed DWORD 0tileDropPrompt BYTE ", where would you like to drop your tile? (Choose columns 1 - 7)",0invalidCol BYTE "Column is full, please choose a different </a:t>
+            </a:r>
+            <a:r>
+              <a:rPr lang="en-US" sz="400" dirty="0" err="1"/>
+              <a:t>column"invalidB</a:t>
+            </a:r>
+            <a:r>
+              <a:rPr lang="en-US" sz="400" dirty="0"/>
+              <a:t> BYTE "Please enter a value between 1 and 7: "win BYTE 48			;win is going to be a kind of </a:t>
+            </a:r>
+            <a:r>
+              <a:rPr lang="en-US" sz="400" dirty="0" err="1"/>
+              <a:t>boolean</a:t>
+            </a:r>
+            <a:r>
+              <a:rPr lang="en-US" sz="400" dirty="0"/>
+              <a:t> set to either 1 or 0 in </a:t>
+            </a:r>
+            <a:r>
+              <a:rPr lang="en-US" sz="400" dirty="0" err="1"/>
+              <a:t>asciiplayer</a:t>
+            </a:r>
+            <a:r>
+              <a:rPr lang="en-US" sz="400" dirty="0"/>
+              <a:t> DWORD 15		;player 1 is 15, player 2 is 254 (both </a:t>
+            </a:r>
+            <a:r>
+              <a:rPr lang="en-US" sz="400" dirty="0" err="1"/>
+              <a:t>ascii</a:t>
+            </a:r>
+            <a:r>
+              <a:rPr lang="en-US" sz="400" dirty="0"/>
+              <a:t> characters)</a:t>
+            </a:r>
+            <a:r>
+              <a:rPr lang="en-US" sz="400" dirty="0" err="1"/>
+              <a:t>winnerTxt</a:t>
+            </a:r>
+            <a:r>
+              <a:rPr lang="en-US" sz="400" dirty="0"/>
+              <a:t> BYTE " won!",0drawTxt BYTE "It's a draw!",0scorePrompt BYTE " score is ",0p1Score DWORD 0		;holds scores of player 1p2Score DWORD 0		;holds scores of player 2againUser BYTE 49	;</a:t>
+            </a:r>
+            <a:r>
+              <a:rPr lang="en-US" sz="400" dirty="0" err="1"/>
+              <a:t>againUser</a:t>
+            </a:r>
+            <a:r>
+              <a:rPr lang="en-US" sz="400" dirty="0"/>
+              <a:t> is a </a:t>
+            </a:r>
+            <a:r>
+              <a:rPr lang="en-US" sz="400" dirty="0" err="1"/>
+              <a:t>aboolean</a:t>
+            </a:r>
+            <a:r>
+              <a:rPr lang="en-US" sz="400" dirty="0"/>
+              <a:t> that is either 1 or 0 in </a:t>
+            </a:r>
+            <a:r>
+              <a:rPr lang="en-US" sz="400" dirty="0" err="1"/>
+              <a:t>asciiplayAgain</a:t>
+            </a:r>
+            <a:r>
+              <a:rPr lang="en-US" sz="400" dirty="0"/>
+              <a:t> BYTE "Would you like to play again? Enter 1 for yes and 0 for no: ",0endGameMsg BYTE "Thank you for playing connect four, come back soon!",0;-------------------------------MAIN FUNCTION------------------------------------- .</a:t>
+            </a:r>
+            <a:r>
+              <a:rPr lang="en-US" sz="400" dirty="0" err="1"/>
+              <a:t>codemain</a:t>
+            </a:r>
+            <a:r>
+              <a:rPr lang="en-US" sz="400" dirty="0"/>
+              <a:t> proc	call </a:t>
+            </a:r>
+            <a:r>
+              <a:rPr lang="en-US" sz="400" dirty="0" err="1"/>
+              <a:t>askName</a:t>
+            </a:r>
+            <a:r>
+              <a:rPr lang="en-US" sz="400" dirty="0"/>
+              <a:t>				;ask users names at beginning and then not again while program is </a:t>
+            </a:r>
+            <a:r>
+              <a:rPr lang="en-US" sz="400" dirty="0" err="1"/>
+              <a:t>runningBeginGame</a:t>
+            </a:r>
+            <a:r>
+              <a:rPr lang="en-US" sz="400" dirty="0"/>
+              <a:t>:	call </a:t>
+            </a:r>
+            <a:r>
+              <a:rPr lang="en-US" sz="400" dirty="0" err="1"/>
+              <a:t>mainMenu</a:t>
+            </a:r>
+            <a:r>
+              <a:rPr lang="en-US" sz="400" dirty="0"/>
+              <a:t>				;display main menu	</a:t>
+            </a:r>
+            <a:r>
+              <a:rPr lang="en-US" sz="400" dirty="0" err="1"/>
+              <a:t>cmp</a:t>
+            </a:r>
+            <a:r>
+              <a:rPr lang="en-US" sz="400" dirty="0"/>
+              <a:t> MM, 49					;if MM == 1 play the game		</a:t>
+            </a:r>
+            <a:r>
+              <a:rPr lang="en-US" sz="400" dirty="0" err="1"/>
+              <a:t>je</a:t>
+            </a:r>
+            <a:r>
+              <a:rPr lang="en-US" sz="400" dirty="0"/>
+              <a:t> Play	</a:t>
+            </a:r>
+            <a:r>
+              <a:rPr lang="en-US" sz="400" dirty="0" err="1"/>
+              <a:t>cmp</a:t>
+            </a:r>
+            <a:r>
+              <a:rPr lang="en-US" sz="400" dirty="0"/>
+              <a:t>	MM, 52					;if MM == 4 end the game		</a:t>
+            </a:r>
+            <a:r>
+              <a:rPr lang="en-US" sz="400" dirty="0" err="1"/>
+              <a:t>je</a:t>
+            </a:r>
+            <a:r>
+              <a:rPr lang="en-US" sz="400" dirty="0"/>
+              <a:t> </a:t>
+            </a:r>
+            <a:r>
+              <a:rPr lang="en-US" sz="400" dirty="0" err="1"/>
+              <a:t>EndGame</a:t>
+            </a:r>
+            <a:r>
+              <a:rPr lang="en-US" sz="400" dirty="0"/>
+              <a:t>		</a:t>
+            </a:r>
+            <a:r>
+              <a:rPr lang="en-US" sz="400" dirty="0" err="1"/>
+              <a:t>cmp</a:t>
+            </a:r>
+            <a:r>
+              <a:rPr lang="en-US" sz="400" dirty="0"/>
+              <a:t> MM, 50					;if MM == 2 give instructions and </a:t>
+            </a:r>
+            <a:r>
+              <a:rPr lang="en-US" sz="400" dirty="0" err="1"/>
+              <a:t>jmp</a:t>
+            </a:r>
+            <a:r>
+              <a:rPr lang="en-US" sz="400" dirty="0"/>
+              <a:t> to beginning 		</a:t>
+            </a:r>
+            <a:r>
+              <a:rPr lang="en-US" sz="400" dirty="0" err="1"/>
+              <a:t>jne</a:t>
+            </a:r>
+            <a:r>
+              <a:rPr lang="en-US" sz="400" dirty="0"/>
+              <a:t> Next		call instructions		</a:t>
+            </a:r>
+            <a:r>
+              <a:rPr lang="en-US" sz="400" dirty="0" err="1"/>
+              <a:t>jmp</a:t>
+            </a:r>
+            <a:r>
+              <a:rPr lang="en-US" sz="400" dirty="0"/>
+              <a:t> </a:t>
+            </a:r>
+            <a:r>
+              <a:rPr lang="en-US" sz="400" dirty="0" err="1"/>
+              <a:t>BeginGame</a:t>
+            </a:r>
+            <a:r>
+              <a:rPr lang="en-US" sz="400" dirty="0"/>
+              <a:t>	Next:	</a:t>
+            </a:r>
+            <a:r>
+              <a:rPr lang="en-US" sz="400" dirty="0" err="1"/>
+              <a:t>cmp</a:t>
+            </a:r>
+            <a:r>
+              <a:rPr lang="en-US" sz="400" dirty="0"/>
+              <a:t> MM, 51					;if MM == 3 display stats and </a:t>
+            </a:r>
+            <a:r>
+              <a:rPr lang="en-US" sz="400" dirty="0" err="1"/>
+              <a:t>jmp</a:t>
+            </a:r>
+            <a:r>
+              <a:rPr lang="en-US" sz="400" dirty="0"/>
+              <a:t> to beginning 		</a:t>
+            </a:r>
+            <a:r>
+              <a:rPr lang="en-US" sz="400" dirty="0" err="1"/>
+              <a:t>jne</a:t>
+            </a:r>
+            <a:r>
+              <a:rPr lang="en-US" sz="400" dirty="0"/>
+              <a:t> Next1		call </a:t>
+            </a:r>
+            <a:r>
+              <a:rPr lang="en-US" sz="400" dirty="0" err="1"/>
+              <a:t>displayStats</a:t>
+            </a:r>
+            <a:r>
+              <a:rPr lang="en-US" sz="400" dirty="0"/>
+              <a:t>		</a:t>
+            </a:r>
+            <a:r>
+              <a:rPr lang="en-US" sz="400" dirty="0" err="1"/>
+              <a:t>jmp</a:t>
+            </a:r>
+            <a:r>
+              <a:rPr lang="en-US" sz="400" dirty="0"/>
+              <a:t> </a:t>
+            </a:r>
+            <a:r>
+              <a:rPr lang="en-US" sz="400" dirty="0" err="1"/>
+              <a:t>BeginGame</a:t>
+            </a:r>
+            <a:r>
+              <a:rPr lang="en-US" sz="400" dirty="0"/>
+              <a:t>	Next1:		</a:t>
+            </a:r>
+            <a:r>
+              <a:rPr lang="en-US" sz="400" dirty="0" err="1"/>
+              <a:t>mov</a:t>
+            </a:r>
+            <a:r>
+              <a:rPr lang="en-US" sz="400" dirty="0"/>
+              <a:t> </a:t>
+            </a:r>
+            <a:r>
+              <a:rPr lang="en-US" sz="400" dirty="0" err="1"/>
+              <a:t>edx</a:t>
+            </a:r>
+            <a:r>
+              <a:rPr lang="en-US" sz="400" dirty="0"/>
+              <a:t>, offset </a:t>
+            </a:r>
+            <a:r>
+              <a:rPr lang="en-US" sz="400" dirty="0" err="1"/>
+              <a:t>MMinvalid</a:t>
+            </a:r>
+            <a:r>
+              <a:rPr lang="en-US" sz="400" dirty="0"/>
+              <a:t>		;if none of the above are called, then display </a:t>
+            </a:r>
+            <a:r>
+              <a:rPr lang="en-US" sz="400" dirty="0" err="1"/>
+              <a:t>invalidMM</a:t>
+            </a:r>
+            <a:r>
+              <a:rPr lang="en-US" sz="400" dirty="0"/>
+              <a:t> and </a:t>
+            </a:r>
+            <a:r>
+              <a:rPr lang="en-US" sz="400" dirty="0" err="1"/>
+              <a:t>jmp</a:t>
+            </a:r>
+            <a:r>
+              <a:rPr lang="en-US" sz="400" dirty="0"/>
+              <a:t> to beginning 		call </a:t>
+            </a:r>
+            <a:r>
+              <a:rPr lang="en-US" sz="400" dirty="0" err="1"/>
+              <a:t>WriteString</a:t>
+            </a:r>
+            <a:r>
+              <a:rPr lang="en-US" sz="400" dirty="0"/>
+              <a:t>	</a:t>
+            </a:r>
+            <a:r>
+              <a:rPr lang="en-US" sz="400" dirty="0" err="1"/>
+              <a:t>jmp</a:t>
+            </a:r>
+            <a:r>
+              <a:rPr lang="en-US" sz="400" dirty="0"/>
+              <a:t> </a:t>
+            </a:r>
+            <a:r>
+              <a:rPr lang="en-US" sz="400" dirty="0" err="1"/>
+              <a:t>BeginGame</a:t>
+            </a:r>
+            <a:r>
+              <a:rPr lang="en-US" sz="400" dirty="0"/>
+              <a:t>					Play:	call </a:t>
+            </a:r>
+            <a:r>
+              <a:rPr lang="en-US" sz="400" dirty="0" err="1"/>
+              <a:t>playGame</a:t>
+            </a:r>
+            <a:r>
+              <a:rPr lang="en-US" sz="400" dirty="0"/>
+              <a:t>		</a:t>
+            </a:r>
+            <a:r>
+              <a:rPr lang="en-US" sz="400" dirty="0" err="1"/>
+              <a:t>mov</a:t>
+            </a:r>
+            <a:r>
+              <a:rPr lang="en-US" sz="400" dirty="0"/>
+              <a:t> </a:t>
+            </a:r>
+            <a:r>
+              <a:rPr lang="en-US" sz="400" dirty="0" err="1"/>
+              <a:t>eax</a:t>
+            </a:r>
+            <a:r>
+              <a:rPr lang="en-US" sz="400" dirty="0"/>
+              <a:t>, white+(black*16)			;reset screen colors to out of game mode	call </a:t>
+            </a:r>
+            <a:r>
+              <a:rPr lang="en-US" sz="400" dirty="0" err="1"/>
+              <a:t>settextcolor</a:t>
+            </a:r>
+            <a:r>
+              <a:rPr lang="en-US" sz="400" dirty="0"/>
+              <a:t>	call </a:t>
+            </a:r>
+            <a:r>
+              <a:rPr lang="en-US" sz="400" dirty="0" err="1"/>
+              <a:t>Clrscr</a:t>
+            </a:r>
+            <a:r>
+              <a:rPr lang="en-US" sz="400" dirty="0"/>
+              <a:t>	call again						;sees if the user wants to play again	</a:t>
+            </a:r>
+            <a:r>
+              <a:rPr lang="en-US" sz="400" dirty="0" err="1"/>
+              <a:t>cmp</a:t>
+            </a:r>
+            <a:r>
+              <a:rPr lang="en-US" sz="400" dirty="0"/>
+              <a:t> </a:t>
+            </a:r>
+            <a:r>
+              <a:rPr lang="en-US" sz="400" dirty="0" err="1"/>
+              <a:t>againUser</a:t>
+            </a:r>
+            <a:r>
+              <a:rPr lang="en-US" sz="400" dirty="0"/>
+              <a:t>, 49	</a:t>
+            </a:r>
+            <a:r>
+              <a:rPr lang="en-US" sz="400" dirty="0" err="1"/>
+              <a:t>je</a:t>
+            </a:r>
+            <a:r>
+              <a:rPr lang="en-US" sz="400" dirty="0"/>
+              <a:t> </a:t>
+            </a:r>
+            <a:r>
+              <a:rPr lang="en-US" sz="400" dirty="0" err="1"/>
+              <a:t>BeginGame</a:t>
+            </a:r>
+            <a:r>
+              <a:rPr lang="en-US" sz="400" dirty="0"/>
+              <a:t>					;if yes, start the game over, if no then continue and thank the user for </a:t>
+            </a:r>
+            <a:r>
+              <a:rPr lang="en-US" sz="400" dirty="0" err="1"/>
+              <a:t>playingEndGame</a:t>
+            </a:r>
+            <a:r>
+              <a:rPr lang="en-US" sz="400" dirty="0"/>
+              <a:t>:	call </a:t>
+            </a:r>
+            <a:r>
+              <a:rPr lang="en-US" sz="400" dirty="0" err="1"/>
+              <a:t>Clrscr</a:t>
+            </a:r>
+            <a:r>
+              <a:rPr lang="en-US" sz="400" dirty="0"/>
+              <a:t>	</a:t>
+            </a:r>
+            <a:r>
+              <a:rPr lang="en-US" sz="400" dirty="0" err="1"/>
+              <a:t>mov</a:t>
+            </a:r>
+            <a:r>
+              <a:rPr lang="en-US" sz="400" dirty="0"/>
+              <a:t> </a:t>
+            </a:r>
+            <a:r>
+              <a:rPr lang="en-US" sz="400" dirty="0" err="1"/>
+              <a:t>edx</a:t>
+            </a:r>
+            <a:r>
+              <a:rPr lang="en-US" sz="400" dirty="0"/>
+              <a:t>, offset </a:t>
+            </a:r>
+            <a:r>
+              <a:rPr lang="en-US" sz="400" dirty="0" err="1"/>
+              <a:t>endGameMsg</a:t>
+            </a:r>
+            <a:r>
+              <a:rPr lang="en-US" sz="400" dirty="0"/>
+              <a:t>		;ends program and thanks user for playing	call </a:t>
+            </a:r>
+            <a:r>
+              <a:rPr lang="en-US" sz="400" dirty="0" err="1"/>
+              <a:t>WriteString</a:t>
+            </a:r>
+            <a:r>
+              <a:rPr lang="en-US" sz="400" dirty="0"/>
+              <a:t>	call </a:t>
+            </a:r>
+            <a:r>
+              <a:rPr lang="en-US" sz="400" dirty="0" err="1"/>
+              <a:t>Crlf</a:t>
+            </a:r>
+            <a:r>
+              <a:rPr lang="en-US" sz="400" dirty="0"/>
+              <a:t>	call </a:t>
+            </a:r>
+            <a:r>
+              <a:rPr lang="en-US" sz="400" dirty="0" err="1"/>
+              <a:t>sysPause</a:t>
+            </a:r>
+            <a:r>
+              <a:rPr lang="en-US" sz="400" dirty="0"/>
+              <a:t>		call </a:t>
+            </a:r>
+            <a:r>
+              <a:rPr lang="en-US" sz="400" dirty="0" err="1"/>
+              <a:t>exitProcessmain</a:t>
+            </a:r>
+            <a:r>
+              <a:rPr lang="en-US" sz="400" dirty="0"/>
+              <a:t> </a:t>
+            </a:r>
+            <a:r>
+              <a:rPr lang="en-US" sz="400" dirty="0" err="1"/>
+              <a:t>endp</a:t>
+            </a:r>
+            <a:r>
+              <a:rPr lang="en-US" sz="400" dirty="0"/>
+              <a:t>;---------------------------------FUNCTION TO ASK USER NAME-----------------------------------</a:t>
+            </a:r>
+            <a:r>
+              <a:rPr lang="en-US" sz="400" dirty="0" err="1"/>
+              <a:t>askName</a:t>
+            </a:r>
+            <a:r>
+              <a:rPr lang="en-US" sz="400" dirty="0"/>
+              <a:t> PROC USES EAX EDX ECX	</a:t>
+            </a:r>
+            <a:r>
+              <a:rPr lang="en-US" sz="400" dirty="0" err="1"/>
+              <a:t>mov</a:t>
+            </a:r>
+            <a:r>
+              <a:rPr lang="en-US" sz="400" dirty="0"/>
+              <a:t> </a:t>
+            </a:r>
+            <a:r>
+              <a:rPr lang="en-US" sz="400" dirty="0" err="1"/>
+              <a:t>edx</a:t>
+            </a:r>
+            <a:r>
+              <a:rPr lang="en-US" sz="400" dirty="0"/>
+              <a:t>, offset p1Prompt		;asks P1 name	call </a:t>
+            </a:r>
+            <a:r>
+              <a:rPr lang="en-US" sz="400" dirty="0" err="1"/>
+              <a:t>WriteString</a:t>
+            </a:r>
+            <a:r>
+              <a:rPr lang="en-US" sz="400" dirty="0"/>
+              <a:t>	</a:t>
+            </a:r>
+            <a:r>
+              <a:rPr lang="en-US" sz="400" dirty="0" err="1"/>
+              <a:t>mov</a:t>
+            </a:r>
+            <a:r>
+              <a:rPr lang="en-US" sz="400" dirty="0"/>
+              <a:t> </a:t>
+            </a:r>
+            <a:r>
+              <a:rPr lang="en-US" sz="400" dirty="0" err="1"/>
+              <a:t>ecx</a:t>
+            </a:r>
+            <a:r>
+              <a:rPr lang="en-US" sz="400" dirty="0"/>
+              <a:t>, 80	</a:t>
+            </a:r>
+            <a:r>
+              <a:rPr lang="en-US" sz="400" dirty="0" err="1"/>
+              <a:t>mov</a:t>
+            </a:r>
+            <a:r>
+              <a:rPr lang="en-US" sz="400" dirty="0"/>
+              <a:t> </a:t>
+            </a:r>
+            <a:r>
+              <a:rPr lang="en-US" sz="400" dirty="0" err="1"/>
+              <a:t>edx</a:t>
+            </a:r>
+            <a:r>
+              <a:rPr lang="en-US" sz="400" dirty="0"/>
+              <a:t>, offset p1Name			;reads P1 name	call </a:t>
+            </a:r>
+            <a:r>
+              <a:rPr lang="en-US" sz="400" dirty="0" err="1"/>
+              <a:t>ReadString</a:t>
+            </a:r>
+            <a:r>
+              <a:rPr lang="en-US" sz="400" dirty="0"/>
+              <a:t>	call </a:t>
+            </a:r>
+            <a:r>
+              <a:rPr lang="en-US" sz="400" dirty="0" err="1"/>
+              <a:t>Crlf</a:t>
+            </a:r>
+            <a:r>
+              <a:rPr lang="en-US" sz="400" dirty="0"/>
+              <a:t>	</a:t>
+            </a:r>
+            <a:r>
+              <a:rPr lang="en-US" sz="400" dirty="0" err="1"/>
+              <a:t>mov</a:t>
+            </a:r>
+            <a:r>
+              <a:rPr lang="en-US" sz="400" dirty="0"/>
+              <a:t> </a:t>
+            </a:r>
+            <a:r>
+              <a:rPr lang="en-US" sz="400" dirty="0" err="1"/>
+              <a:t>edx</a:t>
+            </a:r>
+            <a:r>
+              <a:rPr lang="en-US" sz="400" dirty="0"/>
+              <a:t>, offset p2Prompt		;asks P2 name	call </a:t>
+            </a:r>
+            <a:r>
+              <a:rPr lang="en-US" sz="400" dirty="0" err="1"/>
+              <a:t>Writestring</a:t>
+            </a:r>
+            <a:r>
+              <a:rPr lang="en-US" sz="400" dirty="0"/>
+              <a:t>	</a:t>
+            </a:r>
+            <a:r>
+              <a:rPr lang="en-US" sz="400" dirty="0" err="1"/>
+              <a:t>mov</a:t>
+            </a:r>
+            <a:r>
+              <a:rPr lang="en-US" sz="400" dirty="0"/>
+              <a:t> </a:t>
+            </a:r>
+            <a:r>
+              <a:rPr lang="en-US" sz="400" dirty="0" err="1"/>
+              <a:t>ecx</a:t>
+            </a:r>
+            <a:r>
+              <a:rPr lang="en-US" sz="400" dirty="0"/>
+              <a:t>, 80	</a:t>
+            </a:r>
+            <a:r>
+              <a:rPr lang="en-US" sz="400" dirty="0" err="1"/>
+              <a:t>mov</a:t>
+            </a:r>
+            <a:r>
+              <a:rPr lang="en-US" sz="400" dirty="0"/>
+              <a:t> </a:t>
+            </a:r>
+            <a:r>
+              <a:rPr lang="en-US" sz="400" dirty="0" err="1"/>
+              <a:t>edx</a:t>
+            </a:r>
+            <a:r>
+              <a:rPr lang="en-US" sz="400" dirty="0"/>
+              <a:t>, offset p2Name			;reads P2 name	call </a:t>
+            </a:r>
+            <a:r>
+              <a:rPr lang="en-US" sz="400" dirty="0" err="1"/>
+              <a:t>ReadString</a:t>
+            </a:r>
+            <a:r>
+              <a:rPr lang="en-US" sz="400" dirty="0"/>
+              <a:t>	call </a:t>
+            </a:r>
+            <a:r>
+              <a:rPr lang="en-US" sz="400" dirty="0" err="1"/>
+              <a:t>Clrscr</a:t>
+            </a:r>
+            <a:r>
+              <a:rPr lang="en-US" sz="400" dirty="0"/>
+              <a:t>	</a:t>
+            </a:r>
+            <a:r>
+              <a:rPr lang="en-US" sz="400" dirty="0" err="1"/>
+              <a:t>retaskName</a:t>
+            </a:r>
+            <a:r>
+              <a:rPr lang="en-US" sz="400" dirty="0"/>
+              <a:t> </a:t>
+            </a:r>
+            <a:r>
+              <a:rPr lang="en-US" sz="400" dirty="0" err="1"/>
+              <a:t>endp</a:t>
+            </a:r>
+            <a:r>
+              <a:rPr lang="en-US" sz="400" dirty="0"/>
+              <a:t>;---------------------------------FUNCTION TO DISPLAY MAIN MENU-----------------------------------</a:t>
+            </a:r>
+            <a:r>
+              <a:rPr lang="en-US" sz="400" dirty="0" err="1"/>
+              <a:t>mainMenu</a:t>
+            </a:r>
+            <a:r>
+              <a:rPr lang="en-US" sz="400" dirty="0"/>
+              <a:t> PROC USES EDX EAX	call </a:t>
+            </a:r>
+            <a:r>
+              <a:rPr lang="en-US" sz="400" dirty="0" err="1"/>
+              <a:t>Clrscr</a:t>
+            </a:r>
+            <a:r>
+              <a:rPr lang="en-US" sz="400" dirty="0"/>
+              <a:t>	</a:t>
+            </a:r>
+            <a:r>
+              <a:rPr lang="en-US" sz="400" dirty="0" err="1"/>
+              <a:t>mov</a:t>
+            </a:r>
+            <a:r>
+              <a:rPr lang="en-US" sz="400" dirty="0"/>
+              <a:t> </a:t>
+            </a:r>
+            <a:r>
+              <a:rPr lang="en-US" sz="400" dirty="0" err="1"/>
+              <a:t>edx</a:t>
+            </a:r>
+            <a:r>
+              <a:rPr lang="en-US" sz="400" dirty="0"/>
+              <a:t>, offset </a:t>
+            </a:r>
+            <a:r>
+              <a:rPr lang="en-US" sz="400" dirty="0" err="1"/>
+              <a:t>MMtitle</a:t>
+            </a:r>
+            <a:r>
+              <a:rPr lang="en-US" sz="400" dirty="0"/>
+              <a:t>			;title	call </a:t>
+            </a:r>
+            <a:r>
+              <a:rPr lang="en-US" sz="400" dirty="0" err="1"/>
+              <a:t>WriteString</a:t>
+            </a:r>
+            <a:r>
+              <a:rPr lang="en-US" sz="400" dirty="0"/>
+              <a:t>	call </a:t>
+            </a:r>
+            <a:r>
+              <a:rPr lang="en-US" sz="400" dirty="0" err="1"/>
+              <a:t>Crlf</a:t>
+            </a:r>
+            <a:r>
+              <a:rPr lang="en-US" sz="400" dirty="0"/>
+              <a:t>	</a:t>
+            </a:r>
+            <a:r>
+              <a:rPr lang="en-US" sz="400" dirty="0" err="1"/>
+              <a:t>mov</a:t>
+            </a:r>
+            <a:r>
+              <a:rPr lang="en-US" sz="400" dirty="0"/>
+              <a:t> </a:t>
+            </a:r>
+            <a:r>
+              <a:rPr lang="en-US" sz="400" dirty="0" err="1"/>
+              <a:t>edx</a:t>
+            </a:r>
+            <a:r>
+              <a:rPr lang="en-US" sz="400" dirty="0"/>
+              <a:t>, offset </a:t>
+            </a:r>
+            <a:r>
+              <a:rPr lang="en-US" sz="400" dirty="0" err="1"/>
+              <a:t>MMplay</a:t>
+            </a:r>
+            <a:r>
+              <a:rPr lang="en-US" sz="400" dirty="0"/>
+              <a:t>			;play	call </a:t>
+            </a:r>
+            <a:r>
+              <a:rPr lang="en-US" sz="400" dirty="0" err="1"/>
+              <a:t>WriteString</a:t>
+            </a:r>
+            <a:r>
+              <a:rPr lang="en-US" sz="400" dirty="0"/>
+              <a:t>	call </a:t>
+            </a:r>
+            <a:r>
+              <a:rPr lang="en-US" sz="400" dirty="0" err="1"/>
+              <a:t>Crlf</a:t>
+            </a:r>
+            <a:r>
+              <a:rPr lang="en-US" sz="400" dirty="0"/>
+              <a:t>	</a:t>
+            </a:r>
+            <a:r>
+              <a:rPr lang="en-US" sz="400" dirty="0" err="1"/>
+              <a:t>mov</a:t>
+            </a:r>
+            <a:r>
+              <a:rPr lang="en-US" sz="400" dirty="0"/>
+              <a:t> </a:t>
+            </a:r>
+            <a:r>
+              <a:rPr lang="en-US" sz="400" dirty="0" err="1"/>
+              <a:t>edx</a:t>
+            </a:r>
+            <a:r>
+              <a:rPr lang="en-US" sz="400" dirty="0"/>
+              <a:t>, offset </a:t>
+            </a:r>
+            <a:r>
+              <a:rPr lang="en-US" sz="400" dirty="0" err="1"/>
+              <a:t>MMinstructions</a:t>
+            </a:r>
+            <a:r>
+              <a:rPr lang="en-US" sz="400" dirty="0"/>
+              <a:t>	;instructions	call </a:t>
+            </a:r>
+            <a:r>
+              <a:rPr lang="en-US" sz="400" dirty="0" err="1"/>
+              <a:t>WriteString</a:t>
+            </a:r>
+            <a:r>
+              <a:rPr lang="en-US" sz="400" dirty="0"/>
+              <a:t>	call </a:t>
+            </a:r>
+            <a:r>
+              <a:rPr lang="en-US" sz="400" dirty="0" err="1"/>
+              <a:t>Crlf</a:t>
+            </a:r>
+            <a:r>
+              <a:rPr lang="en-US" sz="400" dirty="0"/>
+              <a:t>	</a:t>
+            </a:r>
+            <a:r>
+              <a:rPr lang="en-US" sz="400" dirty="0" err="1"/>
+              <a:t>mov</a:t>
+            </a:r>
+            <a:r>
+              <a:rPr lang="en-US" sz="400" dirty="0"/>
+              <a:t> </a:t>
+            </a:r>
+            <a:r>
+              <a:rPr lang="en-US" sz="400" dirty="0" err="1"/>
+              <a:t>edx</a:t>
+            </a:r>
+            <a:r>
+              <a:rPr lang="en-US" sz="400" dirty="0"/>
+              <a:t>, offset </a:t>
+            </a:r>
+            <a:r>
+              <a:rPr lang="en-US" sz="400" dirty="0" err="1"/>
+              <a:t>MMstats</a:t>
+            </a:r>
+            <a:r>
+              <a:rPr lang="en-US" sz="400" dirty="0"/>
+              <a:t>			;stats	call </a:t>
+            </a:r>
+            <a:r>
+              <a:rPr lang="en-US" sz="400" dirty="0" err="1"/>
+              <a:t>WriteString</a:t>
+            </a:r>
+            <a:r>
+              <a:rPr lang="en-US" sz="400" dirty="0"/>
+              <a:t>	call </a:t>
+            </a:r>
+            <a:r>
+              <a:rPr lang="en-US" sz="400" dirty="0" err="1"/>
+              <a:t>Crlf</a:t>
+            </a:r>
+            <a:r>
+              <a:rPr lang="en-US" sz="400" dirty="0"/>
+              <a:t>	</a:t>
+            </a:r>
+            <a:r>
+              <a:rPr lang="en-US" sz="400" dirty="0" err="1"/>
+              <a:t>mov</a:t>
+            </a:r>
+            <a:r>
+              <a:rPr lang="en-US" sz="400" dirty="0"/>
+              <a:t> </a:t>
+            </a:r>
+            <a:r>
+              <a:rPr lang="en-US" sz="400" dirty="0" err="1"/>
+              <a:t>edx</a:t>
+            </a:r>
+            <a:r>
+              <a:rPr lang="en-US" sz="400" dirty="0"/>
+              <a:t>, offset </a:t>
+            </a:r>
+            <a:r>
+              <a:rPr lang="en-US" sz="400" dirty="0" err="1"/>
+              <a:t>MMexit</a:t>
+            </a:r>
+            <a:r>
+              <a:rPr lang="en-US" sz="400" dirty="0"/>
+              <a:t>			;exit	call </a:t>
+            </a:r>
+            <a:r>
+              <a:rPr lang="en-US" sz="400" dirty="0" err="1"/>
+              <a:t>WriteString</a:t>
+            </a:r>
+            <a:r>
+              <a:rPr lang="en-US" sz="400" dirty="0"/>
+              <a:t>	call </a:t>
+            </a:r>
+            <a:r>
+              <a:rPr lang="en-US" sz="400" dirty="0" err="1"/>
+              <a:t>Crlf</a:t>
+            </a:r>
+            <a:r>
+              <a:rPr lang="en-US" sz="400" dirty="0"/>
+              <a:t>	call </a:t>
+            </a:r>
+            <a:r>
+              <a:rPr lang="en-US" sz="400" dirty="0" err="1"/>
+              <a:t>Crlf</a:t>
+            </a:r>
+            <a:r>
+              <a:rPr lang="en-US" sz="400" dirty="0"/>
+              <a:t>	</a:t>
+            </a:r>
+            <a:r>
+              <a:rPr lang="en-US" sz="400" dirty="0" err="1"/>
+              <a:t>mov</a:t>
+            </a:r>
+            <a:r>
+              <a:rPr lang="en-US" sz="400" dirty="0"/>
+              <a:t> </a:t>
+            </a:r>
+            <a:r>
+              <a:rPr lang="en-US" sz="400" dirty="0" err="1"/>
+              <a:t>edx</a:t>
+            </a:r>
+            <a:r>
+              <a:rPr lang="en-US" sz="400" dirty="0"/>
+              <a:t>, offset </a:t>
+            </a:r>
+            <a:r>
+              <a:rPr lang="en-US" sz="400" dirty="0" err="1"/>
+              <a:t>MMprompt</a:t>
+            </a:r>
+            <a:r>
+              <a:rPr lang="en-US" sz="400" dirty="0"/>
+              <a:t>		;prompt	call </a:t>
+            </a:r>
+            <a:r>
+              <a:rPr lang="en-US" sz="400" dirty="0" err="1"/>
+              <a:t>WriteString</a:t>
+            </a:r>
+            <a:r>
+              <a:rPr lang="en-US" sz="400" dirty="0"/>
+              <a:t>	</a:t>
+            </a:r>
+            <a:r>
+              <a:rPr lang="en-US" sz="400" dirty="0" err="1"/>
+              <a:t>xor</a:t>
+            </a:r>
+            <a:r>
+              <a:rPr lang="en-US" sz="400" dirty="0"/>
+              <a:t> </a:t>
+            </a:r>
+            <a:r>
+              <a:rPr lang="en-US" sz="400" dirty="0" err="1"/>
+              <a:t>eax</a:t>
+            </a:r>
+            <a:r>
+              <a:rPr lang="en-US" sz="400" dirty="0"/>
+              <a:t>, </a:t>
+            </a:r>
+            <a:r>
+              <a:rPr lang="en-US" sz="400" dirty="0" err="1"/>
+              <a:t>eax</a:t>
+            </a:r>
+            <a:r>
+              <a:rPr lang="en-US" sz="400" dirty="0"/>
+              <a:t>	call </a:t>
+            </a:r>
+            <a:r>
+              <a:rPr lang="en-US" sz="400" dirty="0" err="1"/>
+              <a:t>ReadChar</a:t>
+            </a:r>
+            <a:r>
+              <a:rPr lang="en-US" sz="400" dirty="0"/>
+              <a:t>	</a:t>
+            </a:r>
+            <a:r>
+              <a:rPr lang="en-US" sz="400" dirty="0" err="1"/>
+              <a:t>mov</a:t>
+            </a:r>
+            <a:r>
+              <a:rPr lang="en-US" sz="400" dirty="0"/>
+              <a:t> MM, al	</a:t>
+            </a:r>
+            <a:r>
+              <a:rPr lang="en-US" sz="400" dirty="0" err="1"/>
+              <a:t>retmainMenu</a:t>
+            </a:r>
+            <a:r>
+              <a:rPr lang="en-US" sz="400" dirty="0"/>
+              <a:t> </a:t>
+            </a:r>
+            <a:r>
+              <a:rPr lang="en-US" sz="400" dirty="0" err="1"/>
+              <a:t>endp</a:t>
+            </a:r>
+            <a:r>
+              <a:rPr lang="en-US" sz="400" dirty="0"/>
+              <a:t>;---------------------------------FUNCTION FOR INSTRUCTIONS-----------------------------------instructions PROC USES EDX EAX	call </a:t>
+            </a:r>
+            <a:r>
+              <a:rPr lang="en-US" sz="400" dirty="0" err="1"/>
+              <a:t>Clrscr</a:t>
+            </a:r>
+            <a:r>
+              <a:rPr lang="en-US" sz="400" dirty="0"/>
+              <a:t>	</a:t>
+            </a:r>
+            <a:r>
+              <a:rPr lang="en-US" sz="400" dirty="0" err="1"/>
+              <a:t>mov</a:t>
+            </a:r>
+            <a:r>
+              <a:rPr lang="en-US" sz="400" dirty="0"/>
+              <a:t> </a:t>
+            </a:r>
+            <a:r>
+              <a:rPr lang="en-US" sz="400" dirty="0" err="1"/>
+              <a:t>edx</a:t>
+            </a:r>
+            <a:r>
+              <a:rPr lang="en-US" sz="400" dirty="0"/>
+              <a:t>, offset </a:t>
+            </a:r>
+            <a:r>
+              <a:rPr lang="en-US" sz="400" dirty="0" err="1"/>
+              <a:t>instructionsTitle</a:t>
+            </a:r>
+            <a:r>
+              <a:rPr lang="en-US" sz="400" dirty="0"/>
+              <a:t>		;display instruction title	call </a:t>
+            </a:r>
+            <a:r>
+              <a:rPr lang="en-US" sz="400" dirty="0" err="1"/>
+              <a:t>WriteString</a:t>
+            </a:r>
+            <a:r>
+              <a:rPr lang="en-US" sz="400" dirty="0"/>
+              <a:t>	call </a:t>
+            </a:r>
+            <a:r>
+              <a:rPr lang="en-US" sz="400" dirty="0" err="1"/>
+              <a:t>Crlf</a:t>
+            </a:r>
+            <a:r>
+              <a:rPr lang="en-US" sz="400" dirty="0"/>
+              <a:t>		</a:t>
+            </a:r>
+            <a:r>
+              <a:rPr lang="en-US" sz="400" dirty="0" err="1"/>
+              <a:t>mov</a:t>
+            </a:r>
+            <a:r>
+              <a:rPr lang="en-US" sz="400" dirty="0"/>
+              <a:t> </a:t>
+            </a:r>
+            <a:r>
+              <a:rPr lang="en-US" sz="400" dirty="0" err="1"/>
+              <a:t>edx</a:t>
+            </a:r>
+            <a:r>
+              <a:rPr lang="en-US" sz="400" dirty="0"/>
+              <a:t>, offset instruct				;display instructions	call </a:t>
+            </a:r>
+            <a:r>
+              <a:rPr lang="en-US" sz="400" dirty="0" err="1"/>
+              <a:t>WriteString</a:t>
+            </a:r>
+            <a:r>
+              <a:rPr lang="en-US" sz="400" dirty="0"/>
+              <a:t>	call </a:t>
+            </a:r>
+            <a:r>
+              <a:rPr lang="en-US" sz="400" dirty="0" err="1"/>
+              <a:t>Crlf</a:t>
+            </a:r>
+            <a:r>
+              <a:rPr lang="en-US" sz="400" dirty="0"/>
+              <a:t>	call </a:t>
+            </a:r>
+            <a:r>
+              <a:rPr lang="en-US" sz="400" dirty="0" err="1"/>
+              <a:t>Crlf</a:t>
+            </a:r>
+            <a:r>
+              <a:rPr lang="en-US" sz="400" dirty="0"/>
+              <a:t>		call </a:t>
+            </a:r>
+            <a:r>
+              <a:rPr lang="en-US" sz="400" dirty="0" err="1"/>
+              <a:t>sysPause</a:t>
+            </a:r>
+            <a:r>
+              <a:rPr lang="en-US" sz="400" dirty="0"/>
+              <a:t>	</a:t>
+            </a:r>
+            <a:r>
+              <a:rPr lang="en-US" sz="400" dirty="0" err="1"/>
+              <a:t>retinstructions</a:t>
+            </a:r>
+            <a:r>
+              <a:rPr lang="en-US" sz="400" dirty="0"/>
+              <a:t> </a:t>
+            </a:r>
+            <a:r>
+              <a:rPr lang="en-US" sz="400" dirty="0" err="1"/>
+              <a:t>endp</a:t>
+            </a:r>
+            <a:r>
+              <a:rPr lang="en-US" sz="400" dirty="0"/>
+              <a:t>;---------------------------------FUNCTION TO DISPLAY STATS-----------------------------------</a:t>
+            </a:r>
+            <a:r>
+              <a:rPr lang="en-US" sz="400" dirty="0" err="1"/>
+              <a:t>displayStats</a:t>
+            </a:r>
+            <a:r>
+              <a:rPr lang="en-US" sz="400" dirty="0"/>
+              <a:t> PROC USES EDX EAX		call </a:t>
+            </a:r>
+            <a:r>
+              <a:rPr lang="en-US" sz="400" dirty="0" err="1"/>
+              <a:t>Clrscr</a:t>
+            </a:r>
+            <a:r>
+              <a:rPr lang="en-US" sz="400" dirty="0"/>
+              <a:t>	</a:t>
+            </a:r>
+            <a:r>
+              <a:rPr lang="en-US" sz="400" dirty="0" err="1"/>
+              <a:t>mov</a:t>
+            </a:r>
+            <a:r>
+              <a:rPr lang="en-US" sz="400" dirty="0"/>
+              <a:t> </a:t>
+            </a:r>
+            <a:r>
+              <a:rPr lang="en-US" sz="400" dirty="0" err="1"/>
+              <a:t>edx</a:t>
+            </a:r>
+            <a:r>
+              <a:rPr lang="en-US" sz="400" dirty="0"/>
+              <a:t>, offset p1Name			;name of player --&gt; </a:t>
+            </a:r>
+            <a:r>
+              <a:rPr lang="en-US" sz="400" dirty="0" err="1"/>
+              <a:t>scorePrompt</a:t>
+            </a:r>
+            <a:r>
+              <a:rPr lang="en-US" sz="400" dirty="0"/>
+              <a:t> --&gt; score	call </a:t>
+            </a:r>
+            <a:r>
+              <a:rPr lang="en-US" sz="400" dirty="0" err="1"/>
+              <a:t>WriteString</a:t>
+            </a:r>
+            <a:r>
+              <a:rPr lang="en-US" sz="400" dirty="0"/>
+              <a:t>	</a:t>
+            </a:r>
+            <a:r>
+              <a:rPr lang="en-US" sz="400" dirty="0" err="1"/>
+              <a:t>mov</a:t>
+            </a:r>
+            <a:r>
+              <a:rPr lang="en-US" sz="400" dirty="0"/>
+              <a:t> </a:t>
+            </a:r>
+            <a:r>
+              <a:rPr lang="en-US" sz="400" dirty="0" err="1"/>
+              <a:t>edx</a:t>
+            </a:r>
+            <a:r>
+              <a:rPr lang="en-US" sz="400" dirty="0"/>
+              <a:t>, offset </a:t>
+            </a:r>
+            <a:r>
+              <a:rPr lang="en-US" sz="400" dirty="0" err="1"/>
+              <a:t>scorePrompt</a:t>
+            </a:r>
+            <a:r>
+              <a:rPr lang="en-US" sz="400" dirty="0"/>
+              <a:t>	call </a:t>
+            </a:r>
+            <a:r>
+              <a:rPr lang="en-US" sz="400" dirty="0" err="1"/>
+              <a:t>WriteString</a:t>
+            </a:r>
+            <a:r>
+              <a:rPr lang="en-US" sz="400" dirty="0"/>
+              <a:t>	</a:t>
+            </a:r>
+            <a:r>
+              <a:rPr lang="en-US" sz="400" dirty="0" err="1"/>
+              <a:t>mov</a:t>
+            </a:r>
+            <a:r>
+              <a:rPr lang="en-US" sz="400" dirty="0"/>
+              <a:t> </a:t>
+            </a:r>
+            <a:r>
+              <a:rPr lang="en-US" sz="400" dirty="0" err="1"/>
+              <a:t>eax</a:t>
+            </a:r>
+            <a:r>
+              <a:rPr lang="en-US" sz="400" dirty="0"/>
+              <a:t>, p1Score	call </a:t>
+            </a:r>
+            <a:r>
+              <a:rPr lang="en-US" sz="400" dirty="0" err="1"/>
+              <a:t>WriteInt</a:t>
+            </a:r>
+            <a:r>
+              <a:rPr lang="en-US" sz="400" dirty="0"/>
+              <a:t>	call </a:t>
+            </a:r>
+            <a:r>
+              <a:rPr lang="en-US" sz="400" dirty="0" err="1"/>
+              <a:t>Crlf</a:t>
+            </a:r>
+            <a:r>
+              <a:rPr lang="en-US" sz="400" dirty="0"/>
+              <a:t>	</a:t>
+            </a:r>
+            <a:r>
+              <a:rPr lang="en-US" sz="400" dirty="0" err="1"/>
+              <a:t>mov</a:t>
+            </a:r>
+            <a:r>
+              <a:rPr lang="en-US" sz="400" dirty="0"/>
+              <a:t> </a:t>
+            </a:r>
+            <a:r>
+              <a:rPr lang="en-US" sz="400" dirty="0" err="1"/>
+              <a:t>edx</a:t>
+            </a:r>
+            <a:r>
+              <a:rPr lang="en-US" sz="400" dirty="0"/>
+              <a:t>, offset p2Name	call </a:t>
+            </a:r>
+            <a:r>
+              <a:rPr lang="en-US" sz="400" dirty="0" err="1"/>
+              <a:t>WriteString</a:t>
+            </a:r>
+            <a:r>
+              <a:rPr lang="en-US" sz="400" dirty="0"/>
+              <a:t>	</a:t>
+            </a:r>
+            <a:r>
+              <a:rPr lang="en-US" sz="400" dirty="0" err="1"/>
+              <a:t>mov</a:t>
+            </a:r>
+            <a:r>
+              <a:rPr lang="en-US" sz="400" dirty="0"/>
+              <a:t> </a:t>
+            </a:r>
+            <a:r>
+              <a:rPr lang="en-US" sz="400" dirty="0" err="1"/>
+              <a:t>edx</a:t>
+            </a:r>
+            <a:r>
+              <a:rPr lang="en-US" sz="400" dirty="0"/>
+              <a:t>, offset </a:t>
+            </a:r>
+            <a:r>
+              <a:rPr lang="en-US" sz="400" dirty="0" err="1"/>
+              <a:t>scorePrompt</a:t>
+            </a:r>
+            <a:r>
+              <a:rPr lang="en-US" sz="400" dirty="0"/>
+              <a:t>	call </a:t>
+            </a:r>
+            <a:r>
+              <a:rPr lang="en-US" sz="400" dirty="0" err="1"/>
+              <a:t>WriteString</a:t>
+            </a:r>
+            <a:r>
+              <a:rPr lang="en-US" sz="400" dirty="0"/>
+              <a:t>	</a:t>
+            </a:r>
+            <a:r>
+              <a:rPr lang="en-US" sz="400" dirty="0" err="1"/>
+              <a:t>mov</a:t>
+            </a:r>
+            <a:r>
+              <a:rPr lang="en-US" sz="400" dirty="0"/>
+              <a:t> </a:t>
+            </a:r>
+            <a:r>
+              <a:rPr lang="en-US" sz="400" dirty="0" err="1"/>
+              <a:t>eax</a:t>
+            </a:r>
+            <a:r>
+              <a:rPr lang="en-US" sz="400" dirty="0"/>
+              <a:t>, p2Score	call </a:t>
+            </a:r>
+            <a:r>
+              <a:rPr lang="en-US" sz="400" dirty="0" err="1"/>
+              <a:t>WriteInt</a:t>
+            </a:r>
+            <a:r>
+              <a:rPr lang="en-US" sz="400" dirty="0"/>
+              <a:t>	call </a:t>
+            </a:r>
+            <a:r>
+              <a:rPr lang="en-US" sz="400" dirty="0" err="1"/>
+              <a:t>Crlf</a:t>
+            </a:r>
+            <a:r>
+              <a:rPr lang="en-US" sz="400" dirty="0"/>
+              <a:t>	call </a:t>
+            </a:r>
+            <a:r>
+              <a:rPr lang="en-US" sz="400" dirty="0" err="1"/>
+              <a:t>sysPause</a:t>
+            </a:r>
+            <a:r>
+              <a:rPr lang="en-US" sz="400" dirty="0"/>
+              <a:t>    </a:t>
+            </a:r>
+            <a:r>
+              <a:rPr lang="en-US" sz="400" dirty="0" err="1"/>
+              <a:t>retdisplayStats</a:t>
+            </a:r>
+            <a:r>
+              <a:rPr lang="en-US" sz="400" dirty="0"/>
+              <a:t> </a:t>
+            </a:r>
+            <a:r>
+              <a:rPr lang="en-US" sz="400" dirty="0" err="1"/>
+              <a:t>endp</a:t>
+            </a:r>
+            <a:r>
+              <a:rPr lang="en-US" sz="400" dirty="0"/>
+              <a:t>;---------------------------------FUNCTION TO PLAY GAME-----------------------------------</a:t>
+            </a:r>
+            <a:r>
+              <a:rPr lang="en-US" sz="400" dirty="0" err="1"/>
+              <a:t>playGame</a:t>
+            </a:r>
+            <a:r>
+              <a:rPr lang="en-US" sz="400" dirty="0"/>
+              <a:t> PROC USES EDX	call </a:t>
+            </a:r>
+            <a:r>
+              <a:rPr lang="en-US" sz="400" dirty="0" err="1"/>
+              <a:t>Clrscr</a:t>
+            </a:r>
+            <a:r>
+              <a:rPr lang="en-US" sz="400" dirty="0"/>
+              <a:t>	call </a:t>
+            </a:r>
+            <a:r>
+              <a:rPr lang="en-US" sz="400" dirty="0" err="1"/>
+              <a:t>emptyBoard</a:t>
+            </a:r>
+            <a:r>
+              <a:rPr lang="en-US" sz="400" dirty="0"/>
+              <a:t>	call </a:t>
+            </a:r>
+            <a:r>
+              <a:rPr lang="en-US" sz="400" dirty="0" err="1"/>
+              <a:t>displayBoardGame</a:t>
+            </a:r>
+            <a:r>
+              <a:rPr lang="en-US" sz="400" dirty="0"/>
+              <a:t>:	</a:t>
+            </a:r>
+            <a:r>
+              <a:rPr lang="en-US" sz="400" dirty="0" err="1"/>
+              <a:t>cmp</a:t>
+            </a:r>
+            <a:r>
+              <a:rPr lang="en-US" sz="400" dirty="0"/>
+              <a:t> </a:t>
+            </a:r>
+            <a:r>
+              <a:rPr lang="en-US" sz="400" dirty="0" err="1"/>
+              <a:t>curCol</a:t>
+            </a:r>
+            <a:r>
+              <a:rPr lang="en-US" sz="400" dirty="0"/>
+              <a:t>, -1	</a:t>
+            </a:r>
+            <a:r>
+              <a:rPr lang="en-US" sz="400" dirty="0" err="1"/>
+              <a:t>je</a:t>
+            </a:r>
+            <a:r>
+              <a:rPr lang="en-US" sz="400" dirty="0"/>
+              <a:t> </a:t>
+            </a:r>
+            <a:r>
+              <a:rPr lang="en-US" sz="400" dirty="0" err="1"/>
+              <a:t>ChooseRow</a:t>
+            </a:r>
+            <a:r>
+              <a:rPr lang="en-US" sz="400" dirty="0"/>
+              <a:t>		</a:t>
+            </a:r>
+            <a:r>
+              <a:rPr lang="en-US" sz="400" dirty="0" err="1"/>
+              <a:t>cmp</a:t>
+            </a:r>
+            <a:r>
+              <a:rPr lang="en-US" sz="400" dirty="0"/>
+              <a:t> player, 15		</a:t>
+            </a:r>
+            <a:r>
+              <a:rPr lang="en-US" sz="400" dirty="0" err="1"/>
+              <a:t>jne</a:t>
+            </a:r>
+            <a:r>
+              <a:rPr lang="en-US" sz="400" dirty="0"/>
+              <a:t> elseP2			</a:t>
+            </a:r>
+            <a:r>
+              <a:rPr lang="en-US" sz="400" dirty="0" err="1"/>
+              <a:t>mov</a:t>
+            </a:r>
+            <a:r>
+              <a:rPr lang="en-US" sz="400" dirty="0"/>
+              <a:t> </a:t>
+            </a:r>
+            <a:r>
+              <a:rPr lang="en-US" sz="400" dirty="0" err="1"/>
+              <a:t>edx</a:t>
+            </a:r>
+            <a:r>
+              <a:rPr lang="en-US" sz="400" dirty="0"/>
+              <a:t>, offset p1Name			call </a:t>
+            </a:r>
+            <a:r>
+              <a:rPr lang="en-US" sz="400" dirty="0" err="1"/>
+              <a:t>WriteString</a:t>
+            </a:r>
+            <a:r>
+              <a:rPr lang="en-US" sz="400" dirty="0"/>
+              <a:t>			</a:t>
+            </a:r>
+            <a:r>
+              <a:rPr lang="en-US" sz="400" dirty="0" err="1"/>
+              <a:t>mov</a:t>
+            </a:r>
+            <a:r>
+              <a:rPr lang="en-US" sz="400" dirty="0"/>
+              <a:t> </a:t>
+            </a:r>
+            <a:r>
+              <a:rPr lang="en-US" sz="400" dirty="0" err="1"/>
+              <a:t>edx</a:t>
+            </a:r>
+            <a:r>
+              <a:rPr lang="en-US" sz="400" dirty="0"/>
+              <a:t>, offset </a:t>
+            </a:r>
+            <a:r>
+              <a:rPr lang="en-US" sz="400" dirty="0" err="1"/>
+              <a:t>tileDropPrompt</a:t>
+            </a:r>
+            <a:r>
+              <a:rPr lang="en-US" sz="400" dirty="0"/>
+              <a:t>			call </a:t>
+            </a:r>
+            <a:r>
+              <a:rPr lang="en-US" sz="400" dirty="0" err="1"/>
+              <a:t>WriteString</a:t>
+            </a:r>
+            <a:r>
+              <a:rPr lang="en-US" sz="400" dirty="0"/>
+              <a:t>			</a:t>
+            </a:r>
+            <a:r>
+              <a:rPr lang="en-US" sz="400" dirty="0" err="1"/>
+              <a:t>mov</a:t>
+            </a:r>
+            <a:r>
+              <a:rPr lang="en-US" sz="400" dirty="0"/>
+              <a:t> player, 254			</a:t>
+            </a:r>
+            <a:r>
+              <a:rPr lang="en-US" sz="400" dirty="0" err="1"/>
+              <a:t>jmp</a:t>
+            </a:r>
+            <a:r>
+              <a:rPr lang="en-US" sz="400" dirty="0"/>
+              <a:t> </a:t>
+            </a:r>
+            <a:r>
+              <a:rPr lang="en-US" sz="400" dirty="0" err="1"/>
+              <a:t>ChooseRow</a:t>
+            </a:r>
+            <a:r>
+              <a:rPr lang="en-US" sz="400" dirty="0"/>
+              <a:t>		elseP2:			</a:t>
+            </a:r>
+            <a:r>
+              <a:rPr lang="en-US" sz="400" dirty="0" err="1"/>
+              <a:t>mov</a:t>
+            </a:r>
+            <a:r>
+              <a:rPr lang="en-US" sz="400" dirty="0"/>
+              <a:t> </a:t>
+            </a:r>
+            <a:r>
+              <a:rPr lang="en-US" sz="400" dirty="0" err="1"/>
+              <a:t>edx</a:t>
+            </a:r>
+            <a:r>
+              <a:rPr lang="en-US" sz="400" dirty="0"/>
+              <a:t>, offset p2Name			call </a:t>
+            </a:r>
+            <a:r>
+              <a:rPr lang="en-US" sz="400" dirty="0" err="1"/>
+              <a:t>WriteString</a:t>
+            </a:r>
+            <a:r>
+              <a:rPr lang="en-US" sz="400" dirty="0"/>
+              <a:t>			</a:t>
+            </a:r>
+            <a:r>
+              <a:rPr lang="en-US" sz="400" dirty="0" err="1"/>
+              <a:t>mov</a:t>
+            </a:r>
+            <a:r>
+              <a:rPr lang="en-US" sz="400" dirty="0"/>
+              <a:t> </a:t>
+            </a:r>
+            <a:r>
+              <a:rPr lang="en-US" sz="400" dirty="0" err="1"/>
+              <a:t>edx</a:t>
+            </a:r>
+            <a:r>
+              <a:rPr lang="en-US" sz="400" dirty="0"/>
+              <a:t>, offset </a:t>
+            </a:r>
+            <a:r>
+              <a:rPr lang="en-US" sz="400" dirty="0" err="1"/>
+              <a:t>tileDropPrompt</a:t>
+            </a:r>
+            <a:r>
+              <a:rPr lang="en-US" sz="400" dirty="0"/>
+              <a:t>			call </a:t>
+            </a:r>
+            <a:r>
+              <a:rPr lang="en-US" sz="400" dirty="0" err="1"/>
+              <a:t>WriteString</a:t>
+            </a:r>
+            <a:r>
+              <a:rPr lang="en-US" sz="400" dirty="0"/>
+              <a:t>			</a:t>
+            </a:r>
+            <a:r>
+              <a:rPr lang="en-US" sz="400" dirty="0" err="1"/>
+              <a:t>mov</a:t>
+            </a:r>
+            <a:r>
+              <a:rPr lang="en-US" sz="400" dirty="0"/>
+              <a:t> player, 15	</a:t>
+            </a:r>
+            <a:r>
+              <a:rPr lang="en-US" sz="400" dirty="0" err="1"/>
+              <a:t>ChooseRow</a:t>
+            </a:r>
+            <a:r>
+              <a:rPr lang="en-US" sz="400" dirty="0"/>
+              <a:t>:		</a:t>
+            </a:r>
+            <a:r>
+              <a:rPr lang="en-US" sz="400" dirty="0" err="1"/>
+              <a:t>cmp</a:t>
+            </a:r>
+            <a:r>
+              <a:rPr lang="en-US" sz="400" dirty="0"/>
+              <a:t> placed, 42		;if board is full then game over		</a:t>
+            </a:r>
+            <a:r>
+              <a:rPr lang="en-US" sz="400" dirty="0" err="1"/>
+              <a:t>je</a:t>
+            </a:r>
+            <a:r>
+              <a:rPr lang="en-US" sz="400" dirty="0"/>
+              <a:t> Place			call </a:t>
+            </a:r>
+            <a:r>
+              <a:rPr lang="en-US" sz="400" dirty="0" err="1"/>
+              <a:t>ReadInt</a:t>
+            </a:r>
+            <a:r>
+              <a:rPr lang="en-US" sz="400" dirty="0"/>
+              <a:t>	;otherwise read in char from user			</a:t>
+            </a:r>
+            <a:r>
+              <a:rPr lang="en-US" sz="400" dirty="0" err="1"/>
+              <a:t>mov</a:t>
+            </a:r>
+            <a:r>
+              <a:rPr lang="en-US" sz="400" dirty="0"/>
+              <a:t> </a:t>
+            </a:r>
+            <a:r>
+              <a:rPr lang="en-US" sz="400" dirty="0" err="1"/>
+              <a:t>colChoice</a:t>
+            </a:r>
+            <a:r>
+              <a:rPr lang="en-US" sz="400" dirty="0"/>
+              <a:t>, </a:t>
+            </a:r>
+            <a:r>
+              <a:rPr lang="en-US" sz="400" dirty="0" err="1"/>
+              <a:t>eax</a:t>
+            </a:r>
+            <a:r>
+              <a:rPr lang="en-US" sz="400" dirty="0"/>
+              <a:t>				</a:t>
+            </a:r>
+            <a:r>
+              <a:rPr lang="en-US" sz="400" dirty="0" err="1"/>
+              <a:t>dec</a:t>
+            </a:r>
+            <a:r>
+              <a:rPr lang="en-US" sz="400" dirty="0"/>
+              <a:t> </a:t>
+            </a:r>
+            <a:r>
+              <a:rPr lang="en-US" sz="400" dirty="0" err="1"/>
+              <a:t>colChoice</a:t>
+            </a:r>
+            <a:r>
+              <a:rPr lang="en-US" sz="400" dirty="0"/>
+              <a:t>			</a:t>
+            </a:r>
+            <a:r>
+              <a:rPr lang="en-US" sz="400" dirty="0" err="1"/>
+              <a:t>cmp</a:t>
+            </a:r>
+            <a:r>
+              <a:rPr lang="en-US" sz="400" dirty="0"/>
+              <a:t> </a:t>
+            </a:r>
+            <a:r>
+              <a:rPr lang="en-US" sz="400" dirty="0" err="1"/>
+              <a:t>colChoice</a:t>
+            </a:r>
+            <a:r>
+              <a:rPr lang="en-US" sz="400" dirty="0"/>
+              <a:t>, 7	;ensure row choice is valid			</a:t>
+            </a:r>
+            <a:r>
+              <a:rPr lang="en-US" sz="400" dirty="0" err="1"/>
+              <a:t>jb</a:t>
+            </a:r>
+            <a:r>
+              <a:rPr lang="en-US" sz="400" dirty="0"/>
+              <a:t> Place			</a:t>
+            </a:r>
+            <a:r>
+              <a:rPr lang="en-US" sz="400" dirty="0" err="1"/>
+              <a:t>cmp</a:t>
+            </a:r>
+            <a:r>
+              <a:rPr lang="en-US" sz="400" dirty="0"/>
+              <a:t> </a:t>
+            </a:r>
+            <a:r>
+              <a:rPr lang="en-US" sz="400" dirty="0" err="1"/>
+              <a:t>colChoice</a:t>
+            </a:r>
+            <a:r>
+              <a:rPr lang="en-US" sz="400" dirty="0"/>
+              <a:t>, 0			</a:t>
+            </a:r>
+            <a:r>
+              <a:rPr lang="en-US" sz="400" dirty="0" err="1"/>
+              <a:t>jae</a:t>
+            </a:r>
+            <a:r>
+              <a:rPr lang="en-US" sz="400" dirty="0"/>
+              <a:t> Place				</a:t>
+            </a:r>
+            <a:r>
+              <a:rPr lang="en-US" sz="400" dirty="0" err="1"/>
+              <a:t>mov</a:t>
+            </a:r>
+            <a:r>
+              <a:rPr lang="en-US" sz="400" dirty="0"/>
+              <a:t> </a:t>
+            </a:r>
+            <a:r>
+              <a:rPr lang="en-US" sz="400" dirty="0" err="1"/>
+              <a:t>edx</a:t>
+            </a:r>
+            <a:r>
+              <a:rPr lang="en-US" sz="400" dirty="0"/>
+              <a:t>, offset </a:t>
+            </a:r>
+            <a:r>
+              <a:rPr lang="en-US" sz="400" dirty="0" err="1"/>
+              <a:t>invalidB</a:t>
+            </a:r>
+            <a:r>
+              <a:rPr lang="en-US" sz="400" dirty="0"/>
+              <a:t>				call </a:t>
+            </a:r>
+            <a:r>
+              <a:rPr lang="en-US" sz="400" dirty="0" err="1"/>
+              <a:t>WriteString</a:t>
+            </a:r>
+            <a:r>
+              <a:rPr lang="en-US" sz="400" dirty="0"/>
+              <a:t>	</a:t>
+            </a:r>
+            <a:r>
+              <a:rPr lang="en-US" sz="400" dirty="0" err="1"/>
+              <a:t>jmp</a:t>
+            </a:r>
+            <a:r>
+              <a:rPr lang="en-US" sz="400" dirty="0"/>
+              <a:t> </a:t>
+            </a:r>
+            <a:r>
+              <a:rPr lang="en-US" sz="400" dirty="0" err="1"/>
+              <a:t>ChooseRow</a:t>
+            </a:r>
+            <a:r>
+              <a:rPr lang="en-US" sz="400" dirty="0"/>
+              <a:t>		;while (true)	Place:	</a:t>
+            </a:r>
+            <a:r>
+              <a:rPr lang="en-US" sz="400" dirty="0" err="1"/>
+              <a:t>cmp</a:t>
+            </a:r>
+            <a:r>
+              <a:rPr lang="en-US" sz="400" dirty="0"/>
+              <a:t> placed, 42		;if the board is full game over		</a:t>
+            </a:r>
+            <a:r>
+              <a:rPr lang="en-US" sz="400" dirty="0" err="1"/>
+              <a:t>je</a:t>
+            </a:r>
+            <a:r>
+              <a:rPr lang="en-US" sz="400" dirty="0"/>
+              <a:t> </a:t>
+            </a:r>
+            <a:r>
+              <a:rPr lang="en-US" sz="400" dirty="0" err="1"/>
+              <a:t>GameOver</a:t>
+            </a:r>
+            <a:r>
+              <a:rPr lang="en-US" sz="400" dirty="0"/>
+              <a:t>		call </a:t>
+            </a:r>
+            <a:r>
+              <a:rPr lang="en-US" sz="400" dirty="0" err="1"/>
+              <a:t>placeTile</a:t>
+            </a:r>
+            <a:r>
+              <a:rPr lang="en-US" sz="400" dirty="0"/>
+              <a:t>	;otherwise call </a:t>
+            </a:r>
+            <a:r>
+              <a:rPr lang="en-US" sz="400" dirty="0" err="1"/>
+              <a:t>placeTile</a:t>
+            </a:r>
+            <a:r>
+              <a:rPr lang="en-US" sz="400" dirty="0"/>
+              <a:t> to set </a:t>
+            </a:r>
+            <a:r>
+              <a:rPr lang="en-US" sz="400" dirty="0" err="1"/>
+              <a:t>curCol</a:t>
+            </a:r>
+            <a:r>
+              <a:rPr lang="en-US" sz="400" dirty="0"/>
+              <a:t>	</a:t>
+            </a:r>
+            <a:r>
+              <a:rPr lang="en-US" sz="400" dirty="0" err="1"/>
+              <a:t>cmp</a:t>
+            </a:r>
+            <a:r>
+              <a:rPr lang="en-US" sz="400" dirty="0"/>
+              <a:t> </a:t>
+            </a:r>
+            <a:r>
+              <a:rPr lang="en-US" sz="400" dirty="0" err="1"/>
+              <a:t>curCol</a:t>
+            </a:r>
+            <a:r>
+              <a:rPr lang="en-US" sz="400" dirty="0"/>
+              <a:t>, -1		</a:t>
+            </a:r>
+            <a:r>
+              <a:rPr lang="en-US" sz="400" dirty="0" err="1"/>
+              <a:t>jne</a:t>
+            </a:r>
+            <a:r>
+              <a:rPr lang="en-US" sz="400" dirty="0"/>
+              <a:t> </a:t>
+            </a:r>
+            <a:r>
+              <a:rPr lang="en-US" sz="400" dirty="0" err="1"/>
+              <a:t>checkWin</a:t>
+            </a:r>
+            <a:r>
+              <a:rPr lang="en-US" sz="400" dirty="0"/>
+              <a:t>		;if </a:t>
+            </a:r>
+            <a:r>
+              <a:rPr lang="en-US" sz="400" dirty="0" err="1"/>
+              <a:t>curCol</a:t>
+            </a:r>
+            <a:r>
+              <a:rPr lang="en-US" sz="400" dirty="0"/>
+              <a:t> is -1 then the column is full		</a:t>
+            </a:r>
+            <a:r>
+              <a:rPr lang="en-US" sz="400" dirty="0" err="1"/>
+              <a:t>mov</a:t>
+            </a:r>
+            <a:r>
+              <a:rPr lang="en-US" sz="400" dirty="0"/>
+              <a:t> </a:t>
+            </a:r>
+            <a:r>
+              <a:rPr lang="en-US" sz="400" dirty="0" err="1"/>
+              <a:t>edx</a:t>
+            </a:r>
+            <a:r>
+              <a:rPr lang="en-US" sz="400" dirty="0"/>
+              <a:t>, offset </a:t>
+            </a:r>
+            <a:r>
+              <a:rPr lang="en-US" sz="400" dirty="0" err="1"/>
+              <a:t>invalidCol</a:t>
+            </a:r>
+            <a:r>
+              <a:rPr lang="en-US" sz="400" dirty="0"/>
+              <a:t>		call </a:t>
+            </a:r>
+            <a:r>
+              <a:rPr lang="en-US" sz="400" dirty="0" err="1"/>
+              <a:t>WriteString</a:t>
+            </a:r>
+            <a:r>
+              <a:rPr lang="en-US" sz="400" dirty="0"/>
+              <a:t>		</a:t>
+            </a:r>
+            <a:r>
+              <a:rPr lang="en-US" sz="400" dirty="0" err="1"/>
+              <a:t>jmp</a:t>
+            </a:r>
+            <a:r>
+              <a:rPr lang="en-US" sz="400" dirty="0"/>
+              <a:t> </a:t>
+            </a:r>
+            <a:r>
+              <a:rPr lang="en-US" sz="400" dirty="0" err="1"/>
+              <a:t>ChooseRow</a:t>
+            </a:r>
+            <a:r>
+              <a:rPr lang="en-US" sz="400" dirty="0"/>
+              <a:t>	</a:t>
+            </a:r>
+            <a:r>
+              <a:rPr lang="en-US" sz="400" dirty="0" err="1"/>
+              <a:t>checkWin</a:t>
+            </a:r>
+            <a:r>
+              <a:rPr lang="en-US" sz="400" dirty="0"/>
+              <a:t>:				;otherwise check for a win		</a:t>
+            </a:r>
+            <a:r>
+              <a:rPr lang="en-US" sz="400" dirty="0" err="1"/>
+              <a:t>cmp</a:t>
+            </a:r>
+            <a:r>
+              <a:rPr lang="en-US" sz="400" dirty="0"/>
+              <a:t> placed, 6		</a:t>
+            </a:r>
+            <a:r>
+              <a:rPr lang="en-US" sz="400" dirty="0" err="1"/>
+              <a:t>jb</a:t>
+            </a:r>
+            <a:r>
+              <a:rPr lang="en-US" sz="400" dirty="0"/>
+              <a:t> Enough			call check		;check for a win and change the value of win if someone won to exit loop		Enough:		</a:t>
+            </a:r>
+            <a:r>
+              <a:rPr lang="en-US" sz="400" dirty="0" err="1"/>
+              <a:t>inc</a:t>
+            </a:r>
+            <a:r>
+              <a:rPr lang="en-US" sz="400" dirty="0"/>
+              <a:t> placed		call </a:t>
+            </a:r>
+            <a:r>
+              <a:rPr lang="en-US" sz="400" dirty="0" err="1"/>
+              <a:t>Clrscr</a:t>
+            </a:r>
+            <a:r>
+              <a:rPr lang="en-US" sz="400" dirty="0"/>
+              <a:t>		call </a:t>
+            </a:r>
+            <a:r>
+              <a:rPr lang="en-US" sz="400" dirty="0" err="1"/>
+              <a:t>displayBoardcmp</a:t>
+            </a:r>
+            <a:r>
+              <a:rPr lang="en-US" sz="400" dirty="0"/>
+              <a:t> win, 48je Game						;WILL THIS JUMP TO THE </a:t>
+            </a:r>
+            <a:r>
+              <a:rPr lang="en-US" sz="400" dirty="0" err="1"/>
+              <a:t>TOP?GameOver</a:t>
+            </a:r>
+            <a:r>
+              <a:rPr lang="en-US" sz="400" dirty="0"/>
+              <a:t>:	call </a:t>
+            </a:r>
+            <a:r>
+              <a:rPr lang="en-US" sz="400" dirty="0" err="1"/>
+              <a:t>Clrscr</a:t>
+            </a:r>
+            <a:r>
+              <a:rPr lang="en-US" sz="400" dirty="0"/>
+              <a:t>	call </a:t>
+            </a:r>
+            <a:r>
+              <a:rPr lang="en-US" sz="400" dirty="0" err="1"/>
+              <a:t>displayBoard</a:t>
+            </a:r>
+            <a:r>
+              <a:rPr lang="en-US" sz="400" dirty="0"/>
+              <a:t>	call </a:t>
+            </a:r>
+            <a:r>
+              <a:rPr lang="en-US" sz="400" dirty="0" err="1"/>
+              <a:t>updateStats</a:t>
+            </a:r>
+            <a:r>
+              <a:rPr lang="en-US" sz="400" dirty="0"/>
+              <a:t>			;announces winner and updates scores	call </a:t>
+            </a:r>
+            <a:r>
+              <a:rPr lang="en-US" sz="400" dirty="0" err="1"/>
+              <a:t>sysPause</a:t>
+            </a:r>
+            <a:r>
+              <a:rPr lang="en-US" sz="400" dirty="0"/>
+              <a:t>				;system("Pause")	</a:t>
+            </a:r>
+            <a:r>
+              <a:rPr lang="en-US" sz="400" dirty="0" err="1"/>
+              <a:t>retplayGame</a:t>
+            </a:r>
+            <a:r>
+              <a:rPr lang="en-US" sz="400" dirty="0"/>
+              <a:t> </a:t>
+            </a:r>
+            <a:r>
+              <a:rPr lang="en-US" sz="400" dirty="0" err="1"/>
+              <a:t>endp</a:t>
+            </a:r>
+            <a:r>
+              <a:rPr lang="en-US" sz="400" dirty="0"/>
+              <a:t>;-------------------------------FUNCTION TO EMPTY BOARD-------------------------------------</a:t>
+            </a:r>
+            <a:r>
+              <a:rPr lang="en-US" sz="400" dirty="0" err="1"/>
+              <a:t>emptyBoard</a:t>
+            </a:r>
+            <a:r>
+              <a:rPr lang="en-US" sz="400" dirty="0"/>
+              <a:t> PROC USES ECX EAX EBX ESI				</a:t>
+            </a:r>
+            <a:r>
+              <a:rPr lang="en-US" sz="400" dirty="0" err="1"/>
+              <a:t>mov</a:t>
+            </a:r>
+            <a:r>
+              <a:rPr lang="en-US" sz="400" dirty="0"/>
+              <a:t> </a:t>
+            </a:r>
+            <a:r>
+              <a:rPr lang="en-US" sz="400" dirty="0" err="1"/>
+              <a:t>esi</a:t>
+            </a:r>
+            <a:r>
+              <a:rPr lang="en-US" sz="400" dirty="0"/>
+              <a:t>, offset board	</a:t>
+            </a:r>
+            <a:r>
+              <a:rPr lang="en-US" sz="400" dirty="0" err="1"/>
+              <a:t>mov</a:t>
+            </a:r>
+            <a:r>
+              <a:rPr lang="en-US" sz="400" dirty="0"/>
+              <a:t> </a:t>
+            </a:r>
+            <a:r>
+              <a:rPr lang="en-US" sz="400" dirty="0" err="1"/>
+              <a:t>ebx</a:t>
+            </a:r>
+            <a:r>
+              <a:rPr lang="en-US" sz="400" dirty="0"/>
+              <a:t>, blank	</a:t>
+            </a:r>
+            <a:r>
+              <a:rPr lang="en-US" sz="400" dirty="0" err="1"/>
+              <a:t>xor</a:t>
+            </a:r>
+            <a:r>
+              <a:rPr lang="en-US" sz="400" dirty="0"/>
+              <a:t> </a:t>
+            </a:r>
+            <a:r>
+              <a:rPr lang="en-US" sz="400" dirty="0" err="1"/>
+              <a:t>eax</a:t>
+            </a:r>
+            <a:r>
+              <a:rPr lang="en-US" sz="400" dirty="0"/>
+              <a:t>, </a:t>
+            </a:r>
+            <a:r>
+              <a:rPr lang="en-US" sz="400" dirty="0" err="1"/>
+              <a:t>eax</a:t>
+            </a:r>
+            <a:r>
+              <a:rPr lang="en-US" sz="400" dirty="0"/>
+              <a:t> 	</a:t>
+            </a:r>
+            <a:r>
+              <a:rPr lang="en-US" sz="400" dirty="0" err="1"/>
+              <a:t>mov</a:t>
+            </a:r>
+            <a:r>
+              <a:rPr lang="en-US" sz="400" dirty="0"/>
+              <a:t> </a:t>
+            </a:r>
+            <a:r>
+              <a:rPr lang="en-US" sz="400" dirty="0" err="1"/>
+              <a:t>ecx</a:t>
+            </a:r>
+            <a:r>
+              <a:rPr lang="en-US" sz="400" dirty="0"/>
+              <a:t>, 42</a:t>
+            </a:r>
+          </a:p>
+          <a:p>
+            <a:pPr marL="0" indent="0">
+              <a:buNone/>
+            </a:pPr>
+            <a:r>
+              <a:rPr lang="en-US" sz="400" dirty="0"/>
+              <a:t>    Loop1:		</a:t>
+            </a:r>
+            <a:r>
+              <a:rPr lang="en-US" sz="400" dirty="0" err="1"/>
+              <a:t>mov</a:t>
+            </a:r>
+            <a:r>
+              <a:rPr lang="en-US" sz="400" dirty="0"/>
+              <a:t> [</a:t>
+            </a:r>
+            <a:r>
+              <a:rPr lang="en-US" sz="400" dirty="0" err="1"/>
+              <a:t>esi</a:t>
+            </a:r>
+            <a:r>
+              <a:rPr lang="en-US" sz="400" dirty="0"/>
+              <a:t> + </a:t>
+            </a:r>
+            <a:r>
+              <a:rPr lang="en-US" sz="400" dirty="0" err="1"/>
+              <a:t>eax</a:t>
+            </a:r>
+            <a:r>
+              <a:rPr lang="en-US" sz="400" dirty="0"/>
+              <a:t> * 4], </a:t>
+            </a:r>
+            <a:r>
+              <a:rPr lang="en-US" sz="400" dirty="0" err="1"/>
+              <a:t>ebx</a:t>
+            </a:r>
+            <a:endParaRPr lang="en-US" sz="400" dirty="0"/>
+          </a:p>
+          <a:p>
+            <a:pPr marL="0" indent="0">
+              <a:buNone/>
+            </a:pPr>
+            <a:r>
+              <a:rPr lang="en-US" sz="400" dirty="0"/>
+              <a:t>		</a:t>
+            </a:r>
+            <a:r>
+              <a:rPr lang="en-US" sz="400" dirty="0" err="1"/>
+              <a:t>inc</a:t>
+            </a:r>
+            <a:r>
+              <a:rPr lang="en-US" sz="400" dirty="0"/>
+              <a:t> </a:t>
+            </a:r>
+            <a:r>
+              <a:rPr lang="en-US" sz="400" dirty="0" err="1"/>
+              <a:t>ea</a:t>
+            </a:r>
+            <a:r>
+              <a:rPr lang="en-US" sz="400" dirty="0"/>
+              <a:t>	loop Loop1</a:t>
+            </a:r>
+          </a:p>
+          <a:p>
+            <a:pPr marL="0" indent="0">
+              <a:buNone/>
+            </a:pPr>
+            <a:r>
+              <a:rPr lang="en-US" sz="400" dirty="0"/>
+              <a:t>	ret</a:t>
+            </a:r>
+          </a:p>
+          <a:p>
+            <a:pPr marL="0" indent="0">
+              <a:buNone/>
+            </a:pPr>
+            <a:r>
+              <a:rPr lang="en-US" sz="400" dirty="0" err="1"/>
+              <a:t>emptyBoard</a:t>
+            </a:r>
+            <a:r>
+              <a:rPr lang="en-US" sz="400" dirty="0"/>
+              <a:t> </a:t>
+            </a:r>
+            <a:r>
+              <a:rPr lang="en-US" sz="400" dirty="0" err="1"/>
+              <a:t>endp</a:t>
+            </a:r>
+            <a:r>
+              <a:rPr lang="en-US" sz="400" dirty="0"/>
+              <a:t>;---------------------------------FUNCTION TO DISPLAY BOARD----------------------------------- </a:t>
+            </a:r>
+            <a:r>
+              <a:rPr lang="en-US" sz="400" dirty="0" err="1"/>
+              <a:t>displayBoard</a:t>
+            </a:r>
+            <a:r>
+              <a:rPr lang="en-US" sz="400" dirty="0"/>
+              <a:t> PROC USES EAX ECX	</a:t>
+            </a:r>
+            <a:r>
+              <a:rPr lang="en-US" sz="400" dirty="0" err="1"/>
+              <a:t>mov</a:t>
+            </a:r>
+            <a:r>
+              <a:rPr lang="en-US" sz="400" dirty="0"/>
+              <a:t> </a:t>
+            </a:r>
+            <a:r>
+              <a:rPr lang="en-US" sz="400" dirty="0" err="1"/>
+              <a:t>eax</a:t>
+            </a:r>
+            <a:r>
+              <a:rPr lang="en-US" sz="400" dirty="0"/>
+              <a:t>, white+(blue*16)	call </a:t>
+            </a:r>
+            <a:r>
+              <a:rPr lang="en-US" sz="400" dirty="0" err="1"/>
+              <a:t>settextcolor</a:t>
+            </a:r>
+            <a:r>
+              <a:rPr lang="en-US" sz="400" dirty="0"/>
+              <a:t>	call </a:t>
+            </a:r>
+            <a:r>
+              <a:rPr lang="en-US" sz="400" dirty="0" err="1"/>
+              <a:t>Clrscr</a:t>
+            </a:r>
+            <a:r>
+              <a:rPr lang="en-US" sz="400" dirty="0"/>
+              <a:t> 	</a:t>
+            </a:r>
+            <a:r>
+              <a:rPr lang="en-US" sz="400" dirty="0" err="1"/>
+              <a:t>mov</a:t>
+            </a:r>
+            <a:r>
+              <a:rPr lang="en-US" sz="400" dirty="0"/>
+              <a:t> </a:t>
+            </a:r>
+            <a:r>
+              <a:rPr lang="en-US" sz="400" dirty="0" err="1"/>
+              <a:t>ecx</a:t>
+            </a:r>
+            <a:r>
+              <a:rPr lang="en-US" sz="400" dirty="0"/>
+              <a:t>, 6	</a:t>
+            </a:r>
+            <a:r>
+              <a:rPr lang="en-US" sz="400" dirty="0" err="1"/>
+              <a:t>mov</a:t>
+            </a:r>
+            <a:r>
+              <a:rPr lang="en-US" sz="400" dirty="0"/>
+              <a:t> </a:t>
+            </a:r>
+            <a:r>
+              <a:rPr lang="en-US" sz="400" dirty="0" err="1"/>
+              <a:t>i</a:t>
+            </a:r>
+            <a:r>
+              <a:rPr lang="en-US" sz="400" dirty="0"/>
+              <a:t>, 6	Loop4:		call </a:t>
+            </a:r>
+            <a:r>
+              <a:rPr lang="en-US" sz="400" dirty="0" err="1"/>
+              <a:t>setRow</a:t>
+            </a:r>
+            <a:r>
+              <a:rPr lang="en-US" sz="400" dirty="0"/>
+              <a:t>		</a:t>
+            </a:r>
+            <a:r>
+              <a:rPr lang="en-US" sz="400" dirty="0" err="1"/>
+              <a:t>dec</a:t>
+            </a:r>
+            <a:r>
+              <a:rPr lang="en-US" sz="400" dirty="0"/>
+              <a:t> </a:t>
+            </a:r>
+            <a:r>
+              <a:rPr lang="en-US" sz="400" dirty="0" err="1"/>
+              <a:t>i</a:t>
+            </a:r>
+            <a:r>
+              <a:rPr lang="en-US" sz="400" dirty="0"/>
+              <a:t>	loop Loop4 	</a:t>
+            </a:r>
+            <a:r>
+              <a:rPr lang="en-US" sz="400" dirty="0" err="1"/>
+              <a:t>retdisplayBoard</a:t>
+            </a:r>
+            <a:r>
+              <a:rPr lang="en-US" sz="400" dirty="0"/>
+              <a:t> </a:t>
+            </a:r>
+            <a:r>
+              <a:rPr lang="en-US" sz="400" dirty="0" err="1"/>
+              <a:t>endp</a:t>
+            </a:r>
+            <a:r>
+              <a:rPr lang="en-US" sz="400" dirty="0"/>
+              <a:t>;-------------------------------FUNCTION TO CREATE A ROW OF THE BOARD-------------------------------------</a:t>
+            </a:r>
+            <a:r>
+              <a:rPr lang="en-US" sz="400" dirty="0" err="1"/>
+              <a:t>setRow</a:t>
+            </a:r>
+            <a:r>
+              <a:rPr lang="en-US" sz="400" dirty="0"/>
+              <a:t> PROC USES EAX ECX           ;outputs a row of boxes using </a:t>
+            </a:r>
+            <a:r>
+              <a:rPr lang="en-US" sz="400" dirty="0" err="1"/>
+              <a:t>ascii</a:t>
+            </a:r>
+            <a:r>
+              <a:rPr lang="en-US" sz="400" dirty="0"/>
+              <a:t> characters	</a:t>
+            </a:r>
+            <a:r>
+              <a:rPr lang="en-US" sz="400" dirty="0" err="1"/>
+              <a:t>mov</a:t>
+            </a:r>
+            <a:r>
+              <a:rPr lang="en-US" sz="400" dirty="0"/>
+              <a:t> </a:t>
+            </a:r>
+            <a:r>
+              <a:rPr lang="en-US" sz="400" dirty="0" err="1"/>
+              <a:t>ecx</a:t>
+            </a:r>
+            <a:r>
+              <a:rPr lang="en-US" sz="400" dirty="0"/>
+              <a:t>, 7	Loop1:                                          ;</a:t>
+            </a:r>
+            <a:r>
+              <a:rPr lang="en-US" sz="400" dirty="0" err="1"/>
+              <a:t>ouputs</a:t>
+            </a:r>
+            <a:r>
+              <a:rPr lang="en-US" sz="400" dirty="0"/>
+              <a:t> first third of a row of 7 boxes		</a:t>
+            </a:r>
+            <a:r>
+              <a:rPr lang="en-US" sz="400" dirty="0" err="1"/>
+              <a:t>mov</a:t>
+            </a:r>
+            <a:r>
+              <a:rPr lang="en-US" sz="400" dirty="0"/>
+              <a:t> al, 218		call </a:t>
+            </a:r>
+            <a:r>
+              <a:rPr lang="en-US" sz="400" dirty="0" err="1"/>
+              <a:t>Writechar</a:t>
+            </a:r>
+            <a:r>
+              <a:rPr lang="en-US" sz="400" dirty="0"/>
+              <a:t>		</a:t>
+            </a:r>
+            <a:r>
+              <a:rPr lang="en-US" sz="400" dirty="0" err="1"/>
+              <a:t>mov</a:t>
+            </a:r>
+            <a:r>
+              <a:rPr lang="en-US" sz="400" dirty="0"/>
+              <a:t> al, 196		call </a:t>
+            </a:r>
+            <a:r>
+              <a:rPr lang="en-US" sz="400" dirty="0" err="1"/>
+              <a:t>Writechar</a:t>
+            </a:r>
+            <a:r>
+              <a:rPr lang="en-US" sz="400" dirty="0"/>
+              <a:t>		</a:t>
+            </a:r>
+            <a:r>
+              <a:rPr lang="en-US" sz="400" dirty="0" err="1"/>
+              <a:t>mov</a:t>
+            </a:r>
+            <a:r>
+              <a:rPr lang="en-US" sz="400" dirty="0"/>
+              <a:t> al, 191		call </a:t>
+            </a:r>
+            <a:r>
+              <a:rPr lang="en-US" sz="400" dirty="0" err="1"/>
+              <a:t>Writechar</a:t>
+            </a:r>
+            <a:r>
+              <a:rPr lang="en-US" sz="400" dirty="0"/>
+              <a:t>		</a:t>
+            </a:r>
+            <a:r>
+              <a:rPr lang="en-US" sz="400" dirty="0" err="1"/>
+              <a:t>mov</a:t>
+            </a:r>
+            <a:r>
+              <a:rPr lang="en-US" sz="400" dirty="0"/>
+              <a:t> al, BYTE PTR blank		call </a:t>
+            </a:r>
+            <a:r>
+              <a:rPr lang="en-US" sz="400" dirty="0" err="1"/>
+              <a:t>Writechar</a:t>
+            </a:r>
+            <a:r>
+              <a:rPr lang="en-US" sz="400" dirty="0"/>
+              <a:t>	loop Loop1	call </a:t>
+            </a:r>
+            <a:r>
+              <a:rPr lang="en-US" sz="400" dirty="0" err="1"/>
+              <a:t>crlf</a:t>
+            </a:r>
+            <a:r>
+              <a:rPr lang="en-US" sz="400" dirty="0"/>
+              <a:t> 	</a:t>
+            </a:r>
+            <a:r>
+              <a:rPr lang="en-US" sz="400" dirty="0" err="1"/>
+              <a:t>mov</a:t>
+            </a:r>
+            <a:r>
+              <a:rPr lang="en-US" sz="400" dirty="0"/>
+              <a:t> </a:t>
+            </a:r>
+            <a:r>
+              <a:rPr lang="en-US" sz="400" dirty="0" err="1"/>
+              <a:t>ecx</a:t>
+            </a:r>
+            <a:r>
+              <a:rPr lang="en-US" sz="400" dirty="0"/>
+              <a:t>, 7	Loop2:                                          ;</a:t>
+            </a:r>
+            <a:r>
+              <a:rPr lang="en-US" sz="400" dirty="0" err="1"/>
+              <a:t>ouputs</a:t>
+            </a:r>
+            <a:r>
+              <a:rPr lang="en-US" sz="400" dirty="0"/>
+              <a:t> second third of a row of 7 boxes		</a:t>
+            </a:r>
+            <a:r>
+              <a:rPr lang="en-US" sz="400" dirty="0" err="1"/>
+              <a:t>mov</a:t>
+            </a:r>
+            <a:r>
+              <a:rPr lang="en-US" sz="400" dirty="0"/>
+              <a:t> al, 179		call </a:t>
+            </a:r>
+            <a:r>
+              <a:rPr lang="en-US" sz="400" dirty="0" err="1"/>
+              <a:t>Writechar</a:t>
+            </a:r>
+            <a:r>
+              <a:rPr lang="en-US" sz="400" dirty="0"/>
+              <a:t>		</a:t>
+            </a:r>
+            <a:r>
+              <a:rPr lang="en-US" sz="400" dirty="0" err="1"/>
+              <a:t>mov</a:t>
+            </a:r>
+            <a:r>
+              <a:rPr lang="en-US" sz="400" dirty="0"/>
+              <a:t> </a:t>
+            </a:r>
+            <a:r>
+              <a:rPr lang="en-US" sz="400" dirty="0" err="1"/>
+              <a:t>esi</a:t>
+            </a:r>
+            <a:r>
+              <a:rPr lang="en-US" sz="400" dirty="0"/>
+              <a:t>, offset board		</a:t>
+            </a:r>
+            <a:r>
+              <a:rPr lang="en-US" sz="400" dirty="0" err="1"/>
+              <a:t>mov</a:t>
+            </a:r>
+            <a:r>
+              <a:rPr lang="en-US" sz="400" dirty="0"/>
+              <a:t> </a:t>
+            </a:r>
+            <a:r>
+              <a:rPr lang="en-US" sz="400" dirty="0" err="1"/>
+              <a:t>eax</a:t>
+            </a:r>
+            <a:r>
+              <a:rPr lang="en-US" sz="400" dirty="0"/>
+              <a:t>, </a:t>
+            </a:r>
+            <a:r>
+              <a:rPr lang="en-US" sz="400" dirty="0" err="1"/>
+              <a:t>i</a:t>
+            </a:r>
+            <a:r>
+              <a:rPr lang="en-US" sz="400" dirty="0"/>
+              <a:t>		</a:t>
+            </a:r>
+            <a:r>
+              <a:rPr lang="en-US" sz="400" dirty="0" err="1"/>
+              <a:t>mul</a:t>
+            </a:r>
+            <a:r>
+              <a:rPr lang="en-US" sz="400" dirty="0"/>
+              <a:t> seven		push </a:t>
+            </a:r>
+            <a:r>
+              <a:rPr lang="en-US" sz="400" dirty="0" err="1"/>
+              <a:t>ecx</a:t>
+            </a:r>
+            <a:r>
+              <a:rPr lang="en-US" sz="400" dirty="0"/>
+              <a:t>		add </a:t>
+            </a:r>
+            <a:r>
+              <a:rPr lang="en-US" sz="400" dirty="0" err="1"/>
+              <a:t>ecx</a:t>
+            </a:r>
+            <a:r>
+              <a:rPr lang="en-US" sz="400" dirty="0"/>
+              <a:t>, </a:t>
+            </a:r>
+            <a:r>
+              <a:rPr lang="en-US" sz="400" dirty="0" err="1"/>
+              <a:t>eax</a:t>
+            </a:r>
+            <a:r>
+              <a:rPr lang="en-US" sz="400" dirty="0"/>
+              <a:t>		</a:t>
+            </a:r>
+            <a:r>
+              <a:rPr lang="en-US" sz="400" dirty="0" err="1"/>
+              <a:t>mov</a:t>
+            </a:r>
+            <a:r>
+              <a:rPr lang="en-US" sz="400" dirty="0"/>
+              <a:t> al, BYTE PTR [</a:t>
+            </a:r>
+            <a:r>
+              <a:rPr lang="en-US" sz="400" dirty="0" err="1"/>
+              <a:t>esi</a:t>
+            </a:r>
+            <a:r>
+              <a:rPr lang="en-US" sz="400" dirty="0"/>
+              <a:t> + </a:t>
+            </a:r>
+            <a:r>
+              <a:rPr lang="en-US" sz="400" dirty="0" err="1"/>
+              <a:t>ecx</a:t>
+            </a:r>
+            <a:r>
+              <a:rPr lang="en-US" sz="400" dirty="0"/>
+              <a:t>]			;(board[</a:t>
+            </a:r>
+            <a:r>
+              <a:rPr lang="en-US" sz="400" dirty="0" err="1"/>
+              <a:t>curCol</a:t>
+            </a:r>
+            <a:r>
+              <a:rPr lang="en-US" sz="400" dirty="0"/>
+              <a:t>(j) + </a:t>
+            </a:r>
+            <a:r>
+              <a:rPr lang="en-US" sz="400" dirty="0" err="1"/>
+              <a:t>curRow</a:t>
+            </a:r>
+            <a:r>
+              <a:rPr lang="en-US" sz="400" dirty="0"/>
+              <a:t>(</a:t>
+            </a:r>
+            <a:r>
+              <a:rPr lang="en-US" sz="400" dirty="0" err="1"/>
+              <a:t>i</a:t>
+            </a:r>
+            <a:r>
+              <a:rPr lang="en-US" sz="400" dirty="0"/>
+              <a:t>) * 7]) </a:t>
+            </a:r>
+            <a:r>
+              <a:rPr lang="en-US" sz="400" dirty="0" err="1"/>
+              <a:t>i</a:t>
+            </a:r>
+            <a:r>
+              <a:rPr lang="en-US" sz="400" dirty="0"/>
+              <a:t> = </a:t>
+            </a:r>
+            <a:r>
+              <a:rPr lang="en-US" sz="400" dirty="0" err="1"/>
+              <a:t>ecx</a:t>
+            </a:r>
+            <a:r>
+              <a:rPr lang="en-US" sz="400" dirty="0"/>
+              <a:t> of first loop, j = </a:t>
+            </a:r>
+            <a:r>
+              <a:rPr lang="en-US" sz="400" dirty="0" err="1"/>
+              <a:t>ecx</a:t>
+            </a:r>
+            <a:r>
+              <a:rPr lang="en-US" sz="400" dirty="0"/>
+              <a:t> of second loop		call </a:t>
+            </a:r>
+            <a:r>
+              <a:rPr lang="en-US" sz="400" dirty="0" err="1"/>
+              <a:t>Writechar</a:t>
+            </a:r>
+            <a:r>
+              <a:rPr lang="en-US" sz="400" dirty="0"/>
+              <a:t>		pop </a:t>
+            </a:r>
+            <a:r>
+              <a:rPr lang="en-US" sz="400" dirty="0" err="1"/>
+              <a:t>ecx</a:t>
+            </a:r>
+            <a:r>
+              <a:rPr lang="en-US" sz="400" dirty="0"/>
+              <a:t>		</a:t>
+            </a:r>
+            <a:r>
+              <a:rPr lang="en-US" sz="400" dirty="0" err="1"/>
+              <a:t>mov</a:t>
+            </a:r>
+            <a:r>
+              <a:rPr lang="en-US" sz="400" dirty="0"/>
+              <a:t> al, 179		call </a:t>
+            </a:r>
+            <a:r>
+              <a:rPr lang="en-US" sz="400" dirty="0" err="1"/>
+              <a:t>Writechar</a:t>
+            </a:r>
+            <a:r>
+              <a:rPr lang="en-US" sz="400" dirty="0"/>
+              <a:t>		</a:t>
+            </a:r>
+            <a:r>
+              <a:rPr lang="en-US" sz="400" dirty="0" err="1"/>
+              <a:t>mov</a:t>
+            </a:r>
+            <a:r>
+              <a:rPr lang="en-US" sz="400" dirty="0"/>
+              <a:t> al, BYTE PTR blank		call </a:t>
+            </a:r>
+            <a:r>
+              <a:rPr lang="en-US" sz="400" dirty="0" err="1"/>
+              <a:t>Writechar</a:t>
+            </a:r>
+            <a:r>
+              <a:rPr lang="en-US" sz="400" dirty="0"/>
+              <a:t>	loop Loop2	call </a:t>
+            </a:r>
+            <a:r>
+              <a:rPr lang="en-US" sz="400" dirty="0" err="1"/>
+              <a:t>crlf</a:t>
+            </a:r>
+            <a:r>
+              <a:rPr lang="en-US" sz="400" dirty="0"/>
+              <a:t> 	</a:t>
+            </a:r>
+            <a:r>
+              <a:rPr lang="en-US" sz="400" dirty="0" err="1"/>
+              <a:t>mov</a:t>
+            </a:r>
+            <a:r>
+              <a:rPr lang="en-US" sz="400" dirty="0"/>
+              <a:t> </a:t>
+            </a:r>
+            <a:r>
+              <a:rPr lang="en-US" sz="400" dirty="0" err="1"/>
+              <a:t>ecx</a:t>
+            </a:r>
+            <a:r>
+              <a:rPr lang="en-US" sz="400" dirty="0"/>
+              <a:t>, 7	Loop3:                                          ;</a:t>
+            </a:r>
+            <a:r>
+              <a:rPr lang="en-US" sz="400" dirty="0" err="1"/>
+              <a:t>ouputs</a:t>
+            </a:r>
+            <a:r>
+              <a:rPr lang="en-US" sz="400" dirty="0"/>
+              <a:t> last third of a row of 7 boxes		</a:t>
+            </a:r>
+            <a:r>
+              <a:rPr lang="en-US" sz="400" dirty="0" err="1"/>
+              <a:t>mov</a:t>
+            </a:r>
+            <a:r>
+              <a:rPr lang="en-US" sz="400" dirty="0"/>
+              <a:t> al, 192		call </a:t>
+            </a:r>
+            <a:r>
+              <a:rPr lang="en-US" sz="400" dirty="0" err="1"/>
+              <a:t>Writechar</a:t>
+            </a:r>
+            <a:r>
+              <a:rPr lang="en-US" sz="400" dirty="0"/>
+              <a:t>		</a:t>
+            </a:r>
+            <a:r>
+              <a:rPr lang="en-US" sz="400" dirty="0" err="1"/>
+              <a:t>mov</a:t>
+            </a:r>
+            <a:r>
+              <a:rPr lang="en-US" sz="400" dirty="0"/>
+              <a:t> al, 196		call </a:t>
+            </a:r>
+            <a:r>
+              <a:rPr lang="en-US" sz="400" dirty="0" err="1"/>
+              <a:t>Writechar</a:t>
+            </a:r>
+            <a:r>
+              <a:rPr lang="en-US" sz="400" dirty="0"/>
+              <a:t>		</a:t>
+            </a:r>
+            <a:r>
+              <a:rPr lang="en-US" sz="400" dirty="0" err="1"/>
+              <a:t>mov</a:t>
+            </a:r>
+            <a:r>
+              <a:rPr lang="en-US" sz="400" dirty="0"/>
+              <a:t> al, 217		call </a:t>
+            </a:r>
+            <a:r>
+              <a:rPr lang="en-US" sz="400" dirty="0" err="1"/>
+              <a:t>Writechar</a:t>
+            </a:r>
+            <a:r>
+              <a:rPr lang="en-US" sz="400" dirty="0"/>
+              <a:t>		</a:t>
+            </a:r>
+            <a:r>
+              <a:rPr lang="en-US" sz="400" dirty="0" err="1"/>
+              <a:t>mov</a:t>
+            </a:r>
+            <a:r>
+              <a:rPr lang="en-US" sz="400" dirty="0"/>
+              <a:t> al, BYTE PTR blank		call </a:t>
+            </a:r>
+            <a:r>
+              <a:rPr lang="en-US" sz="400" dirty="0" err="1"/>
+              <a:t>Writechar</a:t>
+            </a:r>
+            <a:r>
+              <a:rPr lang="en-US" sz="400" dirty="0"/>
+              <a:t>	loop Loop3	call </a:t>
+            </a:r>
+            <a:r>
+              <a:rPr lang="en-US" sz="400" dirty="0" err="1"/>
+              <a:t>crlf</a:t>
+            </a:r>
+            <a:r>
+              <a:rPr lang="en-US" sz="400" dirty="0"/>
+              <a:t>	</a:t>
+            </a:r>
+            <a:r>
+              <a:rPr lang="en-US" sz="400" dirty="0" err="1"/>
+              <a:t>retsetRow</a:t>
+            </a:r>
+            <a:r>
+              <a:rPr lang="en-US" sz="400" dirty="0"/>
+              <a:t> </a:t>
+            </a:r>
+            <a:r>
+              <a:rPr lang="en-US" sz="400" dirty="0" err="1"/>
+              <a:t>endp</a:t>
+            </a:r>
+            <a:r>
+              <a:rPr lang="en-US" sz="400" dirty="0"/>
+              <a:t>;--------------------------------FUNCTION TO PLACE TILE------------------------------------</a:t>
+            </a:r>
+            <a:r>
+              <a:rPr lang="en-US" sz="400" dirty="0" err="1"/>
+              <a:t>placeTile</a:t>
+            </a:r>
+            <a:r>
+              <a:rPr lang="en-US" sz="400" dirty="0"/>
+              <a:t> PROC USES EAX EBX</a:t>
+            </a:r>
+          </a:p>
+          <a:p>
+            <a:pPr marL="0" indent="0">
+              <a:buNone/>
+            </a:pPr>
+            <a:r>
+              <a:rPr lang="en-US" sz="400" dirty="0"/>
+              <a:t>;set </a:t>
+            </a:r>
+            <a:r>
+              <a:rPr lang="en-US" sz="400" dirty="0" err="1"/>
+              <a:t>CurCol</a:t>
+            </a:r>
+            <a:r>
+              <a:rPr lang="en-US" sz="400" dirty="0"/>
+              <a:t> as the return value of </a:t>
+            </a:r>
+            <a:r>
+              <a:rPr lang="en-US" sz="400" dirty="0" err="1"/>
+              <a:t>placeTile</a:t>
+            </a:r>
+            <a:r>
+              <a:rPr lang="en-US" sz="400" dirty="0"/>
+              <a:t>() </a:t>
+            </a:r>
+            <a:r>
+              <a:rPr lang="en-US" sz="400" dirty="0" err="1"/>
+              <a:t>adn</a:t>
+            </a:r>
+            <a:r>
+              <a:rPr lang="en-US" sz="400" dirty="0"/>
+              <a:t> whatever ends up returning will return the value in </a:t>
+            </a:r>
+            <a:r>
+              <a:rPr lang="en-US" sz="400" dirty="0" err="1"/>
+              <a:t>curCol</a:t>
+            </a:r>
+            <a:r>
+              <a:rPr lang="en-US" sz="400" dirty="0"/>
+              <a:t>		;get column		</a:t>
+            </a:r>
+            <a:r>
+              <a:rPr lang="en-US" sz="400" dirty="0" err="1"/>
+              <a:t>mov</a:t>
+            </a:r>
+            <a:r>
+              <a:rPr lang="en-US" sz="400" dirty="0"/>
+              <a:t> row, 5		;WHY IS THIS 5?								;WHERE DO YOU CHECK if(col &lt; 0 || col &gt;= 7) then return -1		.WHILE row &gt;= 0			</a:t>
+            </a:r>
+            <a:r>
+              <a:rPr lang="en-US" sz="400" dirty="0" err="1"/>
+              <a:t>movzx</a:t>
+            </a:r>
+            <a:r>
+              <a:rPr lang="en-US" sz="400" dirty="0"/>
+              <a:t> </a:t>
+            </a:r>
+            <a:r>
+              <a:rPr lang="en-US" sz="400" dirty="0" err="1"/>
+              <a:t>eax</a:t>
+            </a:r>
+            <a:r>
+              <a:rPr lang="en-US" sz="400" dirty="0"/>
+              <a:t>, row			</a:t>
+            </a:r>
+            <a:r>
+              <a:rPr lang="en-US" sz="400" dirty="0" err="1"/>
+              <a:t>mul</a:t>
+            </a:r>
+            <a:r>
+              <a:rPr lang="en-US" sz="400" dirty="0"/>
+              <a:t> seven			add </a:t>
+            </a:r>
+            <a:r>
+              <a:rPr lang="en-US" sz="400" dirty="0" err="1"/>
+              <a:t>eax</a:t>
+            </a:r>
+            <a:r>
+              <a:rPr lang="en-US" sz="400" dirty="0"/>
+              <a:t>, </a:t>
+            </a:r>
+            <a:r>
+              <a:rPr lang="en-US" sz="400" dirty="0" err="1"/>
+              <a:t>colChoice</a:t>
+            </a:r>
+            <a:r>
+              <a:rPr lang="en-US" sz="400" dirty="0"/>
+              <a:t>			.IF	board[</a:t>
+            </a:r>
+            <a:r>
+              <a:rPr lang="en-US" sz="400" dirty="0" err="1"/>
+              <a:t>eax</a:t>
+            </a:r>
+            <a:r>
+              <a:rPr lang="en-US" sz="400" dirty="0"/>
+              <a:t>] == " "	;check to see if spot is not filled				</a:t>
+            </a:r>
+            <a:r>
+              <a:rPr lang="en-US" sz="400" dirty="0" err="1"/>
+              <a:t>jmp</a:t>
+            </a:r>
+            <a:r>
+              <a:rPr lang="en-US" sz="400" dirty="0"/>
+              <a:t> place			;</a:t>
+            </a:r>
+            <a:r>
+              <a:rPr lang="en-US" sz="400" dirty="0" err="1"/>
+              <a:t>jmp</a:t>
+            </a:r>
+            <a:r>
+              <a:rPr lang="en-US" sz="400" dirty="0"/>
+              <a:t> to function to place the tile			.ENDIF			</a:t>
+            </a:r>
+            <a:r>
+              <a:rPr lang="en-US" sz="400" dirty="0" err="1"/>
+              <a:t>dec</a:t>
+            </a:r>
+            <a:r>
+              <a:rPr lang="en-US" sz="400" dirty="0"/>
+              <a:t> row		.ENDW				</a:t>
+            </a:r>
+            <a:r>
+              <a:rPr lang="en-US" sz="400" dirty="0" err="1"/>
+              <a:t>mov</a:t>
+            </a:r>
+            <a:r>
+              <a:rPr lang="en-US" sz="400" dirty="0"/>
+              <a:t> </a:t>
+            </a:r>
+            <a:r>
+              <a:rPr lang="en-US" sz="400" dirty="0" err="1"/>
+              <a:t>curCol</a:t>
+            </a:r>
+            <a:r>
+              <a:rPr lang="en-US" sz="400" dirty="0"/>
+              <a:t>, -1  			;set -1 if not a valid option(column is full)		ret						place:				;LOOK AT C++ CODE AND MODEL FUNCTION AFTER THAT			</a:t>
+            </a:r>
+            <a:r>
+              <a:rPr lang="en-US" sz="400" dirty="0" err="1"/>
+              <a:t>movzx</a:t>
+            </a:r>
+            <a:r>
+              <a:rPr lang="en-US" sz="400" dirty="0"/>
+              <a:t> </a:t>
+            </a:r>
+            <a:r>
+              <a:rPr lang="en-US" sz="400" dirty="0" err="1"/>
+              <a:t>eax</a:t>
+            </a:r>
+            <a:r>
+              <a:rPr lang="en-US" sz="400" dirty="0"/>
+              <a:t>, row			</a:t>
+            </a:r>
+            <a:r>
+              <a:rPr lang="en-US" sz="400" dirty="0" err="1"/>
+              <a:t>mul</a:t>
+            </a:r>
+            <a:r>
+              <a:rPr lang="en-US" sz="400" dirty="0"/>
+              <a:t> seven			add </a:t>
+            </a:r>
+            <a:r>
+              <a:rPr lang="en-US" sz="400" dirty="0" err="1"/>
+              <a:t>eax</a:t>
+            </a:r>
+            <a:r>
+              <a:rPr lang="en-US" sz="400" dirty="0"/>
+              <a:t>, </a:t>
+            </a:r>
+            <a:r>
+              <a:rPr lang="en-US" sz="400" dirty="0" err="1"/>
+              <a:t>colChoice</a:t>
+            </a:r>
+            <a:r>
+              <a:rPr lang="en-US" sz="400" dirty="0"/>
+              <a:t>			</a:t>
+            </a:r>
+            <a:r>
+              <a:rPr lang="en-US" sz="400" dirty="0" err="1"/>
+              <a:t>mov</a:t>
+            </a:r>
+            <a:r>
+              <a:rPr lang="en-US" sz="400" dirty="0"/>
+              <a:t> </a:t>
+            </a:r>
+            <a:r>
+              <a:rPr lang="en-US" sz="400" dirty="0" err="1"/>
+              <a:t>ebx</a:t>
+            </a:r>
+            <a:r>
+              <a:rPr lang="en-US" sz="400" dirty="0"/>
+              <a:t>, player			</a:t>
+            </a:r>
+            <a:r>
+              <a:rPr lang="en-US" sz="400" dirty="0" err="1"/>
+              <a:t>mov</a:t>
+            </a:r>
+            <a:r>
+              <a:rPr lang="en-US" sz="400" dirty="0"/>
+              <a:t> board[</a:t>
+            </a:r>
+            <a:r>
+              <a:rPr lang="en-US" sz="400" dirty="0" err="1"/>
+              <a:t>eax</a:t>
+            </a:r>
+            <a:r>
+              <a:rPr lang="en-US" sz="400" dirty="0"/>
+              <a:t>], </a:t>
+            </a:r>
+            <a:r>
+              <a:rPr lang="en-US" sz="400" dirty="0" err="1"/>
+              <a:t>ebx</a:t>
+            </a:r>
+            <a:r>
+              <a:rPr lang="en-US" sz="400" dirty="0"/>
+              <a:t>		;drop player tile into column 			</a:t>
+            </a:r>
+            <a:r>
+              <a:rPr lang="en-US" sz="400" dirty="0" err="1"/>
+              <a:t>mov</a:t>
+            </a:r>
+            <a:r>
+              <a:rPr lang="en-US" sz="400" dirty="0"/>
+              <a:t> </a:t>
+            </a:r>
+            <a:r>
+              <a:rPr lang="en-US" sz="400" dirty="0" err="1"/>
+              <a:t>curCol</a:t>
+            </a:r>
+            <a:r>
+              <a:rPr lang="en-US" sz="400" dirty="0"/>
+              <a:t>, 1			;			ret			</a:t>
+            </a:r>
+            <a:r>
+              <a:rPr lang="en-US" sz="400" dirty="0" err="1"/>
+              <a:t>placeTile</a:t>
+            </a:r>
+            <a:r>
+              <a:rPr lang="en-US" sz="400" dirty="0"/>
+              <a:t> </a:t>
+            </a:r>
+            <a:r>
+              <a:rPr lang="en-US" sz="400" dirty="0" err="1"/>
+              <a:t>endp</a:t>
+            </a:r>
+            <a:r>
+              <a:rPr lang="en-US" sz="400" dirty="0"/>
+              <a:t>;---------------------------------FUNCTION TO CHECK FOR A WINNER-----------------------------------check PROC USES EAX EBX </a:t>
+            </a:r>
+            <a:r>
+              <a:rPr lang="en-US" sz="400" dirty="0" err="1"/>
+              <a:t>EDX;set</a:t>
+            </a:r>
+            <a:r>
+              <a:rPr lang="en-US" sz="400" dirty="0"/>
+              <a:t> win as the "return value" of check() and whatever ends up returning will return the value in win	</a:t>
+            </a:r>
+            <a:r>
+              <a:rPr lang="en-US" sz="400" dirty="0" err="1"/>
+              <a:t>mov</a:t>
+            </a:r>
+            <a:r>
+              <a:rPr lang="en-US" sz="400" dirty="0"/>
+              <a:t> al, BYTE PTR </a:t>
+            </a:r>
+            <a:r>
+              <a:rPr lang="en-US" sz="400" dirty="0" err="1"/>
+              <a:t>colChoice</a:t>
+            </a:r>
+            <a:r>
+              <a:rPr lang="en-US" sz="400" dirty="0"/>
+              <a:t>	</a:t>
+            </a:r>
+            <a:r>
+              <a:rPr lang="en-US" sz="400" dirty="0" err="1"/>
+              <a:t>mov</a:t>
+            </a:r>
+            <a:r>
+              <a:rPr lang="en-US" sz="400" dirty="0"/>
+              <a:t> </a:t>
+            </a:r>
+            <a:r>
+              <a:rPr lang="en-US" sz="400" dirty="0" err="1"/>
+              <a:t>col,al</a:t>
+            </a:r>
+            <a:r>
+              <a:rPr lang="en-US" sz="400" dirty="0"/>
+              <a:t>	</a:t>
+            </a:r>
+            <a:r>
+              <a:rPr lang="en-US" sz="400" dirty="0" err="1"/>
+              <a:t>mov</a:t>
+            </a:r>
+            <a:r>
+              <a:rPr lang="en-US" sz="400" dirty="0"/>
+              <a:t> al, BYTE PTR </a:t>
+            </a:r>
+            <a:r>
+              <a:rPr lang="en-US" sz="400" dirty="0" err="1"/>
+              <a:t>curCol</a:t>
+            </a:r>
+            <a:r>
+              <a:rPr lang="en-US" sz="400" dirty="0"/>
+              <a:t>	</a:t>
+            </a:r>
+            <a:r>
+              <a:rPr lang="en-US" sz="400" dirty="0" err="1"/>
+              <a:t>mov</a:t>
+            </a:r>
+            <a:r>
+              <a:rPr lang="en-US" sz="400" dirty="0"/>
+              <a:t> </a:t>
+            </a:r>
+            <a:r>
+              <a:rPr lang="en-US" sz="400" dirty="0" err="1"/>
+              <a:t>row,al</a:t>
+            </a:r>
+            <a:r>
+              <a:rPr lang="en-US" sz="400" dirty="0"/>
+              <a:t>	;check horizontal	;go </a:t>
+            </a:r>
+            <a:r>
+              <a:rPr lang="en-US" sz="400" dirty="0" err="1"/>
+              <a:t>lef</a:t>
+            </a:r>
+            <a:r>
+              <a:rPr lang="en-US" sz="400" dirty="0"/>
+              <a:t>	.WHILE col &gt; 0		</a:t>
+            </a:r>
+            <a:r>
+              <a:rPr lang="en-US" sz="400" dirty="0" err="1"/>
+              <a:t>mov</a:t>
+            </a:r>
+            <a:r>
+              <a:rPr lang="en-US" sz="400" dirty="0"/>
+              <a:t> </a:t>
+            </a:r>
+            <a:r>
+              <a:rPr lang="en-US" sz="400" dirty="0" err="1"/>
+              <a:t>eax,curCol</a:t>
+            </a:r>
+            <a:r>
+              <a:rPr lang="en-US" sz="400" dirty="0"/>
+              <a:t>		</a:t>
+            </a:r>
+            <a:r>
+              <a:rPr lang="en-US" sz="400" dirty="0" err="1"/>
+              <a:t>mul</a:t>
+            </a:r>
+            <a:r>
+              <a:rPr lang="en-US" sz="400" dirty="0"/>
+              <a:t> seven		add </a:t>
+            </a:r>
+            <a:r>
+              <a:rPr lang="en-US" sz="400" dirty="0" err="1"/>
+              <a:t>eax,colChoice</a:t>
+            </a:r>
+            <a:r>
+              <a:rPr lang="en-US" sz="400" dirty="0"/>
+              <a:t>		</a:t>
+            </a:r>
+            <a:r>
+              <a:rPr lang="en-US" sz="400" dirty="0" err="1"/>
+              <a:t>mov</a:t>
+            </a:r>
+            <a:r>
+              <a:rPr lang="en-US" sz="400" dirty="0"/>
+              <a:t> </a:t>
+            </a:r>
+            <a:r>
+              <a:rPr lang="en-US" sz="400" dirty="0" err="1"/>
+              <a:t>ebx,eax</a:t>
+            </a:r>
+            <a:r>
+              <a:rPr lang="en-US" sz="400" dirty="0"/>
+              <a:t>		</a:t>
+            </a:r>
+            <a:r>
+              <a:rPr lang="en-US" sz="400" dirty="0" err="1"/>
+              <a:t>movzx</a:t>
+            </a:r>
+            <a:r>
+              <a:rPr lang="en-US" sz="400" dirty="0"/>
+              <a:t> </a:t>
+            </a:r>
+            <a:r>
+              <a:rPr lang="en-US" sz="400" dirty="0" err="1"/>
+              <a:t>eax,row</a:t>
+            </a:r>
+            <a:r>
+              <a:rPr lang="en-US" sz="400" dirty="0"/>
+              <a:t>		</a:t>
+            </a:r>
+            <a:r>
+              <a:rPr lang="en-US" sz="400" dirty="0" err="1"/>
+              <a:t>mul</a:t>
+            </a:r>
+            <a:r>
+              <a:rPr lang="en-US" sz="400" dirty="0"/>
+              <a:t> seven		add al,(col - 1)		</a:t>
+            </a:r>
+            <a:r>
+              <a:rPr lang="en-US" sz="400" dirty="0" err="1"/>
+              <a:t>mov</a:t>
+            </a:r>
+            <a:r>
+              <a:rPr lang="en-US" sz="400" dirty="0"/>
+              <a:t> </a:t>
+            </a:r>
+            <a:r>
+              <a:rPr lang="en-US" sz="400" dirty="0" err="1"/>
+              <a:t>edx,board</a:t>
+            </a:r>
+            <a:r>
+              <a:rPr lang="en-US" sz="400" dirty="0"/>
+              <a:t>[</a:t>
+            </a:r>
+            <a:r>
+              <a:rPr lang="en-US" sz="400" dirty="0" err="1"/>
+              <a:t>eax</a:t>
+            </a:r>
+            <a:r>
+              <a:rPr lang="en-US" sz="400" dirty="0"/>
+              <a:t>]		.IF board[</a:t>
+            </a:r>
+            <a:r>
+              <a:rPr lang="en-US" sz="400" dirty="0" err="1"/>
+              <a:t>ebx</a:t>
+            </a:r>
+            <a:r>
+              <a:rPr lang="en-US" sz="400" dirty="0"/>
+              <a:t>] == </a:t>
+            </a:r>
+            <a:r>
+              <a:rPr lang="en-US" sz="400" dirty="0" err="1"/>
+              <a:t>edx</a:t>
+            </a:r>
+            <a:r>
+              <a:rPr lang="en-US" sz="400" dirty="0"/>
+              <a:t>			</a:t>
+            </a:r>
+            <a:r>
+              <a:rPr lang="en-US" sz="400" dirty="0" err="1"/>
+              <a:t>inc</a:t>
+            </a:r>
+            <a:r>
+              <a:rPr lang="en-US" sz="400" dirty="0"/>
+              <a:t> </a:t>
+            </a:r>
+            <a:r>
+              <a:rPr lang="en-US" sz="400" dirty="0" err="1"/>
+              <a:t>inarow</a:t>
+            </a:r>
+            <a:r>
+              <a:rPr lang="en-US" sz="400" dirty="0"/>
+              <a:t>			.IF </a:t>
+            </a:r>
+            <a:r>
+              <a:rPr lang="en-US" sz="400" dirty="0" err="1"/>
+              <a:t>inarow</a:t>
+            </a:r>
+            <a:r>
+              <a:rPr lang="en-US" sz="400" dirty="0"/>
+              <a:t> == 4			</a:t>
+            </a:r>
+            <a:r>
+              <a:rPr lang="en-US" sz="400" dirty="0" err="1"/>
+              <a:t>mov</a:t>
+            </a:r>
+            <a:r>
+              <a:rPr lang="en-US" sz="400" dirty="0"/>
+              <a:t> win,49				ret			.ENDIF		.ELSE			</a:t>
+            </a:r>
+            <a:r>
+              <a:rPr lang="en-US" sz="400" dirty="0" err="1"/>
+              <a:t>jmp</a:t>
+            </a:r>
+            <a:r>
+              <a:rPr lang="en-US" sz="400" dirty="0"/>
+              <a:t> next1		.ENDIF		</a:t>
+            </a:r>
+            <a:r>
+              <a:rPr lang="en-US" sz="400" dirty="0" err="1"/>
+              <a:t>dec</a:t>
+            </a:r>
+            <a:r>
+              <a:rPr lang="en-US" sz="400" dirty="0"/>
+              <a:t> col</a:t>
+            </a:r>
+          </a:p>
+          <a:p>
+            <a:pPr marL="0" indent="0">
+              <a:buNone/>
+            </a:pPr>
+            <a:r>
+              <a:rPr lang="en-US" sz="400" dirty="0"/>
+              <a:t>.ENDW	next1:	</a:t>
+            </a:r>
+            <a:r>
+              <a:rPr lang="en-US" sz="400" dirty="0" err="1"/>
+              <a:t>mov</a:t>
+            </a:r>
+            <a:r>
+              <a:rPr lang="en-US" sz="400" dirty="0"/>
+              <a:t> al, BYTE PTR </a:t>
+            </a:r>
+            <a:r>
+              <a:rPr lang="en-US" sz="400" dirty="0" err="1"/>
+              <a:t>colChoice</a:t>
+            </a:r>
+            <a:r>
+              <a:rPr lang="en-US" sz="400" dirty="0"/>
+              <a:t>	</a:t>
+            </a:r>
+            <a:r>
+              <a:rPr lang="en-US" sz="400" dirty="0" err="1"/>
+              <a:t>mov</a:t>
+            </a:r>
+            <a:r>
+              <a:rPr lang="en-US" sz="400" dirty="0"/>
+              <a:t> </a:t>
+            </a:r>
+            <a:r>
+              <a:rPr lang="en-US" sz="400" dirty="0" err="1"/>
+              <a:t>col,al</a:t>
+            </a:r>
+            <a:r>
+              <a:rPr lang="en-US" sz="400" dirty="0"/>
+              <a:t>	;go right	.WHILE col &lt; 6		</a:t>
+            </a:r>
+            <a:r>
+              <a:rPr lang="en-US" sz="400" dirty="0" err="1"/>
+              <a:t>mov</a:t>
+            </a:r>
+            <a:r>
+              <a:rPr lang="en-US" sz="400" dirty="0"/>
+              <a:t> </a:t>
+            </a:r>
+            <a:r>
+              <a:rPr lang="en-US" sz="400" dirty="0" err="1"/>
+              <a:t>eax,curCol</a:t>
+            </a:r>
+            <a:r>
+              <a:rPr lang="en-US" sz="400" dirty="0"/>
+              <a:t>		</a:t>
+            </a:r>
+            <a:r>
+              <a:rPr lang="en-US" sz="400" dirty="0" err="1"/>
+              <a:t>mul</a:t>
+            </a:r>
+            <a:r>
+              <a:rPr lang="en-US" sz="400" dirty="0"/>
+              <a:t> seven		add </a:t>
+            </a:r>
+            <a:r>
+              <a:rPr lang="en-US" sz="400" dirty="0" err="1"/>
+              <a:t>eax,colChoice</a:t>
+            </a:r>
+            <a:r>
+              <a:rPr lang="en-US" sz="400" dirty="0"/>
+              <a:t>		</a:t>
+            </a:r>
+            <a:r>
+              <a:rPr lang="en-US" sz="400" dirty="0" err="1"/>
+              <a:t>mov</a:t>
+            </a:r>
+            <a:r>
+              <a:rPr lang="en-US" sz="400" dirty="0"/>
+              <a:t> </a:t>
+            </a:r>
+            <a:r>
+              <a:rPr lang="en-US" sz="400" dirty="0" err="1"/>
+              <a:t>ebx,eax</a:t>
+            </a:r>
+            <a:r>
+              <a:rPr lang="en-US" sz="400" dirty="0"/>
+              <a:t>		</a:t>
+            </a:r>
+            <a:r>
+              <a:rPr lang="en-US" sz="400" dirty="0" err="1"/>
+              <a:t>movzx</a:t>
+            </a:r>
+            <a:r>
+              <a:rPr lang="en-US" sz="400" dirty="0"/>
+              <a:t> </a:t>
+            </a:r>
+            <a:r>
+              <a:rPr lang="en-US" sz="400" dirty="0" err="1"/>
+              <a:t>eax,row</a:t>
+            </a:r>
+            <a:r>
+              <a:rPr lang="en-US" sz="400" dirty="0"/>
+              <a:t>		</a:t>
+            </a:r>
+            <a:r>
+              <a:rPr lang="en-US" sz="400" dirty="0" err="1"/>
+              <a:t>mul</a:t>
+            </a:r>
+            <a:r>
+              <a:rPr lang="en-US" sz="400" dirty="0"/>
+              <a:t> seven		add al,col+1		</a:t>
+            </a:r>
+            <a:r>
+              <a:rPr lang="en-US" sz="400" dirty="0" err="1"/>
+              <a:t>mov</a:t>
+            </a:r>
+            <a:r>
+              <a:rPr lang="en-US" sz="400" dirty="0"/>
+              <a:t> </a:t>
+            </a:r>
+            <a:r>
+              <a:rPr lang="en-US" sz="400" dirty="0" err="1"/>
+              <a:t>edx,board</a:t>
+            </a:r>
+            <a:r>
+              <a:rPr lang="en-US" sz="400" dirty="0"/>
+              <a:t>[</a:t>
+            </a:r>
+            <a:r>
+              <a:rPr lang="en-US" sz="400" dirty="0" err="1"/>
+              <a:t>eax</a:t>
+            </a:r>
+            <a:r>
+              <a:rPr lang="en-US" sz="400" dirty="0"/>
+              <a:t>]		.IF board[</a:t>
+            </a:r>
+            <a:r>
+              <a:rPr lang="en-US" sz="400" dirty="0" err="1"/>
+              <a:t>ebx</a:t>
+            </a:r>
+            <a:r>
+              <a:rPr lang="en-US" sz="400" dirty="0"/>
+              <a:t>] == </a:t>
+            </a:r>
+            <a:r>
+              <a:rPr lang="en-US" sz="400" dirty="0" err="1"/>
+              <a:t>edx</a:t>
+            </a:r>
+            <a:r>
+              <a:rPr lang="en-US" sz="400" dirty="0"/>
+              <a:t>			</a:t>
+            </a:r>
+            <a:r>
+              <a:rPr lang="en-US" sz="400" dirty="0" err="1"/>
+              <a:t>inc</a:t>
+            </a:r>
+            <a:r>
+              <a:rPr lang="en-US" sz="400" dirty="0"/>
+              <a:t> </a:t>
+            </a:r>
+            <a:r>
+              <a:rPr lang="en-US" sz="400" dirty="0" err="1"/>
+              <a:t>inarow</a:t>
+            </a:r>
+            <a:r>
+              <a:rPr lang="en-US" sz="400" dirty="0"/>
+              <a:t>			.IF </a:t>
+            </a:r>
+            <a:r>
+              <a:rPr lang="en-US" sz="400" dirty="0" err="1"/>
+              <a:t>inarow</a:t>
+            </a:r>
+            <a:r>
+              <a:rPr lang="en-US" sz="400" dirty="0"/>
+              <a:t> == 4				</a:t>
+            </a:r>
+            <a:r>
+              <a:rPr lang="en-US" sz="400" dirty="0" err="1"/>
+              <a:t>mov</a:t>
+            </a:r>
+            <a:r>
+              <a:rPr lang="en-US" sz="400" dirty="0"/>
+              <a:t> win,49				ret			.ENDIF		.ELSE			</a:t>
+            </a:r>
+            <a:r>
+              <a:rPr lang="en-US" sz="400" dirty="0" err="1"/>
+              <a:t>jmp</a:t>
+            </a:r>
+            <a:r>
+              <a:rPr lang="en-US" sz="400" dirty="0"/>
+              <a:t> next2		.ENDIF		</a:t>
+            </a:r>
+            <a:r>
+              <a:rPr lang="en-US" sz="400" dirty="0" err="1"/>
+              <a:t>inc</a:t>
+            </a:r>
+            <a:r>
+              <a:rPr lang="en-US" sz="400" dirty="0"/>
+              <a:t> col	.ENDW	next2:	</a:t>
+            </a:r>
+            <a:r>
+              <a:rPr lang="en-US" sz="400" dirty="0" err="1"/>
+              <a:t>mov</a:t>
+            </a:r>
+            <a:r>
+              <a:rPr lang="en-US" sz="400" dirty="0"/>
+              <a:t> inarow,1	</a:t>
+            </a:r>
+            <a:r>
+              <a:rPr lang="en-US" sz="400" dirty="0" err="1"/>
+              <a:t>mov</a:t>
+            </a:r>
+            <a:r>
+              <a:rPr lang="en-US" sz="400" dirty="0"/>
+              <a:t> al, BYTE PTR </a:t>
+            </a:r>
+            <a:r>
+              <a:rPr lang="en-US" sz="400" dirty="0" err="1"/>
+              <a:t>colChoice</a:t>
+            </a:r>
+            <a:r>
+              <a:rPr lang="en-US" sz="400" dirty="0"/>
+              <a:t>	</a:t>
+            </a:r>
+            <a:r>
+              <a:rPr lang="en-US" sz="400" dirty="0" err="1"/>
+              <a:t>mov</a:t>
+            </a:r>
+            <a:r>
+              <a:rPr lang="en-US" sz="400" dirty="0"/>
+              <a:t> </a:t>
+            </a:r>
+            <a:r>
+              <a:rPr lang="en-US" sz="400" dirty="0" err="1"/>
+              <a:t>col,al</a:t>
+            </a:r>
+            <a:r>
+              <a:rPr lang="en-US" sz="400" dirty="0"/>
+              <a:t>	;check vertical	;go up	.WHILE row &gt; 0		</a:t>
+            </a:r>
+            <a:r>
+              <a:rPr lang="en-US" sz="400" dirty="0" err="1"/>
+              <a:t>mov</a:t>
+            </a:r>
+            <a:r>
+              <a:rPr lang="en-US" sz="400" dirty="0"/>
+              <a:t> </a:t>
+            </a:r>
+            <a:r>
+              <a:rPr lang="en-US" sz="400" dirty="0" err="1"/>
+              <a:t>eax,curCol</a:t>
+            </a:r>
+            <a:r>
+              <a:rPr lang="en-US" sz="400" dirty="0"/>
+              <a:t>		</a:t>
+            </a:r>
+            <a:r>
+              <a:rPr lang="en-US" sz="400" dirty="0" err="1"/>
+              <a:t>mul</a:t>
+            </a:r>
+            <a:r>
+              <a:rPr lang="en-US" sz="400" dirty="0"/>
+              <a:t> seven		add </a:t>
+            </a:r>
+            <a:r>
+              <a:rPr lang="en-US" sz="400" dirty="0" err="1"/>
+              <a:t>eax,colChoice</a:t>
+            </a:r>
+            <a:r>
+              <a:rPr lang="en-US" sz="400" dirty="0"/>
+              <a:t>		</a:t>
+            </a:r>
+            <a:r>
+              <a:rPr lang="en-US" sz="400" dirty="0" err="1"/>
+              <a:t>mov</a:t>
+            </a:r>
+            <a:r>
+              <a:rPr lang="en-US" sz="400" dirty="0"/>
+              <a:t> </a:t>
+            </a:r>
+            <a:r>
+              <a:rPr lang="en-US" sz="400" dirty="0" err="1"/>
+              <a:t>ebx,eax</a:t>
+            </a:r>
+            <a:r>
+              <a:rPr lang="en-US" sz="400" dirty="0"/>
+              <a:t>		</a:t>
+            </a:r>
+            <a:r>
+              <a:rPr lang="en-US" sz="400" dirty="0" err="1"/>
+              <a:t>movzx</a:t>
+            </a:r>
+            <a:r>
+              <a:rPr lang="en-US" sz="400" dirty="0"/>
+              <a:t> </a:t>
+            </a:r>
+            <a:r>
+              <a:rPr lang="en-US" sz="400" dirty="0" err="1"/>
+              <a:t>eax</a:t>
+            </a:r>
+            <a:r>
+              <a:rPr lang="en-US" sz="400" dirty="0"/>
+              <a:t>,(row - 1)		</a:t>
+            </a:r>
+            <a:r>
+              <a:rPr lang="en-US" sz="400" dirty="0" err="1"/>
+              <a:t>mul</a:t>
+            </a:r>
+            <a:r>
+              <a:rPr lang="en-US" sz="400" dirty="0"/>
+              <a:t> seven		add </a:t>
+            </a:r>
+            <a:r>
+              <a:rPr lang="en-US" sz="400" dirty="0" err="1"/>
+              <a:t>al,col</a:t>
+            </a:r>
+            <a:r>
+              <a:rPr lang="en-US" sz="400" dirty="0"/>
+              <a:t>		</a:t>
+            </a:r>
+            <a:r>
+              <a:rPr lang="en-US" sz="400" dirty="0" err="1"/>
+              <a:t>mov</a:t>
+            </a:r>
+            <a:r>
+              <a:rPr lang="en-US" sz="400" dirty="0"/>
+              <a:t> </a:t>
+            </a:r>
+            <a:r>
+              <a:rPr lang="en-US" sz="400" dirty="0" err="1"/>
+              <a:t>edx,board</a:t>
+            </a:r>
+            <a:r>
+              <a:rPr lang="en-US" sz="400" dirty="0"/>
+              <a:t>[</a:t>
+            </a:r>
+            <a:r>
+              <a:rPr lang="en-US" sz="400" dirty="0" err="1"/>
+              <a:t>eax</a:t>
+            </a:r>
+            <a:r>
+              <a:rPr lang="en-US" sz="400" dirty="0"/>
+              <a:t>]		.IF board[</a:t>
+            </a:r>
+            <a:r>
+              <a:rPr lang="en-US" sz="400" dirty="0" err="1"/>
+              <a:t>ebx</a:t>
+            </a:r>
+            <a:r>
+              <a:rPr lang="en-US" sz="400" dirty="0"/>
+              <a:t>] == </a:t>
+            </a:r>
+            <a:r>
+              <a:rPr lang="en-US" sz="400" dirty="0" err="1"/>
+              <a:t>edx</a:t>
+            </a:r>
+            <a:r>
+              <a:rPr lang="en-US" sz="400" dirty="0"/>
+              <a:t>			</a:t>
+            </a:r>
+            <a:r>
+              <a:rPr lang="en-US" sz="400" dirty="0" err="1"/>
+              <a:t>inc</a:t>
+            </a:r>
+            <a:r>
+              <a:rPr lang="en-US" sz="400" dirty="0"/>
+              <a:t> </a:t>
+            </a:r>
+            <a:r>
+              <a:rPr lang="en-US" sz="400" dirty="0" err="1"/>
+              <a:t>inarow</a:t>
+            </a:r>
+            <a:r>
+              <a:rPr lang="en-US" sz="400" dirty="0"/>
+              <a:t>			.IF </a:t>
+            </a:r>
+            <a:r>
+              <a:rPr lang="en-US" sz="400" dirty="0" err="1"/>
+              <a:t>inarow</a:t>
+            </a:r>
+            <a:r>
+              <a:rPr lang="en-US" sz="400" dirty="0"/>
+              <a:t> ==4				</a:t>
+            </a:r>
+            <a:r>
+              <a:rPr lang="en-US" sz="400" dirty="0" err="1"/>
+              <a:t>mov</a:t>
+            </a:r>
+            <a:r>
+              <a:rPr lang="en-US" sz="400" dirty="0"/>
+              <a:t> win,49				ret			.ENDIF		.ELSE			</a:t>
+            </a:r>
+            <a:r>
+              <a:rPr lang="en-US" sz="400" dirty="0" err="1"/>
+              <a:t>jmp</a:t>
+            </a:r>
+            <a:r>
+              <a:rPr lang="en-US" sz="400" dirty="0"/>
+              <a:t> next		.ENDIF		</a:t>
+            </a:r>
+            <a:r>
+              <a:rPr lang="en-US" sz="400" dirty="0" err="1"/>
+              <a:t>dec</a:t>
+            </a:r>
+            <a:r>
+              <a:rPr lang="en-US" sz="400" dirty="0"/>
+              <a:t> row</a:t>
+            </a:r>
+          </a:p>
+          <a:p>
+            <a:pPr marL="0" indent="0">
+              <a:buNone/>
+            </a:pPr>
+            <a:r>
+              <a:rPr lang="en-US" sz="400" dirty="0"/>
+              <a:t>	</a:t>
+            </a:r>
+            <a:r>
+              <a:rPr lang="en-US" sz="400" dirty="0" err="1"/>
+              <a:t>mul</a:t>
+            </a:r>
+            <a:r>
+              <a:rPr lang="en-US" sz="400" dirty="0"/>
+              <a:t> seven		add </a:t>
+            </a:r>
+            <a:r>
+              <a:rPr lang="en-US" sz="400" dirty="0" err="1"/>
+              <a:t>eax,colChoice</a:t>
+            </a:r>
+            <a:r>
+              <a:rPr lang="en-US" sz="400" dirty="0"/>
+              <a:t>		</a:t>
+            </a:r>
+            <a:r>
+              <a:rPr lang="en-US" sz="400" dirty="0" err="1"/>
+              <a:t>mov</a:t>
+            </a:r>
+            <a:r>
+              <a:rPr lang="en-US" sz="400" dirty="0"/>
+              <a:t> </a:t>
+            </a:r>
+            <a:r>
+              <a:rPr lang="en-US" sz="400" dirty="0" err="1"/>
+              <a:t>ebx,eax</a:t>
+            </a:r>
+            <a:r>
+              <a:rPr lang="en-US" sz="400" dirty="0"/>
+              <a:t>		</a:t>
+            </a:r>
+            <a:r>
+              <a:rPr lang="en-US" sz="400" dirty="0" err="1"/>
+              <a:t>movzx</a:t>
+            </a:r>
+            <a:r>
+              <a:rPr lang="en-US" sz="400" dirty="0"/>
+              <a:t> </a:t>
+            </a:r>
+            <a:r>
+              <a:rPr lang="en-US" sz="400" dirty="0" err="1"/>
+              <a:t>eax</a:t>
+            </a:r>
+            <a:r>
+              <a:rPr lang="en-US" sz="400" dirty="0"/>
+              <a:t>,(row+1)		</a:t>
+            </a:r>
+            <a:r>
+              <a:rPr lang="en-US" sz="400" dirty="0" err="1"/>
+              <a:t>mul</a:t>
+            </a:r>
+            <a:r>
+              <a:rPr lang="en-US" sz="400" dirty="0"/>
+              <a:t> seven		add </a:t>
+            </a:r>
+            <a:r>
+              <a:rPr lang="en-US" sz="400" dirty="0" err="1"/>
+              <a:t>al,col</a:t>
+            </a:r>
+            <a:r>
+              <a:rPr lang="en-US" sz="400" dirty="0"/>
+              <a:t>		</a:t>
+            </a:r>
+            <a:r>
+              <a:rPr lang="en-US" sz="400" dirty="0" err="1"/>
+              <a:t>mov</a:t>
+            </a:r>
+            <a:r>
+              <a:rPr lang="en-US" sz="400" dirty="0"/>
+              <a:t> </a:t>
+            </a:r>
+            <a:r>
+              <a:rPr lang="en-US" sz="400" dirty="0" err="1"/>
+              <a:t>edx,board</a:t>
+            </a:r>
+            <a:r>
+              <a:rPr lang="en-US" sz="400" dirty="0"/>
+              <a:t>[</a:t>
+            </a:r>
+            <a:r>
+              <a:rPr lang="en-US" sz="400" dirty="0" err="1"/>
+              <a:t>eax</a:t>
+            </a:r>
+            <a:r>
+              <a:rPr lang="en-US" sz="400" dirty="0"/>
+              <a:t>]</a:t>
+            </a:r>
+          </a:p>
+          <a:p>
+            <a:pPr marL="0" indent="0">
+              <a:buNone/>
+            </a:pPr>
+            <a:r>
+              <a:rPr lang="en-US" sz="400" dirty="0"/>
+              <a:t>		.IF board[</a:t>
+            </a:r>
+            <a:r>
+              <a:rPr lang="en-US" sz="400" dirty="0" err="1"/>
+              <a:t>ebx</a:t>
+            </a:r>
+            <a:r>
+              <a:rPr lang="en-US" sz="400" dirty="0"/>
+              <a:t>] == </a:t>
+            </a:r>
+            <a:r>
+              <a:rPr lang="en-US" sz="400" dirty="0" err="1"/>
+              <a:t>edx</a:t>
+            </a:r>
+            <a:r>
+              <a:rPr lang="en-US" sz="400" dirty="0"/>
+              <a:t>			</a:t>
+            </a:r>
+            <a:r>
+              <a:rPr lang="en-US" sz="400" dirty="0" err="1"/>
+              <a:t>inc</a:t>
+            </a:r>
+            <a:r>
+              <a:rPr lang="en-US" sz="400" dirty="0"/>
+              <a:t> </a:t>
+            </a:r>
+            <a:r>
+              <a:rPr lang="en-US" sz="400" dirty="0" err="1"/>
+              <a:t>inarow</a:t>
+            </a:r>
+            <a:r>
+              <a:rPr lang="en-US" sz="400" dirty="0"/>
+              <a:t>			.IF </a:t>
+            </a:r>
+            <a:r>
+              <a:rPr lang="en-US" sz="400" dirty="0" err="1"/>
+              <a:t>inarow</a:t>
+            </a:r>
+            <a:r>
+              <a:rPr lang="en-US" sz="400" dirty="0"/>
+              <a:t> ==4			</a:t>
+            </a:r>
+            <a:r>
+              <a:rPr lang="en-US" sz="400" dirty="0" err="1"/>
+              <a:t>mov</a:t>
+            </a:r>
+            <a:r>
+              <a:rPr lang="en-US" sz="400" dirty="0"/>
+              <a:t> win,49				ret			.ENDIF		.ELSE			</a:t>
+            </a:r>
+            <a:r>
+              <a:rPr lang="en-US" sz="400" dirty="0" err="1"/>
+              <a:t>jmp</a:t>
+            </a:r>
+            <a:r>
+              <a:rPr lang="en-US" sz="400" dirty="0"/>
+              <a:t> next4	.ENDIF		</a:t>
+            </a:r>
+            <a:r>
+              <a:rPr lang="en-US" sz="400" dirty="0" err="1"/>
+              <a:t>inc</a:t>
+            </a:r>
+            <a:r>
+              <a:rPr lang="en-US" sz="400" dirty="0"/>
+              <a:t> row</a:t>
+            </a:r>
+          </a:p>
+        </p:txBody>
+      </p:sp>
+    </p:spTree>
+    <p:extLst>
+      <p:ext uri="{BB962C8B-B14F-4D97-AF65-F5344CB8AC3E}">
+        <p14:creationId xmlns:p14="http://schemas.microsoft.com/office/powerpoint/2010/main" val="1947910991"/>
+      </p:ext>
+    </p:extLst>
+  </p:cSld>
+  <p:clrMapOvr>
+    <a:masterClrMapping/>
+  </p:clrMapOvr>
+</p:sld>
+</file>
+
+<file path=ppt/slides/slide6.xml><?xml version="1.0" encoding="utf-8"?>
+<p:sld xmlns:a="http://schemas.openxmlformats.org/drawingml/2006/main" xmlns:r="http://schemas.openxmlformats.org/officeDocument/2006/relationships" xmlns:p="http://schemas.openxmlformats.org/presentationml/2006/main">
+  <p:cSld>
+    <p:spTree>
+      <p:nvGrpSpPr>
+        <p:cNvPr id="1" name=""/>
+        <p:cNvGrpSpPr/>
+        <p:nvPr/>
+      </p:nvGrpSpPr>
+      <p:grpSpPr>
+        <a:xfrm>
+          <a:off x="0" y="0"/>
+          <a:ext cx="0" cy="0"/>
+          <a:chOff x="0" y="0"/>
+          <a:chExt cx="0" cy="0"/>
+        </a:xfrm>
+      </p:grpSpPr>
+      <p:sp>
+        <p:nvSpPr>
+          <p:cNvPr id="2" name="Title 1"/>
+          <p:cNvSpPr>
+            <a:spLocks noGrp="1"/>
+          </p:cNvSpPr>
+          <p:nvPr>
+            <p:ph type="title"/>
           </p:nvPr>
         </p:nvSpPr>
         <p:spPr/>
@@ -3305,8 +7957,48 @@
           <a:p>
             <a:r>
               <a:rPr lang="en-US" dirty="0"/>
-              <a:t>A description of the “lessons learned” in the process of doing the group project.</a:t>
-            </a:r>
+              <a:t>Lessons Learned</a:t>
+            </a:r>
+          </a:p>
+        </p:txBody>
+      </p:sp>
+      <p:sp>
+        <p:nvSpPr>
+          <p:cNvPr id="3" name="Content Placeholder 2"/>
+          <p:cNvSpPr>
+            <a:spLocks noGrp="1"/>
+          </p:cNvSpPr>
+          <p:nvPr>
+            <p:ph idx="1"/>
+          </p:nvPr>
+        </p:nvSpPr>
+        <p:spPr/>
+        <p:txBody>
+          <a:bodyPr/>
+          <a:lstStyle/>
+          <a:p>
+            <a:r>
+              <a:rPr lang="en-US" dirty="0"/>
+              <a:t>It can be helpful to write your program in a language you know well and then translate it once you find a way that works (if you have the time)</a:t>
+            </a:r>
+          </a:p>
+          <a:p>
+            <a:r>
+              <a:rPr lang="en-US" dirty="0"/>
+              <a:t>Communication is key to making a project work, which I think is why we were able to get it done on time</a:t>
+            </a:r>
+          </a:p>
+          <a:p>
+            <a:r>
+              <a:rPr lang="en-US" dirty="0"/>
+              <a:t>Test your code as you go, don’t just assume it will work when you compile </a:t>
+            </a:r>
+            <a:r>
+              <a:rPr lang="en-US"/>
+              <a:t>it later</a:t>
+            </a:r>
+          </a:p>
+          <a:p>
             <a:endParaRPr lang="en-US" dirty="0"/>
           </a:p>
         </p:txBody>
@@ -3617,4 +8309,299 @@
     </a:ext>
   </a:extLst>
 </a:theme>
+</file>
+
+<file path=ppt/theme/theme2.xml><?xml version="1.0" encoding="utf-8"?>
+<a:theme xmlns:a="http://schemas.openxmlformats.org/drawingml/2006/main" name="Office Theme">
+  <a:themeElements>
+    <a:clrScheme name="Office">
+      <a:dk1>
+        <a:sysClr val="windowText" lastClr="000000"/>
+      </a:dk1>
+      <a:lt1>
+        <a:sysClr val="window" lastClr="FFFFFF"/>
+      </a:lt1>
+      <a:dk2>
+        <a:srgbClr val="44546A"/>
+      </a:dk2>
+      <a:lt2>
+        <a:srgbClr val="E7E6E6"/>
+      </a:lt2>
+      <a:accent1>
+        <a:srgbClr val="5B9BD5"/>
+      </a:accent1>
+      <a:accent2>
+        <a:srgbClr val="ED7D31"/>
+      </a:accent2>
+      <a:accent3>
+        <a:srgbClr val="A5A5A5"/>
+      </a:accent3>
+      <a:accent4>
+        <a:srgbClr val="FFC000"/>
+      </a:accent4>
+      <a:accent5>
+        <a:srgbClr val="4472C4"/>
+      </a:accent5>
+      <a:accent6>
+        <a:srgbClr val="70AD47"/>
+      </a:accent6>
+      <a:hlink>
+        <a:srgbClr val="0563C1"/>
+      </a:hlink>
+      <a:folHlink>
+        <a:srgbClr val="954F72"/>
+      </a:folHlink>
+    </a:clrScheme>
+    <a:fontScheme name="Office">
+      <a:majorFont>
+        <a:latin typeface="Calibri Light" panose="020F0302020204030204"/>
+        <a:ea typeface=""/>
+        <a:cs typeface=""/>
+        <a:font script="Jpan" typeface="游ゴシック Light"/>
+        <a:font script="Hang" typeface="맑은 고딕"/>
+        <a:font script="Hans" typeface="等线 Light"/>
+        <a:font script="Hant" typeface="新細明體"/>
+        <a:font script="Arab" typeface="Times New Roman"/>
+        <a:font script="Hebr" typeface="Times New Roman"/>
+        <a:font script="Thai" typeface="Angsana New"/>
+        <a:font script="Ethi" typeface="Nyala"/>
+        <a:font script="Beng" typeface="Vrinda"/>
+        <a:font script="Gujr" typeface="Shruti"/>
+        <a:font script="Khmr" typeface="MoolBoran"/>
+        <a:font script="Knda" typeface="Tunga"/>
+        <a:font script="Guru" typeface="Raavi"/>
+        <a:font script="Cans" typeface="Euphemia"/>
+        <a:font script="Cher" typeface="Plantagenet Cherokee"/>
+        <a:font script="Yiii" typeface="Microsoft Yi Baiti"/>
+        <a:font script="Tibt" typeface="Microsoft Himalaya"/>
+        <a:font script="Thaa" typeface="MV Boli"/>
+        <a:font script="Deva" typeface="Mangal"/>
+        <a:font script="Telu" typeface="Gautami"/>
+        <a:font script="Taml" typeface="Latha"/>
+        <a:font script="Syrc" typeface="Estrangelo Edessa"/>
+        <a:font script="Orya" typeface="Kalinga"/>
+        <a:font script="Mlym" typeface="Kartika"/>
+        <a:font script="Laoo" typeface="DokChampa"/>
+        <a:font script="Sinh" typeface="Iskoola Pota"/>
+        <a:font script="Mong" typeface="Mongolian Baiti"/>
+        <a:font script="Viet" typeface="Times New Roman"/>
+        <a:font script="Uigh" typeface="Microsoft Uighur"/>
+        <a:font script="Geor" typeface="Sylfaen"/>
+        <a:font script="Armn" typeface="Arial"/>
+        <a:font script="Bugi" typeface="Leelawadee UI"/>
+        <a:font script="Bopo" typeface="Microsoft JhengHei"/>
+        <a:font script="Java" typeface="Javanese Text"/>
+        <a:font script="Lisu" typeface="Segoe UI"/>
+        <a:font script="Mymr" typeface="Myanmar Text"/>
+        <a:font script="Nkoo" typeface="Ebrima"/>
+        <a:font script="Olck" typeface="Nirmala UI"/>
+        <a:font script="Osma" typeface="Ebrima"/>
+        <a:font script="Phag" typeface="Phagspa"/>
+        <a:font script="Syrn" typeface="Estrangelo Edessa"/>
+        <a:font script="Syrj" typeface="Estrangelo Edessa"/>
+        <a:font script="Syre" typeface="Estrangelo Edessa"/>
+        <a:font script="Sora" typeface="Nirmala UI"/>
+        <a:font script="Tale" typeface="Microsoft Tai Le"/>
+        <a:font script="Talu" typeface="Microsoft New Tai Lue"/>
+        <a:font script="Tfng" typeface="Ebrima"/>
+      </a:majorFont>
+      <a:minorFont>
+        <a:latin typeface="Calibri" panose="020F0502020204030204"/>
+        <a:ea typeface=""/>
+        <a:cs typeface=""/>
+        <a:font script="Jpan" typeface="游ゴシック"/>
+        <a:font script="Hang" typeface="맑은 고딕"/>
+        <a:font script="Hans" typeface="等线"/>
+        <a:font script="Hant" typeface="新細明體"/>
+        <a:font script="Arab" typeface="Arial"/>
+        <a:font script="Hebr" typeface="Arial"/>
+        <a:font script="Thai" typeface="Cordia New"/>
+        <a:font script="Ethi" typeface="Nyala"/>
+        <a:font script="Beng" typeface="Vrinda"/>
+        <a:font script="Gujr" typeface="Shruti"/>
+        <a:font script="Khmr" typeface="DaunPenh"/>
+        <a:font script="Knda" typeface="Tunga"/>
+        <a:font script="Guru" typeface="Raavi"/>
+        <a:font script="Cans" typeface="Euphemia"/>
+        <a:font script="Cher" typeface="Plantagenet Cherokee"/>
+        <a:font script="Yiii" typeface="Microsoft Yi Baiti"/>
+        <a:font script="Tibt" typeface="Microsoft Himalaya"/>
+        <a:font script="Thaa" typeface="MV Boli"/>
+        <a:font script="Deva" typeface="Mangal"/>
+        <a:font script="Telu" typeface="Gautami"/>
+        <a:font script="Taml" typeface="Latha"/>
+        <a:font script="Syrc" typeface="Estrangelo Edessa"/>
+        <a:font script="Orya" typeface="Kalinga"/>
+        <a:font script="Mlym" typeface="Kartika"/>
+        <a:font script="Laoo" typeface="DokChampa"/>
+        <a:font script="Sinh" typeface="Iskoola Pota"/>
+        <a:font script="Mong" typeface="Mongolian Baiti"/>
+        <a:font script="Viet" typeface="Arial"/>
+        <a:font script="Uigh" typeface="Microsoft Uighur"/>
+        <a:font script="Geor" typeface="Sylfaen"/>
+        <a:font script="Armn" typeface="Arial"/>
+        <a:font script="Bugi" typeface="Leelawadee UI"/>
+        <a:font script="Bopo" typeface="Microsoft JhengHei"/>
+        <a:font script="Java" typeface="Javanese Text"/>
+        <a:font script="Lisu" typeface="Segoe UI"/>
+        <a:font script="Mymr" typeface="Myanmar Text"/>
+        <a:font script="Nkoo" typeface="Ebrima"/>
+        <a:font script="Olck" typeface="Nirmala UI"/>
+        <a:font script="Osma" typeface="Ebrima"/>
+        <a:font script="Phag" typeface="Phagspa"/>
+        <a:font script="Syrn" typeface="Estrangelo Edessa"/>
+        <a:font script="Syrj" typeface="Estrangelo Edessa"/>
+        <a:font script="Syre" typeface="Estrangelo Edessa"/>
+        <a:font script="Sora" typeface="Nirmala UI"/>
+        <a:font script="Tale" typeface="Microsoft Tai Le"/>
+        <a:font script="Talu" typeface="Microsoft New Tai Lue"/>
+        <a:font script="Tfng" typeface="Ebrima"/>
+      </a:minorFont>
+    </a:fontScheme>
+    <a:fmtScheme name="Office">
+      <a:fillStyleLst>
+        <a:solidFill>
+          <a:schemeClr val="phClr"/>
+        </a:solidFill>
+        <a:gradFill rotWithShape="1">
+          <a:gsLst>
+            <a:gs pos="0">
+              <a:schemeClr val="phClr">
+                <a:lumMod val="110000"/>
+                <a:satMod val="105000"/>
+                <a:tint val="67000"/>
+              </a:schemeClr>
+            </a:gs>
+            <a:gs pos="50000">
+              <a:schemeClr val="phClr">
+                <a:lumMod val="105000"/>
+                <a:satMod val="103000"/>
+                <a:tint val="73000"/>
+              </a:schemeClr>
+            </a:gs>
+            <a:gs pos="100000">
+              <a:schemeClr val="phClr">
+                <a:lumMod val="105000"/>
+                <a:satMod val="109000"/>
+                <a:tint val="81000"/>
+              </a:schemeClr>
+            </a:gs>
+          </a:gsLst>
+          <a:lin ang="5400000" scaled="0"/>
+        </a:gradFill>
+        <a:gradFill rotWithShape="1">
+          <a:gsLst>
+            <a:gs pos="0">
+              <a:schemeClr val="phClr">
+                <a:satMod val="103000"/>
+                <a:lumMod val="102000"/>
+                <a:tint val="94000"/>
+              </a:schemeClr>
+            </a:gs>
+            <a:gs pos="50000">
+              <a:schemeClr val="phClr">
+                <a:satMod val="110000"/>
+                <a:lumMod val="100000"/>
+                <a:shade val="100000"/>
+              </a:schemeClr>
+            </a:gs>
+            <a:gs pos="100000">
+              <a:schemeClr val="phClr">
+                <a:lumMod val="99000"/>
+                <a:satMod val="120000"/>
+                <a:shade val="78000"/>
+              </a:schemeClr>
+            </a:gs>
+          </a:gsLst>
+          <a:lin ang="5400000" scaled="0"/>
+        </a:gradFill>
+      </a:fillStyleLst>
+      <a:lnStyleLst>
+        <a:ln w="6350" cap="flat" cmpd="sng" algn="ctr">
+          <a:solidFill>
+            <a:schemeClr val="phClr"/>
+          </a:solidFill>
+          <a:prstDash val="solid"/>
+          <a:miter lim="800000"/>
+        </a:ln>
+        <a:ln w="12700" cap="flat" cmpd="sng" algn="ctr">
+          <a:solidFill>
+            <a:schemeClr val="phClr"/>
+          </a:solidFill>
+          <a:prstDash val="solid"/>
+          <a:miter lim="800000"/>
+        </a:ln>
+        <a:ln w="19050" cap="flat" cmpd="sng" algn="ctr">
+          <a:solidFill>
+            <a:schemeClr val="phClr"/>
+          </a:solidFill>
+          <a:prstDash val="solid"/>
+          <a:miter lim="800000"/>
+        </a:ln>
+      </a:lnStyleLst>
+      <a:effectStyleLst>
+        <a:effectStyle>
+          <a:effectLst/>
+        </a:effectStyle>
+        <a:effectStyle>
+          <a:effectLst/>
+        </a:effectStyle>
+        <a:effectStyle>
+          <a:effectLst>
+            <a:outerShdw blurRad="57150" dist="19050" dir="5400000" algn="ctr" rotWithShape="0">
+              <a:srgbClr val="000000">
+                <a:alpha val="63000"/>
+              </a:srgbClr>
+            </a:outerShdw>
+          </a:effectLst>
+        </a:effectStyle>
+      </a:effectStyleLst>
+      <a:bgFillStyleLst>
+        <a:solidFill>
+          <a:schemeClr val="phClr"/>
+        </a:solidFill>
+        <a:solidFill>
+          <a:schemeClr val="phClr">
+            <a:tint val="95000"/>
+            <a:satMod val="170000"/>
+          </a:schemeClr>
+        </a:solidFill>
+        <a:gradFill rotWithShape="1">
+          <a:gsLst>
+            <a:gs pos="0">
+              <a:schemeClr val="phClr">
+                <a:tint val="93000"/>
+                <a:satMod val="150000"/>
+                <a:shade val="98000"/>
+                <a:lumMod val="102000"/>
+              </a:schemeClr>
+            </a:gs>
+            <a:gs pos="50000">
+              <a:schemeClr val="phClr">
+                <a:tint val="98000"/>
+                <a:satMod val="130000"/>
+                <a:shade val="90000"/>
+                <a:lumMod val="103000"/>
+              </a:schemeClr>
+            </a:gs>
+            <a:gs pos="100000">
+              <a:schemeClr val="phClr">
+                <a:shade val="63000"/>
+                <a:satMod val="120000"/>
+              </a:schemeClr>
+            </a:gs>
+          </a:gsLst>
+          <a:lin ang="5400000" scaled="0"/>
+        </a:gradFill>
+      </a:bgFillStyleLst>
+    </a:fmtScheme>
+  </a:themeElements>
+  <a:objectDefaults/>
+  <a:extraClrSchemeLst/>
+  <a:extLst>
+    <a:ext uri="{05A4C25C-085E-4340-85A3-A5531E510DB2}">
+      <thm15:themeFamily xmlns:thm15="http://schemas.microsoft.com/office/thememl/2012/main" name="Office Theme" id="{62F939B6-93AF-4DB8-9C6B-D6C7DFDC589F}" vid="{4A3C46E8-61CC-4603-A589-7422A47A8E4A}"/>
+    </a:ext>
+  </a:extLst>
+</a:theme>
 </file>
--- a/Assembler Final Presentation.pptx
+++ b/Assembler Final Presentation.pptx
@@ -11,7 +11,7 @@
     <p:sldId id="256" r:id="rId2"/>
     <p:sldId id="257" r:id="rId3"/>
     <p:sldId id="261" r:id="rId4"/>
-    <p:sldId id="258" r:id="rId5"/>
+    <p:sldId id="262" r:id="rId5"/>
     <p:sldId id="259" r:id="rId6"/>
     <p:sldId id="260" r:id="rId7"/>
   </p:sldIdLst>
@@ -202,7 +202,7 @@
           <a:p>
             <a:fld id="{622F34BB-CA97-4A5B-8AA7-DAAF0613F171}" type="datetimeFigureOut">
               <a:rPr lang="en-US" smtClean="0"/>
-              <a:t>12/8/2016</a:t>
+              <a:t>12/12/2016</a:t>
             </a:fld>
             <a:endParaRPr lang="en-US"/>
           </a:p>
@@ -513,30 +513,10 @@
           <a:bodyPr/>
           <a:lstStyle/>
           <a:p>
-            <a:pPr marL="0" marR="0" lvl="0" indent="0" algn="l" defTabSz="914400" rtl="0" eaLnBrk="1" fontAlgn="auto" latinLnBrk="0" hangingPunct="1">
-              <a:lnSpc>
-                <a:spcPct val="100000"/>
-              </a:lnSpc>
-              <a:spcBef>
-                <a:spcPts val="0"/>
-              </a:spcBef>
-              <a:spcAft>
-                <a:spcPts val="0"/>
-              </a:spcAft>
-              <a:buClrTx/>
-              <a:buSzTx/>
-              <a:buFontTx/>
-              <a:buNone/>
-              <a:tabLst/>
-              <a:defRPr/>
-            </a:pPr>
             <a:r>
               <a:rPr lang="en-US" dirty="0"/>
-              <a:t>A description of the “design” of the program. Use a flow chart and (possibly) class diagrams (if your project has any user defined classes in it) to illustrate the design of your program.</a:t>
-            </a:r>
-          </a:p>
-          <a:p>
-            <a:endParaRPr lang="en-US" dirty="0"/>
+              <a:t>JUSTICE</a:t>
+            </a:r>
           </a:p>
         </p:txBody>
       </p:sp>
@@ -557,7 +537,7 @@
           <a:p>
             <a:fld id="{8A510666-73D6-45B1-89A9-78B1C12DD968}" type="slidenum">
               <a:rPr lang="en-US" smtClean="0"/>
-              <a:t>4</a:t>
+              <a:t>1</a:t>
             </a:fld>
             <a:endParaRPr lang="en-US"/>
           </a:p>
@@ -566,7 +546,7 @@
     </p:spTree>
     <p:extLst>
       <p:ext uri="{BB962C8B-B14F-4D97-AF65-F5344CB8AC3E}">
-        <p14:creationId xmlns:p14="http://schemas.microsoft.com/office/powerpoint/2010/main" val="4282890970"/>
+        <p14:creationId xmlns:p14="http://schemas.microsoft.com/office/powerpoint/2010/main" val="3266135749"/>
       </p:ext>
     </p:extLst>
   </p:cSld>
@@ -620,30 +600,10 @@
           <a:bodyPr/>
           <a:lstStyle/>
           <a:p>
-            <a:pPr marL="0" marR="0" lvl="0" indent="0" algn="l" defTabSz="914400" rtl="0" eaLnBrk="1" fontAlgn="auto" latinLnBrk="0" hangingPunct="1">
-              <a:lnSpc>
-                <a:spcPct val="100000"/>
-              </a:lnSpc>
-              <a:spcBef>
-                <a:spcPts val="0"/>
-              </a:spcBef>
-              <a:spcAft>
-                <a:spcPts val="0"/>
-              </a:spcAft>
-              <a:buClrTx/>
-              <a:buSzTx/>
-              <a:buFontTx/>
-              <a:buNone/>
-              <a:tabLst/>
-              <a:defRPr/>
-            </a:pPr>
             <a:r>
               <a:rPr lang="en-US" dirty="0"/>
-              <a:t>A very brief, high level, “code walkthrough” to show the rest of the class the code your group wrote. Describe the general outline of your code, but please don’t walkthrough your code line by line.</a:t>
-            </a:r>
-          </a:p>
-          <a:p>
-            <a:endParaRPr lang="en-US" dirty="0"/>
+              <a:t>JUSTICE</a:t>
+            </a:r>
           </a:p>
         </p:txBody>
       </p:sp>
@@ -664,7 +624,7 @@
           <a:p>
             <a:fld id="{8A510666-73D6-45B1-89A9-78B1C12DD968}" type="slidenum">
               <a:rPr lang="en-US" smtClean="0"/>
-              <a:t>5</a:t>
+              <a:t>2</a:t>
             </a:fld>
             <a:endParaRPr lang="en-US"/>
           </a:p>
@@ -673,7 +633,7 @@
     </p:spTree>
     <p:extLst>
       <p:ext uri="{BB962C8B-B14F-4D97-AF65-F5344CB8AC3E}">
-        <p14:creationId xmlns:p14="http://schemas.microsoft.com/office/powerpoint/2010/main" val="3648076098"/>
+        <p14:creationId xmlns:p14="http://schemas.microsoft.com/office/powerpoint/2010/main" val="1954699333"/>
       </p:ext>
     </p:extLst>
   </p:cSld>
@@ -727,6 +687,194 @@
           <a:bodyPr/>
           <a:lstStyle/>
           <a:p>
+            <a:r>
+              <a:rPr lang="en-US" dirty="0"/>
+              <a:t>RYAN</a:t>
+            </a:r>
+          </a:p>
+        </p:txBody>
+      </p:sp>
+      <p:sp>
+        <p:nvSpPr>
+          <p:cNvPr id="4" name="Slide Number Placeholder 3"/>
+          <p:cNvSpPr>
+            <a:spLocks noGrp="1"/>
+          </p:cNvSpPr>
+          <p:nvPr>
+            <p:ph type="sldNum" sz="quarter" idx="10"/>
+          </p:nvPr>
+        </p:nvSpPr>
+        <p:spPr/>
+        <p:txBody>
+          <a:bodyPr/>
+          <a:lstStyle/>
+          <a:p>
+            <a:fld id="{8A510666-73D6-45B1-89A9-78B1C12DD968}" type="slidenum">
+              <a:rPr lang="en-US" smtClean="0"/>
+              <a:t>3</a:t>
+            </a:fld>
+            <a:endParaRPr lang="en-US"/>
+          </a:p>
+        </p:txBody>
+      </p:sp>
+    </p:spTree>
+    <p:extLst>
+      <p:ext uri="{BB962C8B-B14F-4D97-AF65-F5344CB8AC3E}">
+        <p14:creationId xmlns:p14="http://schemas.microsoft.com/office/powerpoint/2010/main" val="2505834182"/>
+      </p:ext>
+    </p:extLst>
+  </p:cSld>
+  <p:clrMapOvr>
+    <a:masterClrMapping/>
+  </p:clrMapOvr>
+</p:notes>
+</file>
+
+<file path=ppt/notesSlides/notesSlide4.xml><?xml version="1.0" encoding="utf-8"?>
+<p:notes xmlns:a="http://schemas.openxmlformats.org/drawingml/2006/main" xmlns:r="http://schemas.openxmlformats.org/officeDocument/2006/relationships" xmlns:p="http://schemas.openxmlformats.org/presentationml/2006/main">
+  <p:cSld>
+    <p:spTree>
+      <p:nvGrpSpPr>
+        <p:cNvPr id="1" name=""/>
+        <p:cNvGrpSpPr/>
+        <p:nvPr/>
+      </p:nvGrpSpPr>
+      <p:grpSpPr>
+        <a:xfrm>
+          <a:off x="0" y="0"/>
+          <a:ext cx="0" cy="0"/>
+          <a:chOff x="0" y="0"/>
+          <a:chExt cx="0" cy="0"/>
+        </a:xfrm>
+      </p:grpSpPr>
+      <p:sp>
+        <p:nvSpPr>
+          <p:cNvPr id="2" name="Slide Image Placeholder 1"/>
+          <p:cNvSpPr>
+            <a:spLocks noGrp="1" noRot="1" noChangeAspect="1"/>
+          </p:cNvSpPr>
+          <p:nvPr>
+            <p:ph type="sldImg"/>
+          </p:nvPr>
+        </p:nvSpPr>
+        <p:spPr/>
+      </p:sp>
+      <p:sp>
+        <p:nvSpPr>
+          <p:cNvPr id="3" name="Notes Placeholder 2"/>
+          <p:cNvSpPr>
+            <a:spLocks noGrp="1"/>
+          </p:cNvSpPr>
+          <p:nvPr>
+            <p:ph type="body" idx="1"/>
+          </p:nvPr>
+        </p:nvSpPr>
+        <p:spPr/>
+        <p:txBody>
+          <a:bodyPr/>
+          <a:lstStyle/>
+          <a:p>
+            <a:r>
+              <a:rPr lang="en-US" dirty="0"/>
+              <a:t>ANDREW</a:t>
+            </a:r>
+          </a:p>
+          <a:p>
+            <a:endParaRPr lang="en-US" dirty="0"/>
+          </a:p>
+          <a:p>
+            <a:r>
+              <a:rPr lang="en-US" dirty="0"/>
+              <a:t>High level description of the design/</a:t>
+            </a:r>
+            <a:r>
+              <a:rPr lang="en-US" baseline="0" dirty="0"/>
+              <a:t> architecture of the project</a:t>
+            </a:r>
+            <a:endParaRPr lang="en-US" dirty="0"/>
+          </a:p>
+        </p:txBody>
+      </p:sp>
+      <p:sp>
+        <p:nvSpPr>
+          <p:cNvPr id="4" name="Slide Number Placeholder 3"/>
+          <p:cNvSpPr>
+            <a:spLocks noGrp="1"/>
+          </p:cNvSpPr>
+          <p:nvPr>
+            <p:ph type="sldNum" sz="quarter" idx="10"/>
+          </p:nvPr>
+        </p:nvSpPr>
+        <p:spPr/>
+        <p:txBody>
+          <a:bodyPr/>
+          <a:lstStyle/>
+          <a:p>
+            <a:fld id="{8A510666-73D6-45B1-89A9-78B1C12DD968}" type="slidenum">
+              <a:rPr lang="en-US" smtClean="0"/>
+              <a:t>4</a:t>
+            </a:fld>
+            <a:endParaRPr lang="en-US"/>
+          </a:p>
+        </p:txBody>
+      </p:sp>
+    </p:spTree>
+    <p:extLst>
+      <p:ext uri="{BB962C8B-B14F-4D97-AF65-F5344CB8AC3E}">
+        <p14:creationId xmlns:p14="http://schemas.microsoft.com/office/powerpoint/2010/main" val="4084252118"/>
+      </p:ext>
+    </p:extLst>
+  </p:cSld>
+  <p:clrMapOvr>
+    <a:masterClrMapping/>
+  </p:clrMapOvr>
+</p:notes>
+</file>
+
+<file path=ppt/notesSlides/notesSlide5.xml><?xml version="1.0" encoding="utf-8"?>
+<p:notes xmlns:a="http://schemas.openxmlformats.org/drawingml/2006/main" xmlns:r="http://schemas.openxmlformats.org/officeDocument/2006/relationships" xmlns:p="http://schemas.openxmlformats.org/presentationml/2006/main">
+  <p:cSld>
+    <p:spTree>
+      <p:nvGrpSpPr>
+        <p:cNvPr id="1" name=""/>
+        <p:cNvGrpSpPr/>
+        <p:nvPr/>
+      </p:nvGrpSpPr>
+      <p:grpSpPr>
+        <a:xfrm>
+          <a:off x="0" y="0"/>
+          <a:ext cx="0" cy="0"/>
+          <a:chOff x="0" y="0"/>
+          <a:chExt cx="0" cy="0"/>
+        </a:xfrm>
+      </p:grpSpPr>
+      <p:sp>
+        <p:nvSpPr>
+          <p:cNvPr id="2" name="Slide Image Placeholder 1"/>
+          <p:cNvSpPr>
+            <a:spLocks noGrp="1" noRot="1" noChangeAspect="1"/>
+          </p:cNvSpPr>
+          <p:nvPr>
+            <p:ph type="sldImg"/>
+          </p:nvPr>
+        </p:nvSpPr>
+        <p:spPr/>
+      </p:sp>
+      <p:sp>
+        <p:nvSpPr>
+          <p:cNvPr id="3" name="Notes Placeholder 2"/>
+          <p:cNvSpPr>
+            <a:spLocks noGrp="1"/>
+          </p:cNvSpPr>
+          <p:nvPr>
+            <p:ph type="body" idx="1"/>
+          </p:nvPr>
+        </p:nvSpPr>
+        <p:spPr/>
+        <p:txBody>
+          <a:bodyPr/>
+          <a:lstStyle/>
+          <a:p>
             <a:pPr marL="0" marR="0" lvl="0" indent="0" algn="l" defTabSz="914400" rtl="0" eaLnBrk="1" fontAlgn="auto" latinLnBrk="0" hangingPunct="1">
               <a:lnSpc>
                 <a:spcPct val="100000"/>
@@ -746,11 +894,158 @@
             </a:pPr>
             <a:r>
               <a:rPr lang="en-US" dirty="0"/>
-              <a:t>A description of the “lessons learned” in the process of doing the group project.</a:t>
-            </a:r>
-          </a:p>
-          <a:p>
+              <a:t>KATH</a:t>
+            </a:r>
+          </a:p>
+          <a:p>
+            <a:pPr marL="0" marR="0" lvl="0" indent="0" algn="l" defTabSz="914400" rtl="0" eaLnBrk="1" fontAlgn="auto" latinLnBrk="0" hangingPunct="1">
+              <a:lnSpc>
+                <a:spcPct val="100000"/>
+              </a:lnSpc>
+              <a:spcBef>
+                <a:spcPts val="0"/>
+              </a:spcBef>
+              <a:spcAft>
+                <a:spcPts val="0"/>
+              </a:spcAft>
+              <a:buClrTx/>
+              <a:buSzTx/>
+              <a:buFontTx/>
+              <a:buNone/>
+              <a:tabLst/>
+              <a:defRPr/>
+            </a:pPr>
             <a:endParaRPr lang="en-US" dirty="0"/>
+          </a:p>
+          <a:p>
+            <a:pPr marL="0" marR="0" lvl="0" indent="0" algn="l" defTabSz="914400" rtl="0" eaLnBrk="1" fontAlgn="auto" latinLnBrk="0" hangingPunct="1">
+              <a:lnSpc>
+                <a:spcPct val="100000"/>
+              </a:lnSpc>
+              <a:spcBef>
+                <a:spcPts val="0"/>
+              </a:spcBef>
+              <a:spcAft>
+                <a:spcPts val="0"/>
+              </a:spcAft>
+              <a:buClrTx/>
+              <a:buSzTx/>
+              <a:buFontTx/>
+              <a:buNone/>
+              <a:tabLst/>
+              <a:defRPr/>
+            </a:pPr>
+            <a:r>
+              <a:rPr lang="en-US" dirty="0"/>
+              <a:t>A very brief, high level, “code walkthrough” to show the rest of the class the code your group wrote. Describe the general outline of your code, but please don’t walkthrough your code line by line.</a:t>
+            </a:r>
+          </a:p>
+          <a:p>
+            <a:endParaRPr lang="en-US" dirty="0"/>
+          </a:p>
+        </p:txBody>
+      </p:sp>
+      <p:sp>
+        <p:nvSpPr>
+          <p:cNvPr id="4" name="Slide Number Placeholder 3"/>
+          <p:cNvSpPr>
+            <a:spLocks noGrp="1"/>
+          </p:cNvSpPr>
+          <p:nvPr>
+            <p:ph type="sldNum" sz="quarter" idx="10"/>
+          </p:nvPr>
+        </p:nvSpPr>
+        <p:spPr/>
+        <p:txBody>
+          <a:bodyPr/>
+          <a:lstStyle/>
+          <a:p>
+            <a:fld id="{8A510666-73D6-45B1-89A9-78B1C12DD968}" type="slidenum">
+              <a:rPr lang="en-US" smtClean="0"/>
+              <a:t>5</a:t>
+            </a:fld>
+            <a:endParaRPr lang="en-US"/>
+          </a:p>
+        </p:txBody>
+      </p:sp>
+    </p:spTree>
+    <p:extLst>
+      <p:ext uri="{BB962C8B-B14F-4D97-AF65-F5344CB8AC3E}">
+        <p14:creationId xmlns:p14="http://schemas.microsoft.com/office/powerpoint/2010/main" val="3648076098"/>
+      </p:ext>
+    </p:extLst>
+  </p:cSld>
+  <p:clrMapOvr>
+    <a:masterClrMapping/>
+  </p:clrMapOvr>
+</p:notes>
+</file>
+
+<file path=ppt/notesSlides/notesSlide6.xml><?xml version="1.0" encoding="utf-8"?>
+<p:notes xmlns:a="http://schemas.openxmlformats.org/drawingml/2006/main" xmlns:r="http://schemas.openxmlformats.org/officeDocument/2006/relationships" xmlns:p="http://schemas.openxmlformats.org/presentationml/2006/main">
+  <p:cSld>
+    <p:spTree>
+      <p:nvGrpSpPr>
+        <p:cNvPr id="1" name=""/>
+        <p:cNvGrpSpPr/>
+        <p:nvPr/>
+      </p:nvGrpSpPr>
+      <p:grpSpPr>
+        <a:xfrm>
+          <a:off x="0" y="0"/>
+          <a:ext cx="0" cy="0"/>
+          <a:chOff x="0" y="0"/>
+          <a:chExt cx="0" cy="0"/>
+        </a:xfrm>
+      </p:grpSpPr>
+      <p:sp>
+        <p:nvSpPr>
+          <p:cNvPr id="2" name="Slide Image Placeholder 1"/>
+          <p:cNvSpPr>
+            <a:spLocks noGrp="1" noRot="1" noChangeAspect="1"/>
+          </p:cNvSpPr>
+          <p:nvPr>
+            <p:ph type="sldImg"/>
+          </p:nvPr>
+        </p:nvSpPr>
+        <p:spPr/>
+      </p:sp>
+      <p:sp>
+        <p:nvSpPr>
+          <p:cNvPr id="3" name="Notes Placeholder 2"/>
+          <p:cNvSpPr>
+            <a:spLocks noGrp="1"/>
+          </p:cNvSpPr>
+          <p:nvPr>
+            <p:ph type="body" idx="1"/>
+          </p:nvPr>
+        </p:nvSpPr>
+        <p:spPr/>
+        <p:txBody>
+          <a:bodyPr/>
+          <a:lstStyle/>
+          <a:p>
+            <a:pPr marL="0" marR="0" lvl="0" indent="0" algn="l" defTabSz="914400" rtl="0" eaLnBrk="1" fontAlgn="auto" latinLnBrk="0" hangingPunct="1">
+              <a:lnSpc>
+                <a:spcPct val="100000"/>
+              </a:lnSpc>
+              <a:spcBef>
+                <a:spcPts val="0"/>
+              </a:spcBef>
+              <a:spcAft>
+                <a:spcPts val="0"/>
+              </a:spcAft>
+              <a:buClrTx/>
+              <a:buSzTx/>
+              <a:buFontTx/>
+              <a:buNone/>
+              <a:tabLst/>
+              <a:defRPr/>
+            </a:pPr>
+            <a:r>
+              <a:rPr lang="en-US" dirty="0"/>
+              <a:t>KATH</a:t>
+            </a:r>
           </a:p>
         </p:txBody>
       </p:sp>
@@ -919,7 +1214,7 @@
           <a:p>
             <a:fld id="{BF43FF52-8086-462A-8EF5-97B69E432801}" type="datetimeFigureOut">
               <a:rPr lang="en-US" smtClean="0"/>
-              <a:t>12/8/2016</a:t>
+              <a:t>12/12/2016</a:t>
             </a:fld>
             <a:endParaRPr lang="en-US"/>
           </a:p>
@@ -1087,7 +1382,7 @@
           <a:p>
             <a:fld id="{BF43FF52-8086-462A-8EF5-97B69E432801}" type="datetimeFigureOut">
               <a:rPr lang="en-US" smtClean="0"/>
-              <a:t>12/8/2016</a:t>
+              <a:t>12/12/2016</a:t>
             </a:fld>
             <a:endParaRPr lang="en-US"/>
           </a:p>
@@ -1265,7 +1560,7 @@
           <a:p>
             <a:fld id="{BF43FF52-8086-462A-8EF5-97B69E432801}" type="datetimeFigureOut">
               <a:rPr lang="en-US" smtClean="0"/>
-              <a:t>12/8/2016</a:t>
+              <a:t>12/12/2016</a:t>
             </a:fld>
             <a:endParaRPr lang="en-US"/>
           </a:p>
@@ -1433,7 +1728,7 @@
           <a:p>
             <a:fld id="{BF43FF52-8086-462A-8EF5-97B69E432801}" type="datetimeFigureOut">
               <a:rPr lang="en-US" smtClean="0"/>
-              <a:t>12/8/2016</a:t>
+              <a:t>12/12/2016</a:t>
             </a:fld>
             <a:endParaRPr lang="en-US"/>
           </a:p>
@@ -1678,7 +1973,7 @@
           <a:p>
             <a:fld id="{BF43FF52-8086-462A-8EF5-97B69E432801}" type="datetimeFigureOut">
               <a:rPr lang="en-US" smtClean="0"/>
-              <a:t>12/8/2016</a:t>
+              <a:t>12/12/2016</a:t>
             </a:fld>
             <a:endParaRPr lang="en-US"/>
           </a:p>
@@ -1907,7 +2202,7 @@
           <a:p>
             <a:fld id="{BF43FF52-8086-462A-8EF5-97B69E432801}" type="datetimeFigureOut">
               <a:rPr lang="en-US" smtClean="0"/>
-              <a:t>12/8/2016</a:t>
+              <a:t>12/12/2016</a:t>
             </a:fld>
             <a:endParaRPr lang="en-US"/>
           </a:p>
@@ -2271,7 +2566,7 @@
           <a:p>
             <a:fld id="{BF43FF52-8086-462A-8EF5-97B69E432801}" type="datetimeFigureOut">
               <a:rPr lang="en-US" smtClean="0"/>
-              <a:t>12/8/2016</a:t>
+              <a:t>12/12/2016</a:t>
             </a:fld>
             <a:endParaRPr lang="en-US"/>
           </a:p>
@@ -2388,7 +2683,7 @@
           <a:p>
             <a:fld id="{BF43FF52-8086-462A-8EF5-97B69E432801}" type="datetimeFigureOut">
               <a:rPr lang="en-US" smtClean="0"/>
-              <a:t>12/8/2016</a:t>
+              <a:t>12/12/2016</a:t>
             </a:fld>
             <a:endParaRPr lang="en-US"/>
           </a:p>
@@ -2483,7 +2778,7 @@
           <a:p>
             <a:fld id="{BF43FF52-8086-462A-8EF5-97B69E432801}" type="datetimeFigureOut">
               <a:rPr lang="en-US" smtClean="0"/>
-              <a:t>12/8/2016</a:t>
+              <a:t>12/12/2016</a:t>
             </a:fld>
             <a:endParaRPr lang="en-US"/>
           </a:p>
@@ -2758,7 +3053,7 @@
           <a:p>
             <a:fld id="{BF43FF52-8086-462A-8EF5-97B69E432801}" type="datetimeFigureOut">
               <a:rPr lang="en-US" smtClean="0"/>
-              <a:t>12/8/2016</a:t>
+              <a:t>12/12/2016</a:t>
             </a:fld>
             <a:endParaRPr lang="en-US"/>
           </a:p>
@@ -3010,7 +3305,7 @@
           <a:p>
             <a:fld id="{BF43FF52-8086-462A-8EF5-97B69E432801}" type="datetimeFigureOut">
               <a:rPr lang="en-US" smtClean="0"/>
-              <a:t>12/8/2016</a:t>
+              <a:t>12/12/2016</a:t>
             </a:fld>
             <a:endParaRPr lang="en-US"/>
           </a:p>
@@ -3221,7 +3516,7 @@
           <a:p>
             <a:fld id="{BF43FF52-8086-462A-8EF5-97B69E432801}" type="datetimeFigureOut">
               <a:rPr lang="en-US" smtClean="0"/>
-              <a:t>12/8/2016</a:t>
+              <a:t>12/12/2016</a:t>
             </a:fld>
             <a:endParaRPr lang="en-US"/>
           </a:p>
@@ -3628,6 +3923,62 @@
       </p:grpSpPr>
       <p:sp>
         <p:nvSpPr>
+          <p:cNvPr id="5" name="Rectangle 4"/>
+          <p:cNvSpPr>
+            <a:spLocks noGrp="1" noRot="1" noChangeAspect="1" noMove="1" noResize="1" noEditPoints="1" noAdjustHandles="1" noChangeArrowheads="1" noChangeShapeType="1" noTextEdit="1"/>
+          </p:cNvSpPr>
+          <p:nvPr>
+            <p:extLst>
+              <p:ext uri="{386F3935-93C4-4BCD-93E2-E3B085C9AB24}">
+                <p16:designElem xmlns:p16="http://schemas.microsoft.com/office/powerpoint/2015/main" val="1"/>
+              </p:ext>
+            </p:extLst>
+          </p:nvPr>
+        </p:nvSpPr>
+        <p:spPr>
+          <a:xfrm>
+            <a:off x="8119870" y="0"/>
+            <a:ext cx="4072130" cy="6858000"/>
+          </a:xfrm>
+          <a:prstGeom prst="rect">
+            <a:avLst/>
+          </a:prstGeom>
+          <a:solidFill>
+            <a:schemeClr val="accent1">
+              <a:alpha val="80000"/>
+            </a:schemeClr>
+          </a:solidFill>
+          <a:ln>
+            <a:noFill/>
+          </a:ln>
+        </p:spPr>
+        <p:style>
+          <a:lnRef idx="2">
+            <a:schemeClr val="accent1">
+              <a:shade val="50000"/>
+            </a:schemeClr>
+          </a:lnRef>
+          <a:fillRef idx="1">
+            <a:schemeClr val="accent1"/>
+          </a:fillRef>
+          <a:effectRef idx="0">
+            <a:schemeClr val="accent1"/>
+          </a:effectRef>
+          <a:fontRef idx="minor">
+            <a:schemeClr val="lt1"/>
+          </a:fontRef>
+        </p:style>
+        <p:txBody>
+          <a:bodyPr rtlCol="0" anchor="ctr"/>
+          <a:lstStyle/>
+          <a:p>
+            <a:pPr algn="ctr"/>
+            <a:endParaRPr lang="en-US"/>
+          </a:p>
+        </p:txBody>
+      </p:sp>
+      <p:sp>
+        <p:nvSpPr>
           <p:cNvPr id="2" name="Title 1"/>
           <p:cNvSpPr>
             <a:spLocks noGrp="1"/>
@@ -3636,15 +3987,24 @@
             <p:ph type="ctrTitle"/>
           </p:nvPr>
         </p:nvSpPr>
-        <p:spPr/>
-        <p:txBody>
-          <a:bodyPr/>
+        <p:spPr>
+          <a:xfrm>
+            <a:off x="1023257" y="965198"/>
+            <a:ext cx="6766078" cy="4927601"/>
+          </a:xfrm>
+        </p:spPr>
+        <p:txBody>
+          <a:bodyPr anchor="ctr">
+            <a:normAutofit/>
+          </a:bodyPr>
           <a:lstStyle/>
           <a:p>
+            <a:pPr algn="r"/>
             <a:r>
               <a:rPr lang="en-US" dirty="0"/>
               <a:t>Assembler Final Presentation</a:t>
             </a:r>
+            <a:endParaRPr lang="en-US"/>
           </a:p>
         </p:txBody>
       </p:sp>
@@ -3658,13 +4018,25 @@
             <p:ph type="subTitle" idx="1"/>
           </p:nvPr>
         </p:nvSpPr>
-        <p:spPr/>
-        <p:txBody>
-          <a:bodyPr/>
+        <p:spPr>
+          <a:xfrm>
+            <a:off x="8454570" y="965199"/>
+            <a:ext cx="3093963" cy="4927602"/>
+          </a:xfrm>
+        </p:spPr>
+        <p:txBody>
+          <a:bodyPr anchor="ctr">
+            <a:normAutofit/>
+          </a:bodyPr>
           <a:lstStyle/>
           <a:p>
-            <a:r>
-              <a:rPr lang="en-US" dirty="0"/>
+            <a:pPr algn="l"/>
+            <a:r>
+              <a:rPr lang="en-US" sz="2000">
+                <a:solidFill>
+                  <a:srgbClr val="FFFFFF"/>
+                </a:solidFill>
+              </a:rPr>
               <a:t>Andrew, Ryan, Justice, Kathleen</a:t>
             </a:r>
           </a:p>
@@ -3678,7 +4050,7 @@
     </p:extLst>
   </p:cSld>
   <p:clrMapOvr>
-    <a:masterClrMapping/>
+    <a:overrideClrMapping bg1="dk1" tx1="lt1" bg2="dk2" tx2="lt2" accent1="accent1" accent2="accent2" accent3="accent3" accent4="accent4" accent5="accent5" accent6="accent6" hlink="hlink" folHlink="folHlink"/>
   </p:clrMapOvr>
 </p:sld>
 </file>
@@ -3802,15 +4174,17 @@
             <p:ph sz="half" idx="2"/>
           </p:nvPr>
         </p:nvPicPr>
-        <p:blipFill rotWithShape="1">
-          <a:blip r:embed="rId2">
+        <p:blipFill>
+          <a:blip r:embed="rId3">
             <a:extLst>
               <a:ext uri="{28A0092B-C50C-407E-A947-70E740481C1C}">
                 <a14:useLocalDpi xmlns:a14="http://schemas.microsoft.com/office/drawing/2010/main" val="0"/>
               </a:ext>
             </a:extLst>
           </a:blip>
-          <a:stretch/>
+          <a:stretch>
+            <a:fillRect/>
+          </a:stretch>
         </p:blipFill>
         <p:spPr>
           <a:xfrm>
@@ -3835,8 +4209,8 @@
         </p:nvSpPr>
         <p:spPr>
           <a:xfrm>
-            <a:off x="648929" y="629266"/>
-            <a:ext cx="3667039" cy="1676603"/>
+            <a:off x="392454" y="406246"/>
+            <a:ext cx="4068035" cy="1984650"/>
           </a:xfrm>
         </p:spPr>
         <p:txBody>
@@ -3846,7 +4220,7 @@
           <a:lstStyle/>
           <a:p>
             <a:r>
-              <a:rPr lang="en-US" sz="3600">
+              <a:rPr lang="en-US" sz="3600" dirty="0">
                 <a:solidFill>
                   <a:schemeClr val="bg1"/>
                 </a:solidFill>
@@ -3868,18 +4242,18 @@
         </p:nvSpPr>
         <p:spPr>
           <a:xfrm>
-            <a:off x="648931" y="2438401"/>
-            <a:ext cx="3667036" cy="3779520"/>
+            <a:off x="392456" y="2181925"/>
+            <a:ext cx="4068032" cy="4473942"/>
           </a:xfrm>
         </p:spPr>
         <p:txBody>
           <a:bodyPr vert="horz" lIns="91440" tIns="45720" rIns="91440" bIns="45720" rtlCol="0">
-            <a:normAutofit/>
+            <a:noAutofit/>
           </a:bodyPr>
           <a:lstStyle/>
           <a:p>
             <a:r>
-              <a:rPr lang="en-US" sz="1800">
+              <a:rPr lang="en-US" sz="2400" dirty="0">
                 <a:solidFill>
                   <a:schemeClr val="bg1"/>
                 </a:solidFill>
@@ -3889,7 +4263,7 @@
           </a:p>
           <a:p>
             <a:r>
-              <a:rPr lang="en-US" sz="1800">
+              <a:rPr lang="en-US" sz="2400" dirty="0">
                 <a:solidFill>
                   <a:schemeClr val="bg1"/>
                 </a:solidFill>
@@ -3931,6 +4305,108 @@
       </p:grpSpPr>
       <p:sp>
         <p:nvSpPr>
+          <p:cNvPr id="8" name="Rectangle 4"/>
+          <p:cNvSpPr>
+            <a:spLocks noGrp="1" noRot="1" noChangeAspect="1" noMove="1" noResize="1" noEditPoints="1" noAdjustHandles="1" noChangeArrowheads="1" noChangeShapeType="1" noTextEdit="1"/>
+          </p:cNvSpPr>
+          <p:nvPr>
+            <p:extLst>
+              <p:ext uri="{386F3935-93C4-4BCD-93E2-E3B085C9AB24}">
+                <p16:designElem xmlns:p16="http://schemas.microsoft.com/office/powerpoint/2015/main" val="1"/>
+              </p:ext>
+            </p:extLst>
+          </p:nvPr>
+        </p:nvSpPr>
+        <p:spPr bwMode="ltGray">
+          <a:xfrm>
+            <a:off x="321564" y="320040"/>
+            <a:ext cx="11548872" cy="6217920"/>
+          </a:xfrm>
+          <a:prstGeom prst="rect">
+            <a:avLst/>
+          </a:prstGeom>
+          <a:solidFill>
+            <a:schemeClr val="tx1">
+              <a:alpha val="8000"/>
+            </a:schemeClr>
+          </a:solidFill>
+          <a:ln w="127000" cap="sq" cmpd="thinThick">
+            <a:noFill/>
+          </a:ln>
+        </p:spPr>
+        <p:style>
+          <a:lnRef idx="2">
+            <a:schemeClr val="accent1">
+              <a:shade val="50000"/>
+            </a:schemeClr>
+          </a:lnRef>
+          <a:fillRef idx="1">
+            <a:schemeClr val="accent1"/>
+          </a:fillRef>
+          <a:effectRef idx="0">
+            <a:schemeClr val="accent1"/>
+          </a:effectRef>
+          <a:fontRef idx="minor">
+            <a:schemeClr val="lt1"/>
+          </a:fontRef>
+        </p:style>
+        <p:txBody>
+          <a:bodyPr rtlCol="0" anchor="ctr"/>
+          <a:lstStyle/>
+          <a:p>
+            <a:pPr algn="ctr"/>
+            <a:endParaRPr lang="en-US"/>
+          </a:p>
+        </p:txBody>
+      </p:sp>
+      <p:cxnSp>
+        <p:nvCxnSpPr>
+          <p:cNvPr id="9" name="Straight Connector 5"/>
+          <p:cNvCxnSpPr>
+            <a:cxnSpLocks noGrp="1" noRot="1" noChangeAspect="1" noMove="1" noResize="1" noEditPoints="1" noAdjustHandles="1" noChangeArrowheads="1" noChangeShapeType="1"/>
+          </p:cNvCxnSpPr>
+          <p:nvPr>
+            <p:extLst>
+              <p:ext uri="{386F3935-93C4-4BCD-93E2-E3B085C9AB24}">
+                <p16:designElem xmlns:p16="http://schemas.microsoft.com/office/powerpoint/2015/main" val="1"/>
+              </p:ext>
+            </p:extLst>
+          </p:nvPr>
+        </p:nvCxnSpPr>
+        <p:spPr>
+          <a:xfrm>
+            <a:off x="4654296" y="2057400"/>
+            <a:ext cx="0" cy="2743200"/>
+          </a:xfrm>
+          <a:prstGeom prst="line">
+            <a:avLst/>
+          </a:prstGeom>
+          <a:ln w="19050">
+            <a:solidFill>
+              <a:schemeClr val="tx1">
+                <a:lumMod val="85000"/>
+                <a:lumOff val="15000"/>
+              </a:schemeClr>
+            </a:solidFill>
+          </a:ln>
+        </p:spPr>
+        <p:style>
+          <a:lnRef idx="1">
+            <a:schemeClr val="accent1"/>
+          </a:lnRef>
+          <a:fillRef idx="0">
+            <a:schemeClr val="accent1"/>
+          </a:fillRef>
+          <a:effectRef idx="0">
+            <a:schemeClr val="accent1"/>
+          </a:effectRef>
+          <a:fontRef idx="minor">
+            <a:schemeClr val="tx1"/>
+          </a:fontRef>
+        </p:style>
+      </p:cxnSp>
+      <p:sp>
+        <p:nvSpPr>
           <p:cNvPr id="2" name="Title 1"/>
           <p:cNvSpPr>
             <a:spLocks noGrp="1"/>
@@ -3939,13 +4415,25 @@
             <p:ph type="title"/>
           </p:nvPr>
         </p:nvSpPr>
-        <p:spPr/>
-        <p:txBody>
-          <a:bodyPr/>
+        <p:spPr>
+          <a:xfrm>
+            <a:off x="630621" y="963877"/>
+            <a:ext cx="3701941" cy="4930246"/>
+          </a:xfrm>
+        </p:spPr>
+        <p:txBody>
+          <a:bodyPr>
+            <a:normAutofit/>
+          </a:bodyPr>
           <a:lstStyle/>
           <a:p>
-            <a:r>
-              <a:rPr lang="en-US" dirty="0"/>
+            <a:pPr algn="r"/>
+            <a:r>
+              <a:rPr lang="en-US">
+                <a:solidFill>
+                  <a:schemeClr val="accent1"/>
+                </a:solidFill>
+              </a:rPr>
               <a:t>Unique Responsibilities</a:t>
             </a:r>
           </a:p>
@@ -3961,36 +4449,59 @@
             <p:ph idx="1"/>
           </p:nvPr>
         </p:nvSpPr>
-        <p:spPr/>
-        <p:txBody>
-          <a:bodyPr/>
+        <p:spPr>
+          <a:xfrm>
+            <a:off x="4976031" y="963877"/>
+            <a:ext cx="6377769" cy="4930246"/>
+          </a:xfrm>
+        </p:spPr>
+        <p:txBody>
+          <a:bodyPr anchor="ctr">
+            <a:normAutofit/>
+          </a:bodyPr>
           <a:lstStyle/>
           <a:p>
             <a:r>
-              <a:rPr lang="en-US" dirty="0"/>
-              <a:t>Justice-</a:t>
-            </a:r>
-          </a:p>
-          <a:p>
-            <a:r>
-              <a:rPr lang="en-US" dirty="0"/>
-              <a:t>Kathleen-</a:t>
-            </a:r>
-          </a:p>
-          <a:p>
-            <a:r>
-              <a:rPr lang="en-US" dirty="0"/>
-              <a:t>Andrew-</a:t>
-            </a:r>
-          </a:p>
-          <a:p>
-            <a:r>
-              <a:rPr lang="en-US" dirty="0"/>
-              <a:t>Ryan-</a:t>
-            </a:r>
-          </a:p>
-          <a:p>
-            <a:endParaRPr lang="en-US" dirty="0"/>
+              <a:rPr lang="en-US" sz="2400" b="1" dirty="0"/>
+              <a:t>Justice</a:t>
+            </a:r>
+            <a:r>
+              <a:rPr lang="en-US" sz="2400" dirty="0"/>
+              <a:t>- Implemented the function to place a tile on the board in Assembly Language</a:t>
+            </a:r>
+          </a:p>
+          <a:p>
+            <a:r>
+              <a:rPr lang="en-US" sz="2400" b="1" dirty="0"/>
+              <a:t>Kathleen</a:t>
+            </a:r>
+            <a:r>
+              <a:rPr lang="en-US" sz="2400" dirty="0"/>
+              <a:t>- Developed the code layout for the game and implemented the basic framework to accept Justice and Ryan’s functions</a:t>
+            </a:r>
+          </a:p>
+          <a:p>
+            <a:r>
+              <a:rPr lang="en-US" sz="2400" b="1" dirty="0"/>
+              <a:t>Andrew</a:t>
+            </a:r>
+            <a:r>
+              <a:rPr lang="en-US" sz="2400" dirty="0"/>
+              <a:t>- Developed and integrated the C# UI that we are using for our project</a:t>
+            </a:r>
+          </a:p>
+          <a:p>
+            <a:r>
+              <a:rPr lang="en-US" sz="2400" b="1" dirty="0"/>
+              <a:t>Ryan</a:t>
+            </a:r>
+            <a:r>
+              <a:rPr lang="en-US" sz="2400" dirty="0"/>
+              <a:t>- Developed and implemented the algorithms we are using to check for a winner in C++ and in Assembly Language</a:t>
+            </a:r>
+          </a:p>
+          <a:p>
+            <a:endParaRPr lang="en-US" sz="2400" dirty="0"/>
           </a:p>
         </p:txBody>
       </p:sp>
@@ -4026,6 +4537,127 @@
       </p:grpSpPr>
       <p:sp>
         <p:nvSpPr>
+          <p:cNvPr id="19" name="Rectangle 18"/>
+          <p:cNvSpPr>
+            <a:spLocks noGrp="1" noRot="1" noChangeAspect="1" noMove="1" noResize="1" noEditPoints="1" noAdjustHandles="1" noChangeArrowheads="1" noChangeShapeType="1" noTextEdit="1"/>
+          </p:cNvSpPr>
+          <p:nvPr>
+            <p:extLst>
+              <p:ext uri="{386F3935-93C4-4BCD-93E2-E3B085C9AB24}">
+                <p16:designElem xmlns:p16="http://schemas.microsoft.com/office/powerpoint/2015/main" val="1"/>
+              </p:ext>
+            </p:extLst>
+          </p:nvPr>
+        </p:nvSpPr>
+        <p:spPr>
+          <a:xfrm>
+            <a:off x="0" y="0"/>
+            <a:ext cx="6885216" cy="6858000"/>
+          </a:xfrm>
+          <a:prstGeom prst="rect">
+            <a:avLst/>
+          </a:prstGeom>
+          <a:solidFill>
+            <a:schemeClr val="accent1"/>
+          </a:solidFill>
+          <a:ln>
+            <a:noFill/>
+          </a:ln>
+        </p:spPr>
+        <p:style>
+          <a:lnRef idx="2">
+            <a:schemeClr val="accent1">
+              <a:shade val="50000"/>
+            </a:schemeClr>
+          </a:lnRef>
+          <a:fillRef idx="1">
+            <a:schemeClr val="accent1"/>
+          </a:fillRef>
+          <a:effectRef idx="0">
+            <a:schemeClr val="accent1"/>
+          </a:effectRef>
+          <a:fontRef idx="minor">
+            <a:schemeClr val="lt1"/>
+          </a:fontRef>
+        </p:style>
+        <p:txBody>
+          <a:bodyPr rtlCol="0" anchor="ctr"/>
+          <a:lstStyle/>
+          <a:p>
+            <a:pPr algn="ctr"/>
+            <a:endParaRPr lang="en-US"/>
+          </a:p>
+        </p:txBody>
+      </p:sp>
+      <p:pic>
+        <p:nvPicPr>
+          <p:cNvPr id="6" name="Content Placeholder 3"/>
+          <p:cNvPicPr>
+            <a:picLocks noChangeAspect="1"/>
+          </p:cNvPicPr>
+          <p:nvPr/>
+        </p:nvPicPr>
+        <p:blipFill rotWithShape="1">
+          <a:blip r:embed="rId3"/>
+          <a:stretch/>
+        </p:blipFill>
+        <p:spPr>
+          <a:xfrm>
+            <a:off x="7503552" y="222178"/>
+            <a:ext cx="4328469" cy="6318935"/>
+          </a:xfrm>
+          <a:prstGeom prst="rect">
+            <a:avLst/>
+          </a:prstGeom>
+        </p:spPr>
+      </p:pic>
+      <p:cxnSp>
+        <p:nvCxnSpPr>
+          <p:cNvPr id="20" name="Straight Connector 19"/>
+          <p:cNvCxnSpPr>
+            <a:cxnSpLocks noGrp="1" noRot="1" noChangeAspect="1" noMove="1" noResize="1" noEditPoints="1" noAdjustHandles="1" noChangeArrowheads="1" noChangeShapeType="1"/>
+          </p:cNvCxnSpPr>
+          <p:nvPr>
+            <p:extLst>
+              <p:ext uri="{386F3935-93C4-4BCD-93E2-E3B085C9AB24}">
+                <p16:designElem xmlns:p16="http://schemas.microsoft.com/office/powerpoint/2015/main" val="1"/>
+              </p:ext>
+            </p:extLst>
+          </p:nvPr>
+        </p:nvCxnSpPr>
+        <p:spPr>
+          <a:xfrm flipV="1">
+            <a:off x="762000" y="826324"/>
+            <a:ext cx="0" cy="914400"/>
+          </a:xfrm>
+          <a:prstGeom prst="line">
+            <a:avLst/>
+          </a:prstGeom>
+          <a:ln w="19050">
+            <a:solidFill>
+              <a:srgbClr val="FFFFFF">
+                <a:alpha val="80000"/>
+              </a:srgbClr>
+            </a:solidFill>
+          </a:ln>
+        </p:spPr>
+        <p:style>
+          <a:lnRef idx="1">
+            <a:schemeClr val="accent1"/>
+          </a:lnRef>
+          <a:fillRef idx="0">
+            <a:schemeClr val="accent1"/>
+          </a:fillRef>
+          <a:effectRef idx="0">
+            <a:schemeClr val="accent1"/>
+          </a:effectRef>
+          <a:fontRef idx="minor">
+            <a:schemeClr val="tx1"/>
+          </a:fontRef>
+        </p:style>
+      </p:cxnSp>
+      <p:sp>
+        <p:nvSpPr>
           <p:cNvPr id="2" name="Title 1"/>
           <p:cNvSpPr>
             <a:spLocks noGrp="1"/>
@@ -4034,13 +4666,24 @@
             <p:ph type="title"/>
           </p:nvPr>
         </p:nvSpPr>
-        <p:spPr/>
-        <p:txBody>
-          <a:bodyPr/>
+        <p:spPr>
+          <a:xfrm>
+            <a:off x="1024129" y="585216"/>
+            <a:ext cx="5062511" cy="1499616"/>
+          </a:xfrm>
+        </p:spPr>
+        <p:txBody>
+          <a:bodyPr>
+            <a:normAutofit/>
+          </a:bodyPr>
           <a:lstStyle/>
           <a:p>
             <a:r>
-              <a:rPr lang="en-US" dirty="0"/>
+              <a:rPr lang="en-US">
+                <a:solidFill>
+                  <a:srgbClr val="FFFFFF"/>
+                </a:solidFill>
+              </a:rPr>
               <a:t>Design</a:t>
             </a:r>
           </a:p>
@@ -4048,7 +4691,7 @@
       </p:sp>
       <p:sp>
         <p:nvSpPr>
-          <p:cNvPr id="3" name="Content Placeholder 2"/>
+          <p:cNvPr id="8" name="Content Placeholder 7"/>
           <p:cNvSpPr>
             <a:spLocks noGrp="1"/>
           </p:cNvSpPr>
@@ -4056,19 +4699,158 @@
             <p:ph idx="1"/>
           </p:nvPr>
         </p:nvSpPr>
-        <p:spPr/>
-        <p:txBody>
-          <a:bodyPr/>
+        <p:spPr>
+          <a:xfrm>
+            <a:off x="1024128" y="2084831"/>
+            <a:ext cx="5408203" cy="4456281"/>
+          </a:xfrm>
+        </p:spPr>
+        <p:txBody>
+          <a:bodyPr>
+            <a:normAutofit/>
+          </a:bodyPr>
           <a:lstStyle/>
           <a:p>
-            <a:endParaRPr lang="en-US" dirty="0"/>
+            <a:pPr>
+              <a:lnSpc>
+                <a:spcPct val="70000"/>
+              </a:lnSpc>
+            </a:pPr>
+            <a:r>
+              <a:rPr lang="en-US" sz="1800" dirty="0">
+                <a:solidFill>
+                  <a:srgbClr val="FFFFFF"/>
+                </a:solidFill>
+              </a:rPr>
+              <a:t>Main menu</a:t>
+            </a:r>
+          </a:p>
+          <a:p>
+            <a:pPr lvl="1">
+              <a:lnSpc>
+                <a:spcPct val="70000"/>
+              </a:lnSpc>
+            </a:pPr>
+            <a:r>
+              <a:rPr lang="en-US" sz="1800" dirty="0">
+                <a:solidFill>
+                  <a:srgbClr val="FFFFFF"/>
+                </a:solidFill>
+              </a:rPr>
+              <a:t>Displays choices for the user to play the game, see their scores, read simple instructions, or exit</a:t>
+            </a:r>
+          </a:p>
+          <a:p>
+            <a:pPr lvl="1">
+              <a:lnSpc>
+                <a:spcPct val="70000"/>
+              </a:lnSpc>
+            </a:pPr>
+            <a:r>
+              <a:rPr lang="en-US" sz="1800" dirty="0">
+                <a:solidFill>
+                  <a:srgbClr val="FFFFFF"/>
+                </a:solidFill>
+              </a:rPr>
+              <a:t>It also handles invalid inputs and lets the user retry</a:t>
+            </a:r>
+          </a:p>
+          <a:p>
+            <a:pPr>
+              <a:lnSpc>
+                <a:spcPct val="70000"/>
+              </a:lnSpc>
+            </a:pPr>
+            <a:r>
+              <a:rPr lang="en-US" sz="1800" dirty="0">
+                <a:solidFill>
+                  <a:srgbClr val="FFFFFF"/>
+                </a:solidFill>
+              </a:rPr>
+              <a:t>Place tile</a:t>
+            </a:r>
+          </a:p>
+          <a:p>
+            <a:pPr lvl="1">
+              <a:lnSpc>
+                <a:spcPct val="70000"/>
+              </a:lnSpc>
+            </a:pPr>
+            <a:r>
+              <a:rPr lang="en-US" sz="1800" dirty="0">
+                <a:solidFill>
+                  <a:srgbClr val="FFFFFF"/>
+                </a:solidFill>
+              </a:rPr>
+              <a:t>Only accept valid columns</a:t>
+            </a:r>
+          </a:p>
+          <a:p>
+            <a:pPr lvl="1">
+              <a:lnSpc>
+                <a:spcPct val="70000"/>
+              </a:lnSpc>
+            </a:pPr>
+            <a:r>
+              <a:rPr lang="en-US" sz="1800" dirty="0">
+                <a:solidFill>
+                  <a:srgbClr val="FFFFFF"/>
+                </a:solidFill>
+              </a:rPr>
+              <a:t>Make sure column isn’t full and then place the tile as far down the board as possible without writing over another player’s tile</a:t>
+            </a:r>
+          </a:p>
+          <a:p>
+            <a:pPr>
+              <a:lnSpc>
+                <a:spcPct val="70000"/>
+              </a:lnSpc>
+            </a:pPr>
+            <a:r>
+              <a:rPr lang="en-US" sz="1800" dirty="0">
+                <a:solidFill>
+                  <a:srgbClr val="FFFFFF"/>
+                </a:solidFill>
+              </a:rPr>
+              <a:t>Check for a winner</a:t>
+            </a:r>
+          </a:p>
+          <a:p>
+            <a:pPr lvl="1">
+              <a:lnSpc>
+                <a:spcPct val="70000"/>
+              </a:lnSpc>
+            </a:pPr>
+            <a:r>
+              <a:rPr lang="en-US" sz="1800" dirty="0">
+                <a:solidFill>
+                  <a:srgbClr val="FFFFFF"/>
+                </a:solidFill>
+              </a:rPr>
+              <a:t>Checks horizontal, vertical, and both diagonals to see if the player that just placed a tile won or not</a:t>
+            </a:r>
+          </a:p>
+          <a:p>
+            <a:pPr lvl="1">
+              <a:lnSpc>
+                <a:spcPct val="70000"/>
+              </a:lnSpc>
+            </a:pPr>
+            <a:r>
+              <a:rPr lang="en-US" sz="1800" dirty="0">
+                <a:solidFill>
+                  <a:srgbClr val="FFFFFF"/>
+                </a:solidFill>
+              </a:rPr>
+              <a:t>Starts calling the check function only after 7 tiles are placed </a:t>
+            </a:r>
           </a:p>
         </p:txBody>
       </p:sp>
     </p:spTree>
     <p:extLst>
       <p:ext uri="{BB962C8B-B14F-4D97-AF65-F5344CB8AC3E}">
-        <p14:creationId xmlns:p14="http://schemas.microsoft.com/office/powerpoint/2010/main" val="1682673184"/>
+        <p14:creationId xmlns:p14="http://schemas.microsoft.com/office/powerpoint/2010/main" val="395451313"/>
       </p:ext>
     </p:extLst>
   </p:cSld>
@@ -4112,8 +4894,15 @@
           <a:p>
             <a:r>
               <a:rPr lang="en-US" dirty="0"/>
-              <a:t>Code Walkthrough/ Demo</a:t>
-            </a:r>
+              <a:t>Code Walkthrough/ </a:t>
+            </a:r>
+            <a:r>
+              <a:rPr lang="en-US" dirty="0">
+                <a:hlinkClick r:id="rId3" action="ppaction://hlinkfile"/>
+              </a:rPr>
+              <a:t>Demo</a:t>
+            </a:r>
+            <a:endParaRPr lang="en-US" dirty="0"/>
           </a:p>
         </p:txBody>
       </p:sp>
@@ -7942,6 +8731,64 @@
       </p:grpSpPr>
       <p:sp>
         <p:nvSpPr>
+          <p:cNvPr id="7" name="Rectangle 6"/>
+          <p:cNvSpPr>
+            <a:spLocks noGrp="1" noRot="1" noChangeAspect="1" noMove="1" noResize="1" noEditPoints="1" noAdjustHandles="1" noChangeArrowheads="1" noChangeShapeType="1" noTextEdit="1"/>
+          </p:cNvSpPr>
+          <p:nvPr>
+            <p:extLst>
+              <p:ext uri="{386F3935-93C4-4BCD-93E2-E3B085C9AB24}">
+                <p16:designElem xmlns:p16="http://schemas.microsoft.com/office/powerpoint/2015/main" val="1"/>
+              </p:ext>
+            </p:extLst>
+          </p:nvPr>
+        </p:nvSpPr>
+        <p:spPr bwMode="ltGray">
+          <a:xfrm>
+            <a:off x="321564" y="320040"/>
+            <a:ext cx="11548872" cy="6217920"/>
+          </a:xfrm>
+          <a:prstGeom prst="rect">
+            <a:avLst/>
+          </a:prstGeom>
+          <a:solidFill>
+            <a:schemeClr val="tx1">
+              <a:alpha val="10000"/>
+            </a:schemeClr>
+          </a:solidFill>
+          <a:ln w="127000" cap="sq" cmpd="thinThick">
+            <a:solidFill>
+              <a:schemeClr val="bg2"/>
+            </a:solidFill>
+          </a:ln>
+        </p:spPr>
+        <p:style>
+          <a:lnRef idx="2">
+            <a:schemeClr val="accent1">
+              <a:shade val="50000"/>
+            </a:schemeClr>
+          </a:lnRef>
+          <a:fillRef idx="1">
+            <a:schemeClr val="accent1"/>
+          </a:fillRef>
+          <a:effectRef idx="0">
+            <a:schemeClr val="accent1"/>
+          </a:effectRef>
+          <a:fontRef idx="minor">
+            <a:schemeClr val="lt1"/>
+          </a:fontRef>
+        </p:style>
+        <p:txBody>
+          <a:bodyPr rtlCol="0" anchor="ctr"/>
+          <a:lstStyle/>
+          <a:p>
+            <a:pPr algn="ctr"/>
+            <a:endParaRPr lang="en-US"/>
+          </a:p>
+        </p:txBody>
+      </p:sp>
+      <p:sp>
+        <p:nvSpPr>
           <p:cNvPr id="2" name="Title 1"/>
           <p:cNvSpPr>
             <a:spLocks noGrp="1"/>
@@ -7950,13 +8797,20 @@
             <p:ph type="title"/>
           </p:nvPr>
         </p:nvSpPr>
-        <p:spPr/>
-        <p:txBody>
-          <a:bodyPr/>
+        <p:spPr>
+          <a:xfrm>
+            <a:off x="838200" y="631825"/>
+            <a:ext cx="10515600" cy="1325563"/>
+          </a:xfrm>
+        </p:spPr>
+        <p:txBody>
+          <a:bodyPr>
+            <a:normAutofit/>
+          </a:bodyPr>
           <a:lstStyle/>
           <a:p>
             <a:r>
-              <a:rPr lang="en-US" dirty="0"/>
+              <a:rPr lang="en-US"/>
               <a:t>Lessons Learned</a:t>
             </a:r>
           </a:p>
@@ -7972,34 +8826,37 @@
             <p:ph idx="1"/>
           </p:nvPr>
         </p:nvSpPr>
-        <p:spPr/>
-        <p:txBody>
-          <a:bodyPr/>
+        <p:spPr>
+          <a:xfrm>
+            <a:off x="838200" y="2057400"/>
+            <a:ext cx="10515600" cy="3871762"/>
+          </a:xfrm>
+        </p:spPr>
+        <p:txBody>
+          <a:bodyPr>
+            <a:normAutofit/>
+          </a:bodyPr>
           <a:lstStyle/>
           <a:p>
             <a:r>
-              <a:rPr lang="en-US" dirty="0"/>
+              <a:rPr lang="en-US" sz="2400" dirty="0"/>
               <a:t>It can be helpful to write your program in a language you know well and then translate it once you find a way that works (if you have the time)</a:t>
             </a:r>
           </a:p>
           <a:p>
             <a:r>
-              <a:rPr lang="en-US" dirty="0"/>
+              <a:rPr lang="en-US" sz="2400" dirty="0"/>
               <a:t>Communication is key to making a project work, which I think is why we were able to get it done on time</a:t>
             </a:r>
           </a:p>
           <a:p>
             <a:r>
-              <a:rPr lang="en-US" dirty="0"/>
-              <a:t>Test your code as you go, don’t just assume it will work when you compile </a:t>
-            </a:r>
-            <a:r>
-              <a:rPr lang="en-US"/>
-              <a:t>it later</a:t>
-            </a:r>
-          </a:p>
-          <a:p>
-            <a:endParaRPr lang="en-US" dirty="0"/>
+              <a:rPr lang="en-US" sz="2400" dirty="0"/>
+              <a:t>Test your code as you go, don’t just assume it will work when you compile it later</a:t>
+            </a:r>
+          </a:p>
+          <a:p>
+            <a:endParaRPr lang="en-US" sz="2400" dirty="0"/>
           </a:p>
         </p:txBody>
       </p:sp>
